--- a/Lesson3/lab/Regular_expression.pptx
+++ b/Lesson3/lab/Regular_expression.pptx
@@ -5,7 +5,7 @@
     <p:sldMasterId id="2147483792" r:id="rId1"/>
   </p:sldMasterIdLst>
   <p:notesMasterIdLst>
-    <p:notesMasterId r:id="rId31"/>
+    <p:notesMasterId r:id="rId30"/>
   </p:notesMasterIdLst>
   <p:sldIdLst>
     <p:sldId id="324" r:id="rId2"/>
@@ -19,24 +19,23 @@
     <p:sldId id="415" r:id="rId10"/>
     <p:sldId id="401" r:id="rId11"/>
     <p:sldId id="380" r:id="rId12"/>
-    <p:sldId id="381" r:id="rId13"/>
-    <p:sldId id="382" r:id="rId14"/>
-    <p:sldId id="383" r:id="rId15"/>
-    <p:sldId id="416" r:id="rId16"/>
-    <p:sldId id="417" r:id="rId17"/>
-    <p:sldId id="384" r:id="rId18"/>
-    <p:sldId id="385" r:id="rId19"/>
-    <p:sldId id="386" r:id="rId20"/>
-    <p:sldId id="387" r:id="rId21"/>
-    <p:sldId id="394" r:id="rId22"/>
-    <p:sldId id="395" r:id="rId23"/>
-    <p:sldId id="396" r:id="rId24"/>
-    <p:sldId id="397" r:id="rId25"/>
-    <p:sldId id="413" r:id="rId26"/>
-    <p:sldId id="411" r:id="rId27"/>
-    <p:sldId id="429" r:id="rId28"/>
-    <p:sldId id="427" r:id="rId29"/>
-    <p:sldId id="430" r:id="rId30"/>
+    <p:sldId id="382" r:id="rId13"/>
+    <p:sldId id="383" r:id="rId14"/>
+    <p:sldId id="416" r:id="rId15"/>
+    <p:sldId id="417" r:id="rId16"/>
+    <p:sldId id="384" r:id="rId17"/>
+    <p:sldId id="385" r:id="rId18"/>
+    <p:sldId id="386" r:id="rId19"/>
+    <p:sldId id="387" r:id="rId20"/>
+    <p:sldId id="394" r:id="rId21"/>
+    <p:sldId id="395" r:id="rId22"/>
+    <p:sldId id="396" r:id="rId23"/>
+    <p:sldId id="397" r:id="rId24"/>
+    <p:sldId id="413" r:id="rId25"/>
+    <p:sldId id="411" r:id="rId26"/>
+    <p:sldId id="429" r:id="rId27"/>
+    <p:sldId id="427" r:id="rId28"/>
+    <p:sldId id="430" r:id="rId29"/>
   </p:sldIdLst>
   <p:sldSz cx="9144000" cy="6858000" type="screen4x3"/>
   <p:notesSz cx="6858000" cy="9144000"/>
@@ -137,7 +136,7 @@
   </p:defaultTextStyle>
   <p:extLst>
     <p:ext uri="{EFAFB233-063F-42B5-8137-9DF3F51BA10A}">
-      <p15:sldGuideLst xmlns:p15="http://schemas.microsoft.com/office/powerpoint/2012/main">
+      <p15:sldGuideLst xmlns:p15="http://schemas.microsoft.com/office/powerpoint/2012/main" xmlns="">
         <p15:guide id="1" orient="horz" pos="2160">
           <p15:clr>
             <a:srgbClr val="A4A3A4"/>
@@ -236,7 +235,7 @@
           <a:p>
             <a:fld id="{092C942D-D737-411D-A0E8-3545A9B627C6}" type="datetimeFigureOut">
               <a:rPr lang="ru-RU" smtClean="0"/>
-              <a:t>16.07.2020</a:t>
+              <a:t>17.07.2020</a:t>
             </a:fld>
             <a:endParaRPr lang="ru-RU"/>
           </a:p>
@@ -718,7 +717,138 @@
           <a:bodyPr/>
           <a:lstStyle/>
           <a:p>
-            <a:endParaRPr lang="ru-RU"/>
+            <a:pPr marL="0" marR="0" lvl="0" indent="0" algn="l" defTabSz="914400" rtl="0" eaLnBrk="1" fontAlgn="auto" latinLnBrk="0" hangingPunct="1">
+              <a:lnSpc>
+                <a:spcPct val="100000"/>
+              </a:lnSpc>
+              <a:spcBef>
+                <a:spcPts val="0"/>
+              </a:spcBef>
+              <a:spcAft>
+                <a:spcPts val="0"/>
+              </a:spcAft>
+              <a:buClrTx/>
+              <a:buSzTx/>
+              <a:buFontTx/>
+              <a:buNone/>
+              <a:tabLst/>
+              <a:defRPr/>
+            </a:pPr>
+            <a:r>
+              <a:rPr lang="en-US" dirty="0"/>
+              <a:t>Meta-</a:t>
+            </a:r>
+            <a:r>
+              <a:rPr lang="ru-RU" dirty="0"/>
+              <a:t>символы в с</a:t>
+            </a:r>
+            <a:r>
+              <a:rPr lang="en-US" dirty="0" err="1"/>
+              <a:t>haracter</a:t>
+            </a:r>
+            <a:r>
+              <a:rPr lang="en-US" dirty="0"/>
+              <a:t> sets</a:t>
+            </a:r>
+            <a:r>
+              <a:rPr lang="uk-UA" dirty="0"/>
+              <a:t> не </a:t>
+            </a:r>
+            <a:r>
+              <a:rPr lang="uk-UA" dirty="0" err="1"/>
+              <a:t>имеют</a:t>
+            </a:r>
+            <a:r>
+              <a:rPr lang="uk-UA" dirty="0"/>
+              <a:t> </a:t>
+            </a:r>
+            <a:r>
+              <a:rPr lang="uk-UA" dirty="0" err="1"/>
+              <a:t>своего</a:t>
+            </a:r>
+            <a:r>
+              <a:rPr lang="uk-UA" dirty="0"/>
+              <a:t> </a:t>
+            </a:r>
+            <a:r>
+              <a:rPr lang="uk-UA" dirty="0" err="1"/>
+              <a:t>специального</a:t>
+            </a:r>
+            <a:r>
+              <a:rPr lang="uk-UA" dirty="0"/>
+              <a:t> </a:t>
+            </a:r>
+            <a:r>
+              <a:rPr lang="uk-UA" dirty="0" err="1"/>
+              <a:t>действия</a:t>
+            </a:r>
+            <a:r>
+              <a:rPr lang="uk-UA" dirty="0"/>
+              <a:t>, </a:t>
+            </a:r>
+            <a:r>
+              <a:rPr lang="uk-UA" dirty="0" err="1"/>
+              <a:t>кроме</a:t>
+            </a:r>
+            <a:r>
+              <a:rPr lang="uk-UA" dirty="0"/>
+              <a:t> мета-</a:t>
+            </a:r>
+            <a:r>
+              <a:rPr lang="uk-UA" dirty="0" err="1"/>
+              <a:t>символов</a:t>
+            </a:r>
+            <a:r>
+              <a:rPr lang="en-US" dirty="0"/>
+              <a:t> </a:t>
+            </a:r>
+            <a:r>
+              <a:rPr lang="uk-UA" dirty="0"/>
+              <a:t> </a:t>
+            </a:r>
+            <a:r>
+              <a:rPr lang="en-US" dirty="0"/>
+              <a:t> </a:t>
+            </a:r>
+            <a:r>
+              <a:rPr lang="en-US" sz="1400" dirty="0">
+                <a:solidFill>
+                  <a:schemeClr val="accent2"/>
+                </a:solidFill>
+              </a:rPr>
+              <a:t>] - ^ \  </a:t>
+            </a:r>
+            <a:r>
+              <a:rPr lang="ru-RU" dirty="0"/>
+              <a:t>которые, </a:t>
+            </a:r>
+          </a:p>
+          <a:p>
+            <a:pPr marL="0" marR="0" lvl="0" indent="0" algn="l" defTabSz="914400" rtl="0" eaLnBrk="1" fontAlgn="auto" latinLnBrk="0" hangingPunct="1">
+              <a:lnSpc>
+                <a:spcPct val="100000"/>
+              </a:lnSpc>
+              <a:spcBef>
+                <a:spcPts val="0"/>
+              </a:spcBef>
+              <a:spcAft>
+                <a:spcPts val="0"/>
+              </a:spcAft>
+              <a:buClrTx/>
+              <a:buSzTx/>
+              <a:buFontTx/>
+              <a:buNone/>
+              <a:tabLst/>
+              <a:defRPr/>
+            </a:pPr>
+            <a:r>
+              <a:rPr lang="ru-RU" dirty="0"/>
+              <a:t>если надо чтобы они не имели воздействия, предварять обратным слешем.</a:t>
+            </a:r>
+            <a:endParaRPr lang="uk-UA" dirty="0"/>
+          </a:p>
+          <a:p>
+            <a:endParaRPr lang="ru-RU" dirty="0"/>
           </a:p>
         </p:txBody>
       </p:sp>
@@ -802,138 +932,7 @@
           <a:bodyPr/>
           <a:lstStyle/>
           <a:p>
-            <a:pPr marL="0" marR="0" lvl="0" indent="0" algn="l" defTabSz="914400" rtl="0" eaLnBrk="1" fontAlgn="auto" latinLnBrk="0" hangingPunct="1">
-              <a:lnSpc>
-                <a:spcPct val="100000"/>
-              </a:lnSpc>
-              <a:spcBef>
-                <a:spcPts val="0"/>
-              </a:spcBef>
-              <a:spcAft>
-                <a:spcPts val="0"/>
-              </a:spcAft>
-              <a:buClrTx/>
-              <a:buSzTx/>
-              <a:buFontTx/>
-              <a:buNone/>
-              <a:tabLst/>
-              <a:defRPr/>
-            </a:pPr>
-            <a:r>
-              <a:rPr lang="en-US" dirty="0"/>
-              <a:t>Meta-</a:t>
-            </a:r>
-            <a:r>
-              <a:rPr lang="ru-RU" dirty="0"/>
-              <a:t>символы в с</a:t>
-            </a:r>
-            <a:r>
-              <a:rPr lang="en-US" dirty="0" err="1"/>
-              <a:t>haracter</a:t>
-            </a:r>
-            <a:r>
-              <a:rPr lang="en-US" dirty="0"/>
-              <a:t> sets</a:t>
-            </a:r>
-            <a:r>
-              <a:rPr lang="uk-UA" dirty="0"/>
-              <a:t> не </a:t>
-            </a:r>
-            <a:r>
-              <a:rPr lang="uk-UA" dirty="0" err="1"/>
-              <a:t>имеют</a:t>
-            </a:r>
-            <a:r>
-              <a:rPr lang="uk-UA" dirty="0"/>
-              <a:t> </a:t>
-            </a:r>
-            <a:r>
-              <a:rPr lang="uk-UA" dirty="0" err="1"/>
-              <a:t>своего</a:t>
-            </a:r>
-            <a:r>
-              <a:rPr lang="uk-UA" dirty="0"/>
-              <a:t> </a:t>
-            </a:r>
-            <a:r>
-              <a:rPr lang="uk-UA" dirty="0" err="1"/>
-              <a:t>специального</a:t>
-            </a:r>
-            <a:r>
-              <a:rPr lang="uk-UA" dirty="0"/>
-              <a:t> </a:t>
-            </a:r>
-            <a:r>
-              <a:rPr lang="uk-UA" dirty="0" err="1"/>
-              <a:t>действия</a:t>
-            </a:r>
-            <a:r>
-              <a:rPr lang="uk-UA" dirty="0"/>
-              <a:t>, </a:t>
-            </a:r>
-            <a:r>
-              <a:rPr lang="uk-UA" dirty="0" err="1"/>
-              <a:t>кроме</a:t>
-            </a:r>
-            <a:r>
-              <a:rPr lang="uk-UA" dirty="0"/>
-              <a:t> мета-</a:t>
-            </a:r>
-            <a:r>
-              <a:rPr lang="uk-UA" dirty="0" err="1"/>
-              <a:t>символов</a:t>
-            </a:r>
-            <a:r>
-              <a:rPr lang="en-US" dirty="0"/>
-              <a:t> </a:t>
-            </a:r>
-            <a:r>
-              <a:rPr lang="uk-UA" dirty="0"/>
-              <a:t> </a:t>
-            </a:r>
-            <a:r>
-              <a:rPr lang="en-US" dirty="0"/>
-              <a:t> </a:t>
-            </a:r>
-            <a:r>
-              <a:rPr lang="en-US" sz="1400" dirty="0">
-                <a:solidFill>
-                  <a:schemeClr val="accent2"/>
-                </a:solidFill>
-              </a:rPr>
-              <a:t>] - ^ \  </a:t>
-            </a:r>
-            <a:r>
-              <a:rPr lang="ru-RU" dirty="0"/>
-              <a:t>которые, </a:t>
-            </a:r>
-          </a:p>
-          <a:p>
-            <a:pPr marL="0" marR="0" lvl="0" indent="0" algn="l" defTabSz="914400" rtl="0" eaLnBrk="1" fontAlgn="auto" latinLnBrk="0" hangingPunct="1">
-              <a:lnSpc>
-                <a:spcPct val="100000"/>
-              </a:lnSpc>
-              <a:spcBef>
-                <a:spcPts val="0"/>
-              </a:spcBef>
-              <a:spcAft>
-                <a:spcPts val="0"/>
-              </a:spcAft>
-              <a:buClrTx/>
-              <a:buSzTx/>
-              <a:buFontTx/>
-              <a:buNone/>
-              <a:tabLst/>
-              <a:defRPr/>
-            </a:pPr>
-            <a:r>
-              <a:rPr lang="ru-RU" dirty="0"/>
-              <a:t>если надо чтобы они не имели воздействия, предварять обратным слешем.</a:t>
-            </a:r>
-            <a:endParaRPr lang="uk-UA" dirty="0"/>
-          </a:p>
-          <a:p>
-            <a:endParaRPr lang="ru-RU" dirty="0"/>
+            <a:endParaRPr lang="ru-RU"/>
           </a:p>
         </p:txBody>
       </p:sp>
@@ -1383,7 +1382,7 @@
     </p:spTree>
     <p:extLst>
       <p:ext uri="{BB962C8B-B14F-4D97-AF65-F5344CB8AC3E}">
-        <p14:creationId xmlns:p14="http://schemas.microsoft.com/office/powerpoint/2010/main" val="2994485259"/>
+        <p14:creationId xmlns:p14="http://schemas.microsoft.com/office/powerpoint/2010/main" val="3985414837"/>
       </p:ext>
     </p:extLst>
   </p:cSld>
@@ -1437,7 +1436,10 @@
           <a:bodyPr/>
           <a:lstStyle/>
           <a:p>
-            <a:endParaRPr lang="ru-RU"/>
+            <a:r>
+              <a:rPr lang="ru-RU" dirty="0"/>
+              <a:t>* Более жадный</a:t>
+            </a:r>
           </a:p>
         </p:txBody>
       </p:sp>
@@ -1467,7 +1469,7 @@
     </p:spTree>
     <p:extLst>
       <p:ext uri="{BB962C8B-B14F-4D97-AF65-F5344CB8AC3E}">
-        <p14:creationId xmlns:p14="http://schemas.microsoft.com/office/powerpoint/2010/main" val="3985414837"/>
+        <p14:creationId xmlns:p14="http://schemas.microsoft.com/office/powerpoint/2010/main" val="3893973775"/>
       </p:ext>
     </p:extLst>
   </p:cSld>
@@ -1496,7 +1498,7 @@
       </p:grpSpPr>
       <p:sp>
         <p:nvSpPr>
-          <p:cNvPr id="2" name="Образ слайда 1"/>
+          <p:cNvPr id="2" name="Slide Image Placeholder 1"/>
           <p:cNvSpPr>
             <a:spLocks noGrp="1" noRot="1" noChangeAspect="1"/>
           </p:cNvSpPr>
@@ -1508,7 +1510,7 @@
       </p:sp>
       <p:sp>
         <p:nvSpPr>
-          <p:cNvPr id="3" name="Заметки 2"/>
+          <p:cNvPr id="3" name="Notes Placeholder 2"/>
           <p:cNvSpPr>
             <a:spLocks noGrp="1"/>
           </p:cNvSpPr>
@@ -1521,21 +1523,21 @@
           <a:bodyPr/>
           <a:lstStyle/>
           <a:p>
-            <a:r>
-              <a:rPr lang="ru-RU" dirty="0"/>
-              <a:t>* Более жадный</a:t>
-            </a:r>
+            <a:pPr marL="228600" indent="-228600">
+              <a:buAutoNum type="arabicPeriod"/>
+            </a:pPr>
+            <a:endParaRPr lang="en-US" dirty="0"/>
           </a:p>
         </p:txBody>
       </p:sp>
       <p:sp>
         <p:nvSpPr>
-          <p:cNvPr id="4" name="Номер слайда 3"/>
+          <p:cNvPr id="4" name="Slide Number Placeholder 3"/>
           <p:cNvSpPr>
             <a:spLocks noGrp="1"/>
           </p:cNvSpPr>
           <p:nvPr>
-            <p:ph type="sldNum" sz="quarter" idx="10"/>
+            <p:ph type="sldNum" sz="quarter" idx="5"/>
           </p:nvPr>
         </p:nvSpPr>
         <p:spPr/>
@@ -1543,9 +1545,9 @@
           <a:bodyPr/>
           <a:lstStyle/>
           <a:p>
-            <a:fld id="{1EB747D1-FEBF-423A-AD6B-EF9B292E11F6}" type="slidenum">
+            <a:fld id="{C0446FDC-1031-4836-92F9-245DF2638E3B}" type="slidenum">
               <a:rPr lang="ru-RU" smtClean="0"/>
-              <a:t>26</a:t>
+              <a:t>27</a:t>
             </a:fld>
             <a:endParaRPr lang="ru-RU"/>
           </a:p>
@@ -1554,7 +1556,7 @@
     </p:spTree>
     <p:extLst>
       <p:ext uri="{BB962C8B-B14F-4D97-AF65-F5344CB8AC3E}">
-        <p14:creationId xmlns:p14="http://schemas.microsoft.com/office/powerpoint/2010/main" val="3893973775"/>
+        <p14:creationId xmlns:p14="http://schemas.microsoft.com/office/powerpoint/2010/main" val="1437544008"/>
       </p:ext>
     </p:extLst>
   </p:cSld>
@@ -1728,93 +1730,6 @@
     </p:spTree>
     <p:extLst>
       <p:ext uri="{BB962C8B-B14F-4D97-AF65-F5344CB8AC3E}">
-        <p14:creationId xmlns:p14="http://schemas.microsoft.com/office/powerpoint/2010/main" val="1437544008"/>
-      </p:ext>
-    </p:extLst>
-  </p:cSld>
-  <p:clrMapOvr>
-    <a:masterClrMapping/>
-  </p:clrMapOvr>
-</p:notes>
-</file>
-
-<file path=ppt/notesSlides/notesSlide21.xml><?xml version="1.0" encoding="utf-8"?>
-<p:notes xmlns:a="http://schemas.openxmlformats.org/drawingml/2006/main" xmlns:r="http://schemas.openxmlformats.org/officeDocument/2006/relationships" xmlns:p="http://schemas.openxmlformats.org/presentationml/2006/main">
-  <p:cSld>
-    <p:spTree>
-      <p:nvGrpSpPr>
-        <p:cNvPr id="1" name=""/>
-        <p:cNvGrpSpPr/>
-        <p:nvPr/>
-      </p:nvGrpSpPr>
-      <p:grpSpPr>
-        <a:xfrm>
-          <a:off x="0" y="0"/>
-          <a:ext cx="0" cy="0"/>
-          <a:chOff x="0" y="0"/>
-          <a:chExt cx="0" cy="0"/>
-        </a:xfrm>
-      </p:grpSpPr>
-      <p:sp>
-        <p:nvSpPr>
-          <p:cNvPr id="2" name="Slide Image Placeholder 1"/>
-          <p:cNvSpPr>
-            <a:spLocks noGrp="1" noRot="1" noChangeAspect="1"/>
-          </p:cNvSpPr>
-          <p:nvPr>
-            <p:ph type="sldImg"/>
-          </p:nvPr>
-        </p:nvSpPr>
-        <p:spPr/>
-      </p:sp>
-      <p:sp>
-        <p:nvSpPr>
-          <p:cNvPr id="3" name="Notes Placeholder 2"/>
-          <p:cNvSpPr>
-            <a:spLocks noGrp="1"/>
-          </p:cNvSpPr>
-          <p:nvPr>
-            <p:ph type="body" idx="1"/>
-          </p:nvPr>
-        </p:nvSpPr>
-        <p:spPr/>
-        <p:txBody>
-          <a:bodyPr/>
-          <a:lstStyle/>
-          <a:p>
-            <a:pPr marL="228600" indent="-228600">
-              <a:buAutoNum type="arabicPeriod"/>
-            </a:pPr>
-            <a:endParaRPr lang="en-US" dirty="0"/>
-          </a:p>
-        </p:txBody>
-      </p:sp>
-      <p:sp>
-        <p:nvSpPr>
-          <p:cNvPr id="4" name="Slide Number Placeholder 3"/>
-          <p:cNvSpPr>
-            <a:spLocks noGrp="1"/>
-          </p:cNvSpPr>
-          <p:nvPr>
-            <p:ph type="sldNum" sz="quarter" idx="5"/>
-          </p:nvPr>
-        </p:nvSpPr>
-        <p:spPr/>
-        <p:txBody>
-          <a:bodyPr/>
-          <a:lstStyle/>
-          <a:p>
-            <a:fld id="{C0446FDC-1031-4836-92F9-245DF2638E3B}" type="slidenum">
-              <a:rPr lang="ru-RU" smtClean="0"/>
-              <a:t>29</a:t>
-            </a:fld>
-            <a:endParaRPr lang="ru-RU"/>
-          </a:p>
-        </p:txBody>
-      </p:sp>
-    </p:spTree>
-    <p:extLst>
-      <p:ext uri="{BB962C8B-B14F-4D97-AF65-F5344CB8AC3E}">
         <p14:creationId xmlns:p14="http://schemas.microsoft.com/office/powerpoint/2010/main" val="391845123"/>
       </p:ext>
     </p:extLst>
@@ -2502,7 +2417,7 @@
           <a:p>
             <a:fld id="{1EB747D1-FEBF-423A-AD6B-EF9B292E11F6}" type="slidenum">
               <a:rPr lang="ru-RU" smtClean="0"/>
-              <a:t>14</a:t>
+              <a:t>15</a:t>
             </a:fld>
             <a:endParaRPr lang="ru-RU"/>
           </a:p>
@@ -2511,7 +2426,7 @@
     </p:spTree>
     <p:extLst>
       <p:ext uri="{BB962C8B-B14F-4D97-AF65-F5344CB8AC3E}">
-        <p14:creationId xmlns:p14="http://schemas.microsoft.com/office/powerpoint/2010/main" val="2994485259"/>
+        <p14:creationId xmlns:p14="http://schemas.microsoft.com/office/powerpoint/2010/main" val="1492035971"/>
       </p:ext>
     </p:extLst>
   </p:cSld>
@@ -2595,7 +2510,7 @@
     </p:spTree>
     <p:extLst>
       <p:ext uri="{BB962C8B-B14F-4D97-AF65-F5344CB8AC3E}">
-        <p14:creationId xmlns:p14="http://schemas.microsoft.com/office/powerpoint/2010/main" val="1492035971"/>
+        <p14:creationId xmlns:p14="http://schemas.microsoft.com/office/powerpoint/2010/main" val="2994485259"/>
       </p:ext>
     </p:extLst>
   </p:cSld>
@@ -3269,7 +3184,7 @@
           <a:p>
             <a:fld id="{B4C71EC6-210F-42DE-9C53-41977AD35B3D}" type="datetimeFigureOut">
               <a:rPr lang="ru-RU" smtClean="0"/>
-              <a:t>16.07.2020</a:t>
+              <a:t>17.07.2020</a:t>
             </a:fld>
             <a:endParaRPr lang="ru-RU"/>
           </a:p>
@@ -3459,7 +3374,7 @@
           <a:p>
             <a:fld id="{B4C71EC6-210F-42DE-9C53-41977AD35B3D}" type="datetimeFigureOut">
               <a:rPr lang="ru-RU" smtClean="0"/>
-              <a:t>16.07.2020</a:t>
+              <a:t>17.07.2020</a:t>
             </a:fld>
             <a:endParaRPr lang="ru-RU"/>
           </a:p>
@@ -3634,7 +3549,7 @@
           <a:p>
             <a:fld id="{B4C71EC6-210F-42DE-9C53-41977AD35B3D}" type="datetimeFigureOut">
               <a:rPr lang="ru-RU" smtClean="0"/>
-              <a:t>16.07.2020</a:t>
+              <a:t>17.07.2020</a:t>
             </a:fld>
             <a:endParaRPr lang="ru-RU"/>
           </a:p>
@@ -3776,7 +3691,7 @@
           <a:p>
             <a:fld id="{B4C71EC6-210F-42DE-9C53-41977AD35B3D}" type="datetimeFigureOut">
               <a:rPr lang="ru-RU" smtClean="0"/>
-              <a:t>16.07.2020</a:t>
+              <a:t>17.07.2020</a:t>
             </a:fld>
             <a:endParaRPr lang="ru-RU"/>
           </a:p>
@@ -4047,7 +3962,7 @@
           <a:p>
             <a:fld id="{B4C71EC6-210F-42DE-9C53-41977AD35B3D}" type="datetimeFigureOut">
               <a:rPr lang="ru-RU" smtClean="0"/>
-              <a:t>16.07.2020</a:t>
+              <a:t>17.07.2020</a:t>
             </a:fld>
             <a:endParaRPr lang="ru-RU"/>
           </a:p>
@@ -4441,7 +4356,7 @@
           <a:p>
             <a:fld id="{B4C71EC6-210F-42DE-9C53-41977AD35B3D}" type="datetimeFigureOut">
               <a:rPr lang="ru-RU" smtClean="0"/>
-              <a:t>16.07.2020</a:t>
+              <a:t>17.07.2020</a:t>
             </a:fld>
             <a:endParaRPr lang="ru-RU"/>
           </a:p>
@@ -4874,7 +4789,7 @@
           <a:p>
             <a:fld id="{B4C71EC6-210F-42DE-9C53-41977AD35B3D}" type="datetimeFigureOut">
               <a:rPr lang="ru-RU" smtClean="0"/>
-              <a:t>16.07.2020</a:t>
+              <a:t>17.07.2020</a:t>
             </a:fld>
             <a:endParaRPr lang="ru-RU"/>
           </a:p>
@@ -4964,7 +4879,7 @@
           <a:p>
             <a:fld id="{B4C71EC6-210F-42DE-9C53-41977AD35B3D}" type="datetimeFigureOut">
               <a:rPr lang="ru-RU" smtClean="0"/>
-              <a:t>16.07.2020</a:t>
+              <a:t>17.07.2020</a:t>
             </a:fld>
             <a:endParaRPr lang="ru-RU"/>
           </a:p>
@@ -5077,7 +4992,7 @@
           <a:p>
             <a:fld id="{B4C71EC6-210F-42DE-9C53-41977AD35B3D}" type="datetimeFigureOut">
               <a:rPr lang="ru-RU" smtClean="0"/>
-              <a:t>16.07.2020</a:t>
+              <a:t>17.07.2020</a:t>
             </a:fld>
             <a:endParaRPr lang="ru-RU"/>
           </a:p>
@@ -5340,7 +5255,7 @@
           <a:p>
             <a:fld id="{B4C71EC6-210F-42DE-9C53-41977AD35B3D}" type="datetimeFigureOut">
               <a:rPr lang="ru-RU" smtClean="0"/>
-              <a:t>16.07.2020</a:t>
+              <a:t>17.07.2020</a:t>
             </a:fld>
             <a:endParaRPr lang="ru-RU"/>
           </a:p>
@@ -5536,7 +5451,7 @@
           <a:p>
             <a:fld id="{B4C71EC6-210F-42DE-9C53-41977AD35B3D}" type="datetimeFigureOut">
               <a:rPr lang="ru-RU" smtClean="0"/>
-              <a:t>16.07.2020</a:t>
+              <a:t>17.07.2020</a:t>
             </a:fld>
             <a:endParaRPr lang="ru-RU"/>
           </a:p>
@@ -6628,7 +6543,7 @@
           <a:p>
             <a:fld id="{B4C71EC6-210F-42DE-9C53-41977AD35B3D}" type="datetimeFigureOut">
               <a:rPr lang="ru-RU" smtClean="0"/>
-              <a:t>16.07.2020</a:t>
+              <a:t>17.07.2020</a:t>
             </a:fld>
             <a:endParaRPr lang="ru-RU"/>
           </a:p>
@@ -7040,7 +6955,7 @@
           <p:cNvPr id="2" name="TextBox 1">
             <a:extLst>
               <a:ext uri="{FF2B5EF4-FFF2-40B4-BE49-F238E27FC236}">
-                <a16:creationId xmlns:a16="http://schemas.microsoft.com/office/drawing/2014/main" id="{7B7DF216-5F61-624D-81A0-00BF0F62C8F3}"/>
+                <a16:creationId xmlns:a16="http://schemas.microsoft.com/office/drawing/2014/main" xmlns="" id="{7B7DF216-5F61-624D-81A0-00BF0F62C8F3}"/>
               </a:ext>
             </a:extLst>
           </p:cNvPr>
@@ -7663,7 +7578,7 @@
           <p:cNvPr id="2" name="TextBox 1">
             <a:extLst>
               <a:ext uri="{FF2B5EF4-FFF2-40B4-BE49-F238E27FC236}">
-                <a16:creationId xmlns:a16="http://schemas.microsoft.com/office/drawing/2014/main" id="{267068FB-8D5B-6846-BC6B-1EF0AD6499A1}"/>
+                <a16:creationId xmlns:a16="http://schemas.microsoft.com/office/drawing/2014/main" xmlns="" id="{267068FB-8D5B-6846-BC6B-1EF0AD6499A1}"/>
               </a:ext>
             </a:extLst>
           </p:cNvPr>
@@ -7699,7 +7614,7 @@
           <p:cNvPr id="3" name="Rectangle 2">
             <a:extLst>
               <a:ext uri="{FF2B5EF4-FFF2-40B4-BE49-F238E27FC236}">
-                <a16:creationId xmlns:a16="http://schemas.microsoft.com/office/drawing/2014/main" id="{E256B6F7-B59C-6E47-911C-51C9B9589CBF}"/>
+                <a16:creationId xmlns:a16="http://schemas.microsoft.com/office/drawing/2014/main" xmlns="" id="{E256B6F7-B59C-6E47-911C-51C9B9589CBF}"/>
               </a:ext>
             </a:extLst>
           </p:cNvPr>
@@ -7740,7 +7655,7 @@
           <p:cNvPr id="7" name="Rectangle 6">
             <a:extLst>
               <a:ext uri="{FF2B5EF4-FFF2-40B4-BE49-F238E27FC236}">
-                <a16:creationId xmlns:a16="http://schemas.microsoft.com/office/drawing/2014/main" id="{E40266E5-B305-D24C-95D1-A1DDBCFE9B37}"/>
+                <a16:creationId xmlns:a16="http://schemas.microsoft.com/office/drawing/2014/main" xmlns="" id="{E40266E5-B305-D24C-95D1-A1DDBCFE9B37}"/>
               </a:ext>
             </a:extLst>
           </p:cNvPr>
@@ -8817,512 +8732,6 @@
       </p:grpSpPr>
       <p:sp>
         <p:nvSpPr>
-          <p:cNvPr id="2" name="Заголовок 1"/>
-          <p:cNvSpPr>
-            <a:spLocks noGrp="1"/>
-          </p:cNvSpPr>
-          <p:nvPr>
-            <p:ph type="ctrTitle"/>
-          </p:nvPr>
-        </p:nvSpPr>
-        <p:spPr>
-          <a:xfrm>
-            <a:off x="136379" y="57750"/>
-            <a:ext cx="2520280" cy="360040"/>
-          </a:xfrm>
-          <a:ln w="19050">
-            <a:solidFill>
-              <a:schemeClr val="tx1">
-                <a:lumMod val="95000"/>
-                <a:lumOff val="5000"/>
-              </a:schemeClr>
-            </a:solidFill>
-          </a:ln>
-        </p:spPr>
-        <p:style>
-          <a:lnRef idx="2">
-            <a:schemeClr val="accent2"/>
-          </a:lnRef>
-          <a:fillRef idx="1">
-            <a:schemeClr val="lt1"/>
-          </a:fillRef>
-          <a:effectRef idx="0">
-            <a:schemeClr val="accent2"/>
-          </a:effectRef>
-          <a:fontRef idx="minor">
-            <a:schemeClr val="dk1"/>
-          </a:fontRef>
-        </p:style>
-        <p:txBody>
-          <a:bodyPr vert="horz" anchor="ctr">
-            <a:normAutofit fontScale="90000"/>
-            <a:scene3d>
-              <a:camera prst="orthographicFront"/>
-              <a:lightRig rig="soft" dir="t"/>
-            </a:scene3d>
-            <a:sp3d prstMaterial="softEdge">
-              <a:bevelT w="25400" h="25400"/>
-            </a:sp3d>
-          </a:bodyPr>
-          <a:lstStyle/>
-          <a:p>
-            <a:r>
-              <a:rPr lang="ru-RU" sz="2400" dirty="0"/>
-              <a:t>Спецсимволы </a:t>
-            </a:r>
-          </a:p>
-        </p:txBody>
-      </p:sp>
-      <p:sp>
-        <p:nvSpPr>
-          <p:cNvPr id="3" name="TextBox 2"/>
-          <p:cNvSpPr txBox="1"/>
-          <p:nvPr/>
-        </p:nvSpPr>
-        <p:spPr>
-          <a:xfrm>
-            <a:off x="107504" y="476672"/>
-            <a:ext cx="8928992" cy="1200329"/>
-          </a:xfrm>
-          <a:prstGeom prst="rect">
-            <a:avLst/>
-          </a:prstGeom>
-          <a:solidFill>
-            <a:schemeClr val="accent1">
-              <a:lumMod val="20000"/>
-              <a:lumOff val="80000"/>
-              <a:alpha val="8000"/>
-            </a:schemeClr>
-          </a:solidFill>
-          <a:ln w="19050">
-            <a:solidFill>
-              <a:schemeClr val="tx1"/>
-            </a:solidFill>
-          </a:ln>
-        </p:spPr>
-        <p:txBody>
-          <a:bodyPr wrap="square" rtlCol="0">
-            <a:spAutoFit/>
-          </a:bodyPr>
-          <a:lstStyle>
-            <a:defPPr>
-              <a:defRPr lang="ru-RU"/>
-            </a:defPPr>
-            <a:lvl1pPr>
-              <a:defRPr b="1"/>
-            </a:lvl1pPr>
-          </a:lstStyle>
-          <a:p>
-            <a:r>
-              <a:rPr lang="en-US" sz="3200" dirty="0"/>
-              <a:t>.</a:t>
-            </a:r>
-            <a:r>
-              <a:rPr lang="en-US" sz="2000" dirty="0"/>
-              <a:t>   +    *    -    :     =   !    ?    \    |    ^    $ </a:t>
-            </a:r>
-          </a:p>
-          <a:p>
-            <a:endParaRPr lang="en-US" sz="2000" dirty="0"/>
-          </a:p>
-          <a:p>
-            <a:r>
-              <a:rPr lang="en-US" sz="2000" dirty="0"/>
-              <a:t>[  ]    (  )  {  } </a:t>
-            </a:r>
-            <a:endParaRPr lang="ru-RU" sz="2000" dirty="0"/>
-          </a:p>
-        </p:txBody>
-      </p:sp>
-      <p:sp>
-        <p:nvSpPr>
-          <p:cNvPr id="4" name="TextBox 3"/>
-          <p:cNvSpPr txBox="1"/>
-          <p:nvPr/>
-        </p:nvSpPr>
-        <p:spPr>
-          <a:xfrm>
-            <a:off x="107504" y="1785590"/>
-            <a:ext cx="8856984" cy="923330"/>
-          </a:xfrm>
-          <a:prstGeom prst="rect">
-            <a:avLst/>
-          </a:prstGeom>
-          <a:solidFill>
-            <a:schemeClr val="accent1">
-              <a:lumMod val="20000"/>
-              <a:lumOff val="80000"/>
-              <a:alpha val="8000"/>
-            </a:schemeClr>
-          </a:solidFill>
-          <a:ln w="19050">
-            <a:solidFill>
-              <a:schemeClr val="tx1"/>
-            </a:solidFill>
-          </a:ln>
-        </p:spPr>
-        <p:txBody>
-          <a:bodyPr wrap="square" rtlCol="0">
-            <a:spAutoFit/>
-          </a:bodyPr>
-          <a:lstStyle>
-            <a:defPPr>
-              <a:defRPr lang="ru-RU"/>
-            </a:defPPr>
-            <a:lvl1pPr>
-              <a:defRPr b="1"/>
-            </a:lvl1pPr>
-          </a:lstStyle>
-          <a:p>
-            <a:r>
-              <a:rPr lang="ru-RU" dirty="0"/>
-              <a:t>Действия </a:t>
-            </a:r>
-            <a:r>
-              <a:rPr lang="en-US" dirty="0"/>
-              <a:t>meta – </a:t>
-            </a:r>
-            <a:r>
-              <a:rPr lang="ru-RU" dirty="0"/>
-              <a:t>символов зависят от того в каком контексте их использовать, и есть некоторые сочетания символов, где </a:t>
-            </a:r>
-          </a:p>
-          <a:p>
-            <a:r>
-              <a:rPr lang="en-US" dirty="0"/>
-              <a:t>meta-</a:t>
-            </a:r>
-            <a:r>
-              <a:rPr lang="ru-RU" dirty="0"/>
-              <a:t>символы теряют свой смысл.</a:t>
-            </a:r>
-          </a:p>
-        </p:txBody>
-      </p:sp>
-      <p:sp>
-        <p:nvSpPr>
-          <p:cNvPr id="5" name="TextBox 4"/>
-          <p:cNvSpPr txBox="1"/>
-          <p:nvPr/>
-        </p:nvSpPr>
-        <p:spPr>
-          <a:xfrm>
-            <a:off x="107504" y="2995205"/>
-            <a:ext cx="8856984" cy="3170099"/>
-          </a:xfrm>
-          <a:prstGeom prst="rect">
-            <a:avLst/>
-          </a:prstGeom>
-          <a:solidFill>
-            <a:schemeClr val="accent1">
-              <a:lumMod val="20000"/>
-              <a:lumOff val="80000"/>
-              <a:alpha val="8000"/>
-            </a:schemeClr>
-          </a:solidFill>
-          <a:ln w="19050">
-            <a:solidFill>
-              <a:schemeClr val="tx1"/>
-            </a:solidFill>
-          </a:ln>
-        </p:spPr>
-        <p:txBody>
-          <a:bodyPr wrap="square" rtlCol="0">
-            <a:spAutoFit/>
-          </a:bodyPr>
-          <a:lstStyle>
-            <a:defPPr>
-              <a:defRPr lang="ru-RU"/>
-            </a:defPPr>
-            <a:lvl1pPr>
-              <a:defRPr b="1"/>
-            </a:lvl1pPr>
-          </a:lstStyle>
-          <a:p>
-            <a:r>
-              <a:rPr lang="en-US" dirty="0"/>
-              <a:t>meta–</a:t>
-            </a:r>
-            <a:r>
-              <a:rPr lang="ru-RU" dirty="0"/>
-              <a:t>символ </a:t>
-            </a:r>
-            <a:r>
-              <a:rPr lang="en-US" sz="2800" dirty="0">
-                <a:solidFill>
-                  <a:srgbClr val="FF0000"/>
-                </a:solidFill>
-              </a:rPr>
-              <a:t>.</a:t>
-            </a:r>
-            <a:r>
-              <a:rPr lang="en-US" dirty="0"/>
-              <a:t>  </a:t>
-            </a:r>
-            <a:r>
-              <a:rPr lang="ru-RU" dirty="0"/>
-              <a:t>означает любой символ кроме </a:t>
-            </a:r>
-            <a:r>
-              <a:rPr lang="en-US" dirty="0"/>
-              <a:t>\n</a:t>
-            </a:r>
-          </a:p>
-          <a:p>
-            <a:r>
-              <a:rPr lang="ru-RU" dirty="0"/>
-              <a:t>Например </a:t>
-            </a:r>
-            <a:r>
-              <a:rPr lang="en-US" dirty="0"/>
-              <a:t>Reg Exp</a:t>
-            </a:r>
-          </a:p>
-          <a:p>
-            <a:endParaRPr lang="ru-RU" dirty="0">
-              <a:solidFill>
-                <a:srgbClr val="FF0000"/>
-              </a:solidFill>
-            </a:endParaRPr>
-          </a:p>
-          <a:p>
-            <a:r>
-              <a:rPr lang="en-US" dirty="0">
-                <a:solidFill>
-                  <a:srgbClr val="FF0000"/>
-                </a:solidFill>
-              </a:rPr>
-              <a:t>h.t</a:t>
-            </a:r>
-            <a:r>
-              <a:rPr lang="ru-RU" dirty="0"/>
-              <a:t> 	совпадает с </a:t>
-            </a:r>
-            <a:r>
-              <a:rPr lang="en-US" dirty="0">
-                <a:solidFill>
-                  <a:srgbClr val="7030A0"/>
-                </a:solidFill>
-              </a:rPr>
-              <a:t>hat</a:t>
-            </a:r>
-            <a:r>
-              <a:rPr lang="en-US" dirty="0"/>
-              <a:t>, </a:t>
-            </a:r>
-            <a:r>
-              <a:rPr lang="en-US" dirty="0">
-                <a:solidFill>
-                  <a:srgbClr val="7030A0"/>
-                </a:solidFill>
-              </a:rPr>
-              <a:t>hot</a:t>
-            </a:r>
-            <a:r>
-              <a:rPr lang="en-US" dirty="0"/>
-              <a:t>, </a:t>
-            </a:r>
-            <a:r>
-              <a:rPr lang="en-US" dirty="0">
-                <a:solidFill>
-                  <a:srgbClr val="7030A0"/>
-                </a:solidFill>
-              </a:rPr>
-              <a:t>hit, </a:t>
-            </a:r>
-            <a:r>
-              <a:rPr lang="en-US" dirty="0" err="1">
-                <a:solidFill>
-                  <a:srgbClr val="7030A0"/>
-                </a:solidFill>
-              </a:rPr>
-              <a:t>hzt</a:t>
-            </a:r>
-            <a:r>
-              <a:rPr lang="en-US" dirty="0">
-                <a:solidFill>
-                  <a:srgbClr val="7030A0"/>
-                </a:solidFill>
-              </a:rPr>
-              <a:t>, h t</a:t>
-            </a:r>
-          </a:p>
-          <a:p>
-            <a:r>
-              <a:rPr lang="en-US" dirty="0"/>
-              <a:t>	</a:t>
-            </a:r>
-            <a:r>
-              <a:rPr lang="ru-RU" dirty="0"/>
-              <a:t>но не совпадает с  </a:t>
-            </a:r>
-            <a:r>
-              <a:rPr lang="en-US" dirty="0">
-                <a:solidFill>
-                  <a:srgbClr val="7030A0"/>
-                </a:solidFill>
-              </a:rPr>
-              <a:t>heat</a:t>
-            </a:r>
-            <a:r>
-              <a:rPr lang="en-US" dirty="0"/>
-              <a:t> </a:t>
-            </a:r>
-            <a:endParaRPr lang="ru-RU" dirty="0"/>
-          </a:p>
-          <a:p>
-            <a:endParaRPr lang="ru-RU" dirty="0"/>
-          </a:p>
-          <a:p>
-            <a:r>
-              <a:rPr lang="ru-RU" dirty="0">
-                <a:solidFill>
-                  <a:srgbClr val="FF0000"/>
-                </a:solidFill>
-              </a:rPr>
-              <a:t>9</a:t>
-            </a:r>
-            <a:r>
-              <a:rPr lang="en-US" dirty="0">
-                <a:solidFill>
-                  <a:srgbClr val="FF0000"/>
-                </a:solidFill>
-              </a:rPr>
-              <a:t>.</a:t>
-            </a:r>
-            <a:r>
-              <a:rPr lang="ru-RU" dirty="0">
-                <a:solidFill>
-                  <a:srgbClr val="FF0000"/>
-                </a:solidFill>
-              </a:rPr>
-              <a:t>00 </a:t>
-            </a:r>
-            <a:r>
-              <a:rPr lang="ru-RU" dirty="0"/>
-              <a:t>	совпадает с </a:t>
-            </a:r>
-            <a:r>
-              <a:rPr lang="en-US" dirty="0">
-                <a:solidFill>
-                  <a:srgbClr val="7030A0"/>
-                </a:solidFill>
-              </a:rPr>
-              <a:t>9-00</a:t>
-            </a:r>
-            <a:r>
-              <a:rPr lang="en-US" dirty="0"/>
-              <a:t>, </a:t>
-            </a:r>
-            <a:r>
-              <a:rPr lang="en-US" dirty="0">
-                <a:solidFill>
-                  <a:srgbClr val="7030A0"/>
-                </a:solidFill>
-              </a:rPr>
-              <a:t>9500</a:t>
-            </a:r>
-            <a:r>
-              <a:rPr lang="en-US" dirty="0"/>
-              <a:t>, </a:t>
-            </a:r>
-            <a:r>
-              <a:rPr lang="en-US" dirty="0">
-                <a:solidFill>
-                  <a:srgbClr val="7030A0"/>
-                </a:solidFill>
-              </a:rPr>
-              <a:t>9.00</a:t>
-            </a:r>
-          </a:p>
-          <a:p>
-            <a:endParaRPr lang="en-US" dirty="0">
-              <a:solidFill>
-                <a:srgbClr val="7030A0"/>
-              </a:solidFill>
-            </a:endParaRPr>
-          </a:p>
-          <a:p>
-            <a:r>
-              <a:rPr lang="ru-RU" dirty="0"/>
-              <a:t>Чтобы </a:t>
-            </a:r>
-            <a:r>
-              <a:rPr lang="en-US" dirty="0"/>
-              <a:t>meta–</a:t>
-            </a:r>
-            <a:r>
-              <a:rPr lang="ru-RU" dirty="0"/>
-              <a:t>символ </a:t>
-            </a:r>
-            <a:r>
-              <a:rPr lang="en-US" sz="2800" dirty="0">
-                <a:solidFill>
-                  <a:srgbClr val="FF0000"/>
-                </a:solidFill>
-              </a:rPr>
-              <a:t>.</a:t>
-            </a:r>
-            <a:r>
-              <a:rPr lang="en-US" dirty="0"/>
-              <a:t> </a:t>
-            </a:r>
-            <a:r>
-              <a:rPr lang="ru-RU" dirty="0"/>
-              <a:t>также совпадал с </a:t>
-            </a:r>
-            <a:r>
-              <a:rPr lang="en-US" dirty="0"/>
-              <a:t>\n</a:t>
-            </a:r>
-            <a:r>
-              <a:rPr lang="ru-RU" dirty="0"/>
-              <a:t>  нужно использовать модификатор </a:t>
-            </a:r>
-            <a:r>
-              <a:rPr lang="en-US" dirty="0"/>
-              <a:t>s</a:t>
-            </a:r>
-            <a:endParaRPr lang="ru-RU" dirty="0">
-              <a:solidFill>
-                <a:srgbClr val="7030A0"/>
-              </a:solidFill>
-            </a:endParaRPr>
-          </a:p>
-        </p:txBody>
-      </p:sp>
-    </p:spTree>
-    <p:extLst>
-      <p:ext uri="{BB962C8B-B14F-4D97-AF65-F5344CB8AC3E}">
-        <p14:creationId xmlns:p14="http://schemas.microsoft.com/office/powerpoint/2010/main" val="1339025221"/>
-      </p:ext>
-    </p:extLst>
-  </p:cSld>
-  <p:clrMapOvr>
-    <a:masterClrMapping/>
-  </p:clrMapOvr>
-</p:sld>
-</file>
-
-<file path=ppt/slides/slide13.xml><?xml version="1.0" encoding="utf-8"?>
-<p:sld xmlns:a="http://schemas.openxmlformats.org/drawingml/2006/main" xmlns:r="http://schemas.openxmlformats.org/officeDocument/2006/relationships" xmlns:p="http://schemas.openxmlformats.org/presentationml/2006/main" showMasterSp="0">
-  <p:cSld>
-    <p:spTree>
-      <p:nvGrpSpPr>
-        <p:cNvPr id="1" name=""/>
-        <p:cNvGrpSpPr/>
-        <p:nvPr/>
-      </p:nvGrpSpPr>
-      <p:grpSpPr>
-        <a:xfrm>
-          <a:off x="0" y="0"/>
-          <a:ext cx="0" cy="0"/>
-          <a:chOff x="0" y="0"/>
-          <a:chExt cx="0" cy="0"/>
-        </a:xfrm>
-      </p:grpSpPr>
-      <p:sp>
-        <p:nvSpPr>
           <p:cNvPr id="5" name="TextBox 4"/>
           <p:cNvSpPr txBox="1"/>
           <p:nvPr/>
@@ -9768,7 +9177,7 @@
 </p:sld>
 </file>
 
-<file path=ppt/slides/slide14.xml><?xml version="1.0" encoding="utf-8"?>
+<file path=ppt/slides/slide13.xml><?xml version="1.0" encoding="utf-8"?>
 <p:sld xmlns:a="http://schemas.openxmlformats.org/drawingml/2006/main" xmlns:r="http://schemas.openxmlformats.org/officeDocument/2006/relationships" xmlns:p="http://schemas.openxmlformats.org/presentationml/2006/main" showMasterSp="0">
   <p:cSld>
     <p:spTree>
@@ -10001,7 +9410,7 @@
 </p:sld>
 </file>
 
-<file path=ppt/slides/slide15.xml><?xml version="1.0" encoding="utf-8"?>
+<file path=ppt/slides/slide14.xml><?xml version="1.0" encoding="utf-8"?>
 <p:sld xmlns:a="http://schemas.openxmlformats.org/drawingml/2006/main" xmlns:r="http://schemas.openxmlformats.org/officeDocument/2006/relationships" xmlns:p="http://schemas.openxmlformats.org/presentationml/2006/main" showMasterSp="0">
   <p:cSld>
     <p:bg>
@@ -10441,7 +9850,7 @@
 </p:sld>
 </file>
 
-<file path=ppt/slides/slide16.xml><?xml version="1.0" encoding="utf-8"?>
+<file path=ppt/slides/slide15.xml><?xml version="1.0" encoding="utf-8"?>
 <p:sld xmlns:a="http://schemas.openxmlformats.org/drawingml/2006/main" xmlns:r="http://schemas.openxmlformats.org/officeDocument/2006/relationships" xmlns:p="http://schemas.openxmlformats.org/presentationml/2006/main" showMasterSp="0">
   <p:cSld>
     <p:spTree>
@@ -10718,6 +10127,539 @@
     <p:extLst>
       <p:ext uri="{BB962C8B-B14F-4D97-AF65-F5344CB8AC3E}">
         <p14:creationId xmlns:p14="http://schemas.microsoft.com/office/powerpoint/2010/main" val="642321439"/>
+      </p:ext>
+    </p:extLst>
+  </p:cSld>
+  <p:clrMapOvr>
+    <a:masterClrMapping/>
+  </p:clrMapOvr>
+</p:sld>
+</file>
+
+<file path=ppt/slides/slide16.xml><?xml version="1.0" encoding="utf-8"?>
+<p:sld xmlns:a="http://schemas.openxmlformats.org/drawingml/2006/main" xmlns:r="http://schemas.openxmlformats.org/officeDocument/2006/relationships" xmlns:p="http://schemas.openxmlformats.org/presentationml/2006/main" showMasterSp="0">
+  <p:cSld>
+    <p:spTree>
+      <p:nvGrpSpPr>
+        <p:cNvPr id="1" name=""/>
+        <p:cNvGrpSpPr/>
+        <p:nvPr/>
+      </p:nvGrpSpPr>
+      <p:grpSpPr>
+        <a:xfrm>
+          <a:off x="0" y="0"/>
+          <a:ext cx="0" cy="0"/>
+          <a:chOff x="0" y="0"/>
+          <a:chExt cx="0" cy="0"/>
+        </a:xfrm>
+      </p:grpSpPr>
+      <p:sp>
+        <p:nvSpPr>
+          <p:cNvPr id="2" name="Заголовок 1"/>
+          <p:cNvSpPr>
+            <a:spLocks noGrp="1"/>
+          </p:cNvSpPr>
+          <p:nvPr>
+            <p:ph type="ctrTitle"/>
+          </p:nvPr>
+        </p:nvSpPr>
+        <p:spPr>
+          <a:xfrm>
+            <a:off x="107504" y="44624"/>
+            <a:ext cx="3564396" cy="360040"/>
+          </a:xfrm>
+          <a:ln w="19050">
+            <a:solidFill>
+              <a:schemeClr val="tx1">
+                <a:lumMod val="95000"/>
+                <a:lumOff val="5000"/>
+              </a:schemeClr>
+            </a:solidFill>
+          </a:ln>
+        </p:spPr>
+        <p:style>
+          <a:lnRef idx="2">
+            <a:schemeClr val="accent2"/>
+          </a:lnRef>
+          <a:fillRef idx="1">
+            <a:schemeClr val="lt1"/>
+          </a:fillRef>
+          <a:effectRef idx="0">
+            <a:schemeClr val="accent2"/>
+          </a:effectRef>
+          <a:fontRef idx="minor">
+            <a:schemeClr val="dk1"/>
+          </a:fontRef>
+        </p:style>
+        <p:txBody>
+          <a:bodyPr vert="horz" anchor="ctr">
+            <a:normAutofit fontScale="90000"/>
+            <a:scene3d>
+              <a:camera prst="orthographicFront"/>
+              <a:lightRig rig="soft" dir="t"/>
+            </a:scene3d>
+            <a:sp3d prstMaterial="softEdge">
+              <a:bevelT w="25400" h="25400"/>
+            </a:sp3d>
+          </a:bodyPr>
+          <a:lstStyle/>
+          <a:p>
+            <a:r>
+              <a:rPr lang="en-US" sz="2400" dirty="0"/>
+              <a:t>Character sets</a:t>
+            </a:r>
+            <a:endParaRPr lang="ru-RU" sz="2400" dirty="0"/>
+          </a:p>
+        </p:txBody>
+      </p:sp>
+      <p:sp>
+        <p:nvSpPr>
+          <p:cNvPr id="5" name="TextBox 4"/>
+          <p:cNvSpPr txBox="1"/>
+          <p:nvPr/>
+        </p:nvSpPr>
+        <p:spPr>
+          <a:xfrm>
+            <a:off x="107504" y="546933"/>
+            <a:ext cx="8856984" cy="2308324"/>
+          </a:xfrm>
+          <a:prstGeom prst="rect">
+            <a:avLst/>
+          </a:prstGeom>
+          <a:solidFill>
+            <a:schemeClr val="accent1">
+              <a:lumMod val="20000"/>
+              <a:lumOff val="80000"/>
+              <a:alpha val="8000"/>
+            </a:schemeClr>
+          </a:solidFill>
+          <a:ln w="19050">
+            <a:solidFill>
+              <a:schemeClr val="tx1"/>
+            </a:solidFill>
+          </a:ln>
+        </p:spPr>
+        <p:txBody>
+          <a:bodyPr wrap="square" rtlCol="0">
+            <a:spAutoFit/>
+          </a:bodyPr>
+          <a:lstStyle>
+            <a:defPPr>
+              <a:defRPr lang="ru-RU"/>
+            </a:defPPr>
+            <a:lvl1pPr>
+              <a:defRPr b="1"/>
+            </a:lvl1pPr>
+          </a:lstStyle>
+          <a:p>
+            <a:r>
+              <a:rPr lang="en-US" dirty="0">
+                <a:solidFill>
+                  <a:schemeClr val="accent2"/>
+                </a:solidFill>
+              </a:rPr>
+              <a:t>[</a:t>
+            </a:r>
+            <a:r>
+              <a:rPr lang="ru-RU" dirty="0" err="1">
+                <a:solidFill>
+                  <a:schemeClr val="accent2"/>
+                </a:solidFill>
+              </a:rPr>
+              <a:t>набор_символов</a:t>
+            </a:r>
+            <a:r>
+              <a:rPr lang="en-US" dirty="0">
+                <a:solidFill>
+                  <a:schemeClr val="accent2"/>
+                </a:solidFill>
+              </a:rPr>
+              <a:t>]</a:t>
+            </a:r>
+            <a:endParaRPr lang="ru-RU" dirty="0">
+              <a:solidFill>
+                <a:schemeClr val="accent2"/>
+              </a:solidFill>
+            </a:endParaRPr>
+          </a:p>
+          <a:p>
+            <a:endParaRPr lang="ru-RU" dirty="0"/>
+          </a:p>
+          <a:p>
+            <a:r>
+              <a:rPr lang="ru-RU" dirty="0"/>
+              <a:t>Например</a:t>
+            </a:r>
+          </a:p>
+          <a:p>
+            <a:r>
+              <a:rPr lang="en-US" dirty="0"/>
+              <a:t>[</a:t>
+            </a:r>
+            <a:r>
+              <a:rPr lang="en-US" dirty="0" err="1"/>
+              <a:t>aeiou</a:t>
+            </a:r>
+            <a:r>
+              <a:rPr lang="en-US" dirty="0"/>
+              <a:t>] – </a:t>
+            </a:r>
+            <a:r>
+              <a:rPr lang="ru-RU" dirty="0"/>
+              <a:t>совпадает с одним из символов из указанных</a:t>
+            </a:r>
+          </a:p>
+          <a:p>
+            <a:r>
+              <a:rPr lang="en-US" dirty="0"/>
+              <a:t>gr[</a:t>
+            </a:r>
+            <a:r>
+              <a:rPr lang="en-US" dirty="0" err="1"/>
+              <a:t>ea</a:t>
+            </a:r>
+            <a:r>
+              <a:rPr lang="en-US" dirty="0"/>
+              <a:t>]y – </a:t>
+            </a:r>
+            <a:r>
+              <a:rPr lang="ru-RU" dirty="0"/>
+              <a:t>совпадет с  </a:t>
+            </a:r>
+            <a:r>
+              <a:rPr lang="en-US" dirty="0">
+                <a:solidFill>
+                  <a:srgbClr val="0070C0"/>
+                </a:solidFill>
+              </a:rPr>
+              <a:t>grey</a:t>
+            </a:r>
+            <a:r>
+              <a:rPr lang="ru-RU" dirty="0"/>
+              <a:t> или </a:t>
+            </a:r>
+            <a:r>
+              <a:rPr lang="en-US" dirty="0">
+                <a:solidFill>
+                  <a:srgbClr val="0070C0"/>
+                </a:solidFill>
+              </a:rPr>
+              <a:t>gray</a:t>
+            </a:r>
+            <a:r>
+              <a:rPr lang="ru-RU" dirty="0"/>
+              <a:t> </a:t>
+            </a:r>
+            <a:r>
+              <a:rPr lang="en-US" dirty="0"/>
+              <a:t>  </a:t>
+            </a:r>
+            <a:endParaRPr lang="ru-RU" dirty="0"/>
+          </a:p>
+          <a:p>
+            <a:r>
+              <a:rPr lang="en-US" dirty="0"/>
+              <a:t>gr[</a:t>
+            </a:r>
+            <a:r>
+              <a:rPr lang="en-US" dirty="0" err="1"/>
+              <a:t>ea</a:t>
+            </a:r>
+            <a:r>
+              <a:rPr lang="en-US" dirty="0"/>
+              <a:t>]t – </a:t>
+            </a:r>
+            <a:r>
+              <a:rPr lang="ru-RU" dirty="0"/>
+              <a:t>не совпадет с  </a:t>
+            </a:r>
+            <a:r>
+              <a:rPr lang="en-US" dirty="0">
+                <a:solidFill>
+                  <a:srgbClr val="0070C0"/>
+                </a:solidFill>
+              </a:rPr>
+              <a:t>great</a:t>
+            </a:r>
+            <a:r>
+              <a:rPr lang="ru-RU" dirty="0"/>
+              <a:t> </a:t>
+            </a:r>
+            <a:r>
+              <a:rPr lang="en-US" dirty="0"/>
+              <a:t>  </a:t>
+            </a:r>
+            <a:endParaRPr lang="ru-RU" dirty="0"/>
+          </a:p>
+          <a:p>
+            <a:r>
+              <a:rPr lang="en-US" dirty="0"/>
+              <a:t>gr[</a:t>
+            </a:r>
+            <a:r>
+              <a:rPr lang="en-US" dirty="0" err="1"/>
+              <a:t>ea</a:t>
+            </a:r>
+            <a:r>
+              <a:rPr lang="en-US" dirty="0"/>
+              <a:t>][</a:t>
+            </a:r>
+            <a:r>
+              <a:rPr lang="en-US" dirty="0" err="1"/>
+              <a:t>ea</a:t>
+            </a:r>
+            <a:r>
+              <a:rPr lang="en-US" dirty="0"/>
+              <a:t>]t – </a:t>
+            </a:r>
+            <a:r>
+              <a:rPr lang="ru-RU" dirty="0"/>
+              <a:t>совпадет с  </a:t>
+            </a:r>
+            <a:r>
+              <a:rPr lang="en-US" dirty="0">
+                <a:solidFill>
+                  <a:srgbClr val="0070C0"/>
+                </a:solidFill>
+              </a:rPr>
+              <a:t>great</a:t>
+            </a:r>
+            <a:r>
+              <a:rPr lang="ru-RU" dirty="0"/>
+              <a:t>,</a:t>
+            </a:r>
+          </a:p>
+          <a:p>
+            <a:r>
+              <a:rPr lang="ru-RU" dirty="0"/>
+              <a:t>		а также совпадет с </a:t>
+            </a:r>
+            <a:r>
+              <a:rPr lang="en-US" dirty="0" err="1">
+                <a:solidFill>
+                  <a:srgbClr val="0070C0"/>
+                </a:solidFill>
+              </a:rPr>
+              <a:t>graat</a:t>
+            </a:r>
+            <a:r>
+              <a:rPr lang="en-US" dirty="0"/>
+              <a:t>, </a:t>
+            </a:r>
+            <a:r>
+              <a:rPr lang="en-US" dirty="0">
+                <a:solidFill>
+                  <a:srgbClr val="0070C0"/>
+                </a:solidFill>
+              </a:rPr>
+              <a:t>greet</a:t>
+            </a:r>
+            <a:r>
+              <a:rPr lang="en-US" dirty="0"/>
+              <a:t> </a:t>
+            </a:r>
+            <a:r>
+              <a:rPr lang="uk-UA" dirty="0"/>
+              <a:t>и</a:t>
+            </a:r>
+            <a:r>
+              <a:rPr lang="en-US" dirty="0"/>
+              <a:t> </a:t>
+            </a:r>
+            <a:r>
+              <a:rPr lang="en-US" dirty="0" err="1">
+                <a:solidFill>
+                  <a:srgbClr val="0070C0"/>
+                </a:solidFill>
+              </a:rPr>
+              <a:t>graet</a:t>
+            </a:r>
+            <a:endParaRPr lang="en-US" dirty="0">
+              <a:solidFill>
+                <a:srgbClr val="0070C0"/>
+              </a:solidFill>
+            </a:endParaRPr>
+          </a:p>
+        </p:txBody>
+      </p:sp>
+      <p:sp>
+        <p:nvSpPr>
+          <p:cNvPr id="4" name="TextBox 3"/>
+          <p:cNvSpPr txBox="1"/>
+          <p:nvPr/>
+        </p:nvSpPr>
+        <p:spPr>
+          <a:xfrm>
+            <a:off x="107504" y="2996952"/>
+            <a:ext cx="8856984" cy="2585323"/>
+          </a:xfrm>
+          <a:prstGeom prst="rect">
+            <a:avLst/>
+          </a:prstGeom>
+          <a:solidFill>
+            <a:schemeClr val="accent1">
+              <a:lumMod val="20000"/>
+              <a:lumOff val="80000"/>
+              <a:alpha val="8000"/>
+            </a:schemeClr>
+          </a:solidFill>
+          <a:ln w="19050">
+            <a:solidFill>
+              <a:schemeClr val="tx1"/>
+            </a:solidFill>
+          </a:ln>
+        </p:spPr>
+        <p:txBody>
+          <a:bodyPr wrap="square" rtlCol="0">
+            <a:spAutoFit/>
+          </a:bodyPr>
+          <a:lstStyle>
+            <a:defPPr>
+              <a:defRPr lang="ru-RU"/>
+            </a:defPPr>
+            <a:lvl1pPr>
+              <a:defRPr b="1"/>
+            </a:lvl1pPr>
+          </a:lstStyle>
+          <a:p>
+            <a:r>
+              <a:rPr lang="en-US" dirty="0">
+                <a:solidFill>
+                  <a:schemeClr val="accent2"/>
+                </a:solidFill>
+              </a:rPr>
+              <a:t>[</a:t>
+            </a:r>
+            <a:r>
+              <a:rPr lang="ru-RU" dirty="0" err="1">
+                <a:solidFill>
+                  <a:schemeClr val="accent2"/>
+                </a:solidFill>
+              </a:rPr>
+              <a:t>диапазон_набора_символов</a:t>
+            </a:r>
+            <a:r>
+              <a:rPr lang="en-US" dirty="0">
+                <a:solidFill>
+                  <a:schemeClr val="accent2"/>
+                </a:solidFill>
+              </a:rPr>
+              <a:t>]</a:t>
+            </a:r>
+            <a:endParaRPr lang="ru-RU" dirty="0">
+              <a:solidFill>
+                <a:schemeClr val="accent2"/>
+              </a:solidFill>
+            </a:endParaRPr>
+          </a:p>
+          <a:p>
+            <a:endParaRPr lang="ru-RU" dirty="0"/>
+          </a:p>
+          <a:p>
+            <a:r>
+              <a:rPr lang="ru-RU" dirty="0"/>
+              <a:t>Например</a:t>
+            </a:r>
+          </a:p>
+          <a:p>
+            <a:r>
+              <a:rPr lang="en-US" dirty="0"/>
+              <a:t>[</a:t>
+            </a:r>
+            <a:r>
+              <a:rPr lang="ru-RU" dirty="0"/>
+              <a:t>0-9</a:t>
+            </a:r>
+            <a:r>
+              <a:rPr lang="en-US" dirty="0"/>
+              <a:t>] – </a:t>
+            </a:r>
+            <a:r>
+              <a:rPr lang="ru-RU" dirty="0"/>
+              <a:t>совпадает с одной из цифр от 0 до 9</a:t>
+            </a:r>
+          </a:p>
+          <a:p>
+            <a:r>
+              <a:rPr lang="en-US" dirty="0"/>
+              <a:t>[A-</a:t>
+            </a:r>
+            <a:r>
+              <a:rPr lang="en-US" dirty="0" err="1"/>
+              <a:t>Za</a:t>
+            </a:r>
+            <a:r>
+              <a:rPr lang="en-US" dirty="0"/>
+              <a:t>-z] – </a:t>
+            </a:r>
+            <a:r>
+              <a:rPr lang="ru-RU" dirty="0"/>
+              <a:t>один из алфавитных символов</a:t>
+            </a:r>
+          </a:p>
+          <a:p>
+            <a:r>
+              <a:rPr lang="en-US" dirty="0"/>
+              <a:t>[a-</a:t>
+            </a:r>
+            <a:r>
+              <a:rPr lang="en-US" dirty="0" err="1"/>
+              <a:t>ek</a:t>
+            </a:r>
+            <a:r>
+              <a:rPr lang="en-US" dirty="0"/>
+              <a:t>-</a:t>
+            </a:r>
+            <a:r>
+              <a:rPr lang="en-US" dirty="0" err="1"/>
+              <a:t>ou</a:t>
+            </a:r>
+            <a:r>
+              <a:rPr lang="en-US" dirty="0"/>
+              <a:t>-y] – </a:t>
+            </a:r>
+            <a:r>
+              <a:rPr lang="ru-RU" dirty="0"/>
+              <a:t>задание несколько диапазонов</a:t>
+            </a:r>
+          </a:p>
+          <a:p>
+            <a:endParaRPr lang="ru-RU" dirty="0"/>
+          </a:p>
+          <a:p>
+            <a:r>
+              <a:rPr lang="ru-RU" dirty="0">
+                <a:solidFill>
+                  <a:srgbClr val="FF0000"/>
+                </a:solidFill>
+              </a:rPr>
+              <a:t>Внимание !!!</a:t>
+            </a:r>
+          </a:p>
+          <a:p>
+            <a:r>
+              <a:rPr lang="en-US" dirty="0"/>
+              <a:t>[50-99] – </a:t>
+            </a:r>
+            <a:r>
+              <a:rPr lang="ru-RU" dirty="0"/>
+              <a:t>это</a:t>
+            </a:r>
+            <a:r>
+              <a:rPr lang="en-US" dirty="0"/>
+              <a:t> </a:t>
+            </a:r>
+            <a:r>
+              <a:rPr lang="ru-RU" dirty="0"/>
+              <a:t>не диапазон от 50 до 99</a:t>
+            </a:r>
+          </a:p>
+        </p:txBody>
+      </p:sp>
+    </p:spTree>
+    <p:extLst>
+      <p:ext uri="{BB962C8B-B14F-4D97-AF65-F5344CB8AC3E}">
+        <p14:creationId xmlns:p14="http://schemas.microsoft.com/office/powerpoint/2010/main" val="1157158513"/>
       </p:ext>
     </p:extLst>
   </p:cSld>
@@ -10805,539 +10747,6 @@
       </p:sp>
       <p:sp>
         <p:nvSpPr>
-          <p:cNvPr id="5" name="TextBox 4"/>
-          <p:cNvSpPr txBox="1"/>
-          <p:nvPr/>
-        </p:nvSpPr>
-        <p:spPr>
-          <a:xfrm>
-            <a:off x="107504" y="546933"/>
-            <a:ext cx="8856984" cy="2308324"/>
-          </a:xfrm>
-          <a:prstGeom prst="rect">
-            <a:avLst/>
-          </a:prstGeom>
-          <a:solidFill>
-            <a:schemeClr val="accent1">
-              <a:lumMod val="20000"/>
-              <a:lumOff val="80000"/>
-              <a:alpha val="8000"/>
-            </a:schemeClr>
-          </a:solidFill>
-          <a:ln w="19050">
-            <a:solidFill>
-              <a:schemeClr val="tx1"/>
-            </a:solidFill>
-          </a:ln>
-        </p:spPr>
-        <p:txBody>
-          <a:bodyPr wrap="square" rtlCol="0">
-            <a:spAutoFit/>
-          </a:bodyPr>
-          <a:lstStyle>
-            <a:defPPr>
-              <a:defRPr lang="ru-RU"/>
-            </a:defPPr>
-            <a:lvl1pPr>
-              <a:defRPr b="1"/>
-            </a:lvl1pPr>
-          </a:lstStyle>
-          <a:p>
-            <a:r>
-              <a:rPr lang="en-US" dirty="0">
-                <a:solidFill>
-                  <a:schemeClr val="accent2"/>
-                </a:solidFill>
-              </a:rPr>
-              <a:t>[</a:t>
-            </a:r>
-            <a:r>
-              <a:rPr lang="ru-RU" dirty="0" err="1">
-                <a:solidFill>
-                  <a:schemeClr val="accent2"/>
-                </a:solidFill>
-              </a:rPr>
-              <a:t>набор_символов</a:t>
-            </a:r>
-            <a:r>
-              <a:rPr lang="en-US" dirty="0">
-                <a:solidFill>
-                  <a:schemeClr val="accent2"/>
-                </a:solidFill>
-              </a:rPr>
-              <a:t>]</a:t>
-            </a:r>
-            <a:endParaRPr lang="ru-RU" dirty="0">
-              <a:solidFill>
-                <a:schemeClr val="accent2"/>
-              </a:solidFill>
-            </a:endParaRPr>
-          </a:p>
-          <a:p>
-            <a:endParaRPr lang="ru-RU" dirty="0"/>
-          </a:p>
-          <a:p>
-            <a:r>
-              <a:rPr lang="ru-RU" dirty="0"/>
-              <a:t>Например</a:t>
-            </a:r>
-          </a:p>
-          <a:p>
-            <a:r>
-              <a:rPr lang="en-US" dirty="0"/>
-              <a:t>[</a:t>
-            </a:r>
-            <a:r>
-              <a:rPr lang="en-US" dirty="0" err="1"/>
-              <a:t>aeiou</a:t>
-            </a:r>
-            <a:r>
-              <a:rPr lang="en-US" dirty="0"/>
-              <a:t>] – </a:t>
-            </a:r>
-            <a:r>
-              <a:rPr lang="ru-RU" dirty="0"/>
-              <a:t>совпадает с одним из символов из указанных</a:t>
-            </a:r>
-          </a:p>
-          <a:p>
-            <a:r>
-              <a:rPr lang="en-US" dirty="0"/>
-              <a:t>gr[</a:t>
-            </a:r>
-            <a:r>
-              <a:rPr lang="en-US" dirty="0" err="1"/>
-              <a:t>ea</a:t>
-            </a:r>
-            <a:r>
-              <a:rPr lang="en-US" dirty="0"/>
-              <a:t>]y – </a:t>
-            </a:r>
-            <a:r>
-              <a:rPr lang="ru-RU" dirty="0"/>
-              <a:t>совпадет с  </a:t>
-            </a:r>
-            <a:r>
-              <a:rPr lang="en-US" dirty="0">
-                <a:solidFill>
-                  <a:srgbClr val="0070C0"/>
-                </a:solidFill>
-              </a:rPr>
-              <a:t>grey</a:t>
-            </a:r>
-            <a:r>
-              <a:rPr lang="ru-RU" dirty="0"/>
-              <a:t> или </a:t>
-            </a:r>
-            <a:r>
-              <a:rPr lang="en-US" dirty="0">
-                <a:solidFill>
-                  <a:srgbClr val="0070C0"/>
-                </a:solidFill>
-              </a:rPr>
-              <a:t>gray</a:t>
-            </a:r>
-            <a:r>
-              <a:rPr lang="ru-RU" dirty="0"/>
-              <a:t> </a:t>
-            </a:r>
-            <a:r>
-              <a:rPr lang="en-US" dirty="0"/>
-              <a:t>  </a:t>
-            </a:r>
-            <a:endParaRPr lang="ru-RU" dirty="0"/>
-          </a:p>
-          <a:p>
-            <a:r>
-              <a:rPr lang="en-US" dirty="0"/>
-              <a:t>gr[</a:t>
-            </a:r>
-            <a:r>
-              <a:rPr lang="en-US" dirty="0" err="1"/>
-              <a:t>ea</a:t>
-            </a:r>
-            <a:r>
-              <a:rPr lang="en-US" dirty="0"/>
-              <a:t>]t – </a:t>
-            </a:r>
-            <a:r>
-              <a:rPr lang="ru-RU" dirty="0"/>
-              <a:t>не совпадет с  </a:t>
-            </a:r>
-            <a:r>
-              <a:rPr lang="en-US" dirty="0">
-                <a:solidFill>
-                  <a:srgbClr val="0070C0"/>
-                </a:solidFill>
-              </a:rPr>
-              <a:t>great</a:t>
-            </a:r>
-            <a:r>
-              <a:rPr lang="ru-RU" dirty="0"/>
-              <a:t> </a:t>
-            </a:r>
-            <a:r>
-              <a:rPr lang="en-US" dirty="0"/>
-              <a:t>  </a:t>
-            </a:r>
-            <a:endParaRPr lang="ru-RU" dirty="0"/>
-          </a:p>
-          <a:p>
-            <a:r>
-              <a:rPr lang="en-US" dirty="0"/>
-              <a:t>gr[</a:t>
-            </a:r>
-            <a:r>
-              <a:rPr lang="en-US" dirty="0" err="1"/>
-              <a:t>ea</a:t>
-            </a:r>
-            <a:r>
-              <a:rPr lang="en-US" dirty="0"/>
-              <a:t>][</a:t>
-            </a:r>
-            <a:r>
-              <a:rPr lang="en-US" dirty="0" err="1"/>
-              <a:t>ea</a:t>
-            </a:r>
-            <a:r>
-              <a:rPr lang="en-US" dirty="0"/>
-              <a:t>]t – </a:t>
-            </a:r>
-            <a:r>
-              <a:rPr lang="ru-RU" dirty="0"/>
-              <a:t>совпадет с  </a:t>
-            </a:r>
-            <a:r>
-              <a:rPr lang="en-US" dirty="0">
-                <a:solidFill>
-                  <a:srgbClr val="0070C0"/>
-                </a:solidFill>
-              </a:rPr>
-              <a:t>great</a:t>
-            </a:r>
-            <a:r>
-              <a:rPr lang="ru-RU" dirty="0"/>
-              <a:t>,</a:t>
-            </a:r>
-          </a:p>
-          <a:p>
-            <a:r>
-              <a:rPr lang="ru-RU" dirty="0"/>
-              <a:t>		а также совпадет с </a:t>
-            </a:r>
-            <a:r>
-              <a:rPr lang="en-US" dirty="0" err="1">
-                <a:solidFill>
-                  <a:srgbClr val="0070C0"/>
-                </a:solidFill>
-              </a:rPr>
-              <a:t>graat</a:t>
-            </a:r>
-            <a:r>
-              <a:rPr lang="en-US" dirty="0"/>
-              <a:t>, </a:t>
-            </a:r>
-            <a:r>
-              <a:rPr lang="en-US" dirty="0">
-                <a:solidFill>
-                  <a:srgbClr val="0070C0"/>
-                </a:solidFill>
-              </a:rPr>
-              <a:t>greet</a:t>
-            </a:r>
-            <a:r>
-              <a:rPr lang="en-US" dirty="0"/>
-              <a:t> </a:t>
-            </a:r>
-            <a:r>
-              <a:rPr lang="uk-UA" dirty="0"/>
-              <a:t>и</a:t>
-            </a:r>
-            <a:r>
-              <a:rPr lang="en-US" dirty="0"/>
-              <a:t> </a:t>
-            </a:r>
-            <a:r>
-              <a:rPr lang="en-US" dirty="0" err="1">
-                <a:solidFill>
-                  <a:srgbClr val="0070C0"/>
-                </a:solidFill>
-              </a:rPr>
-              <a:t>graet</a:t>
-            </a:r>
-            <a:endParaRPr lang="en-US" dirty="0">
-              <a:solidFill>
-                <a:srgbClr val="0070C0"/>
-              </a:solidFill>
-            </a:endParaRPr>
-          </a:p>
-        </p:txBody>
-      </p:sp>
-      <p:sp>
-        <p:nvSpPr>
-          <p:cNvPr id="4" name="TextBox 3"/>
-          <p:cNvSpPr txBox="1"/>
-          <p:nvPr/>
-        </p:nvSpPr>
-        <p:spPr>
-          <a:xfrm>
-            <a:off x="107504" y="2996952"/>
-            <a:ext cx="8856984" cy="2585323"/>
-          </a:xfrm>
-          <a:prstGeom prst="rect">
-            <a:avLst/>
-          </a:prstGeom>
-          <a:solidFill>
-            <a:schemeClr val="accent1">
-              <a:lumMod val="20000"/>
-              <a:lumOff val="80000"/>
-              <a:alpha val="8000"/>
-            </a:schemeClr>
-          </a:solidFill>
-          <a:ln w="19050">
-            <a:solidFill>
-              <a:schemeClr val="tx1"/>
-            </a:solidFill>
-          </a:ln>
-        </p:spPr>
-        <p:txBody>
-          <a:bodyPr wrap="square" rtlCol="0">
-            <a:spAutoFit/>
-          </a:bodyPr>
-          <a:lstStyle>
-            <a:defPPr>
-              <a:defRPr lang="ru-RU"/>
-            </a:defPPr>
-            <a:lvl1pPr>
-              <a:defRPr b="1"/>
-            </a:lvl1pPr>
-          </a:lstStyle>
-          <a:p>
-            <a:r>
-              <a:rPr lang="en-US" dirty="0">
-                <a:solidFill>
-                  <a:schemeClr val="accent2"/>
-                </a:solidFill>
-              </a:rPr>
-              <a:t>[</a:t>
-            </a:r>
-            <a:r>
-              <a:rPr lang="ru-RU" dirty="0" err="1">
-                <a:solidFill>
-                  <a:schemeClr val="accent2"/>
-                </a:solidFill>
-              </a:rPr>
-              <a:t>диапазон_набора_символов</a:t>
-            </a:r>
-            <a:r>
-              <a:rPr lang="en-US" dirty="0">
-                <a:solidFill>
-                  <a:schemeClr val="accent2"/>
-                </a:solidFill>
-              </a:rPr>
-              <a:t>]</a:t>
-            </a:r>
-            <a:endParaRPr lang="ru-RU" dirty="0">
-              <a:solidFill>
-                <a:schemeClr val="accent2"/>
-              </a:solidFill>
-            </a:endParaRPr>
-          </a:p>
-          <a:p>
-            <a:endParaRPr lang="ru-RU" dirty="0"/>
-          </a:p>
-          <a:p>
-            <a:r>
-              <a:rPr lang="ru-RU" dirty="0"/>
-              <a:t>Например</a:t>
-            </a:r>
-          </a:p>
-          <a:p>
-            <a:r>
-              <a:rPr lang="en-US" dirty="0"/>
-              <a:t>[</a:t>
-            </a:r>
-            <a:r>
-              <a:rPr lang="ru-RU" dirty="0"/>
-              <a:t>0-9</a:t>
-            </a:r>
-            <a:r>
-              <a:rPr lang="en-US" dirty="0"/>
-              <a:t>] – </a:t>
-            </a:r>
-            <a:r>
-              <a:rPr lang="ru-RU" dirty="0"/>
-              <a:t>совпадает с одной из цифр от 0 до 9</a:t>
-            </a:r>
-          </a:p>
-          <a:p>
-            <a:r>
-              <a:rPr lang="en-US" dirty="0"/>
-              <a:t>[A-</a:t>
-            </a:r>
-            <a:r>
-              <a:rPr lang="en-US" dirty="0" err="1"/>
-              <a:t>Za</a:t>
-            </a:r>
-            <a:r>
-              <a:rPr lang="en-US" dirty="0"/>
-              <a:t>-z] – </a:t>
-            </a:r>
-            <a:r>
-              <a:rPr lang="ru-RU" dirty="0"/>
-              <a:t>один из алфавитных символов</a:t>
-            </a:r>
-          </a:p>
-          <a:p>
-            <a:r>
-              <a:rPr lang="en-US" dirty="0"/>
-              <a:t>[a-</a:t>
-            </a:r>
-            <a:r>
-              <a:rPr lang="en-US" dirty="0" err="1"/>
-              <a:t>ek</a:t>
-            </a:r>
-            <a:r>
-              <a:rPr lang="en-US" dirty="0"/>
-              <a:t>-</a:t>
-            </a:r>
-            <a:r>
-              <a:rPr lang="en-US" dirty="0" err="1"/>
-              <a:t>ou</a:t>
-            </a:r>
-            <a:r>
-              <a:rPr lang="en-US" dirty="0"/>
-              <a:t>-y] – </a:t>
-            </a:r>
-            <a:r>
-              <a:rPr lang="ru-RU" dirty="0"/>
-              <a:t>задание несколько диапазонов</a:t>
-            </a:r>
-          </a:p>
-          <a:p>
-            <a:endParaRPr lang="ru-RU" dirty="0"/>
-          </a:p>
-          <a:p>
-            <a:r>
-              <a:rPr lang="ru-RU" dirty="0">
-                <a:solidFill>
-                  <a:srgbClr val="FF0000"/>
-                </a:solidFill>
-              </a:rPr>
-              <a:t>Внимание !!!</a:t>
-            </a:r>
-          </a:p>
-          <a:p>
-            <a:r>
-              <a:rPr lang="en-US" dirty="0"/>
-              <a:t>[50-99] – </a:t>
-            </a:r>
-            <a:r>
-              <a:rPr lang="ru-RU" dirty="0"/>
-              <a:t>это</a:t>
-            </a:r>
-            <a:r>
-              <a:rPr lang="en-US" dirty="0"/>
-              <a:t> </a:t>
-            </a:r>
-            <a:r>
-              <a:rPr lang="ru-RU" dirty="0"/>
-              <a:t>не диапазон от 50 до 99</a:t>
-            </a:r>
-          </a:p>
-        </p:txBody>
-      </p:sp>
-    </p:spTree>
-    <p:extLst>
-      <p:ext uri="{BB962C8B-B14F-4D97-AF65-F5344CB8AC3E}">
-        <p14:creationId xmlns:p14="http://schemas.microsoft.com/office/powerpoint/2010/main" val="1157158513"/>
-      </p:ext>
-    </p:extLst>
-  </p:cSld>
-  <p:clrMapOvr>
-    <a:masterClrMapping/>
-  </p:clrMapOvr>
-</p:sld>
-</file>
-
-<file path=ppt/slides/slide18.xml><?xml version="1.0" encoding="utf-8"?>
-<p:sld xmlns:a="http://schemas.openxmlformats.org/drawingml/2006/main" xmlns:r="http://schemas.openxmlformats.org/officeDocument/2006/relationships" xmlns:p="http://schemas.openxmlformats.org/presentationml/2006/main" showMasterSp="0">
-  <p:cSld>
-    <p:spTree>
-      <p:nvGrpSpPr>
-        <p:cNvPr id="1" name=""/>
-        <p:cNvGrpSpPr/>
-        <p:nvPr/>
-      </p:nvGrpSpPr>
-      <p:grpSpPr>
-        <a:xfrm>
-          <a:off x="0" y="0"/>
-          <a:ext cx="0" cy="0"/>
-          <a:chOff x="0" y="0"/>
-          <a:chExt cx="0" cy="0"/>
-        </a:xfrm>
-      </p:grpSpPr>
-      <p:sp>
-        <p:nvSpPr>
-          <p:cNvPr id="2" name="Заголовок 1"/>
-          <p:cNvSpPr>
-            <a:spLocks noGrp="1"/>
-          </p:cNvSpPr>
-          <p:nvPr>
-            <p:ph type="ctrTitle"/>
-          </p:nvPr>
-        </p:nvSpPr>
-        <p:spPr>
-          <a:xfrm>
-            <a:off x="107504" y="44624"/>
-            <a:ext cx="3564396" cy="360040"/>
-          </a:xfrm>
-          <a:ln w="19050">
-            <a:solidFill>
-              <a:schemeClr val="tx1">
-                <a:lumMod val="95000"/>
-                <a:lumOff val="5000"/>
-              </a:schemeClr>
-            </a:solidFill>
-          </a:ln>
-        </p:spPr>
-        <p:style>
-          <a:lnRef idx="2">
-            <a:schemeClr val="accent2"/>
-          </a:lnRef>
-          <a:fillRef idx="1">
-            <a:schemeClr val="lt1"/>
-          </a:fillRef>
-          <a:effectRef idx="0">
-            <a:schemeClr val="accent2"/>
-          </a:effectRef>
-          <a:fontRef idx="minor">
-            <a:schemeClr val="dk1"/>
-          </a:fontRef>
-        </p:style>
-        <p:txBody>
-          <a:bodyPr vert="horz" anchor="ctr">
-            <a:normAutofit fontScale="90000"/>
-            <a:scene3d>
-              <a:camera prst="orthographicFront"/>
-              <a:lightRig rig="soft" dir="t"/>
-            </a:scene3d>
-            <a:sp3d prstMaterial="softEdge">
-              <a:bevelT w="25400" h="25400"/>
-            </a:sp3d>
-          </a:bodyPr>
-          <a:lstStyle/>
-          <a:p>
-            <a:r>
-              <a:rPr lang="en-US" sz="2400" dirty="0"/>
-              <a:t>Character sets</a:t>
-            </a:r>
-            <a:endParaRPr lang="ru-RU" sz="2400" dirty="0"/>
-          </a:p>
-        </p:txBody>
-      </p:sp>
-      <p:sp>
-        <p:nvSpPr>
           <p:cNvPr id="6" name="TextBox 5"/>
           <p:cNvSpPr txBox="1"/>
           <p:nvPr/>
@@ -11589,7 +10998,7 @@
 </p:sld>
 </file>
 
-<file path=ppt/slides/slide19.xml><?xml version="1.0" encoding="utf-8"?>
+<file path=ppt/slides/slide18.xml><?xml version="1.0" encoding="utf-8"?>
 <p:sld xmlns:a="http://schemas.openxmlformats.org/drawingml/2006/main" xmlns:r="http://schemas.openxmlformats.org/officeDocument/2006/relationships" xmlns:p="http://schemas.openxmlformats.org/presentationml/2006/main" showMasterSp="0">
   <p:cSld>
     <p:spTree>
@@ -11989,7 +11398,7 @@
           <p:cNvPr id="3" name="TextBox 2">
             <a:extLst>
               <a:ext uri="{FF2B5EF4-FFF2-40B4-BE49-F238E27FC236}">
-                <a16:creationId xmlns:a16="http://schemas.microsoft.com/office/drawing/2014/main" id="{D35E0B3E-C2FF-6D45-BB41-81DA0281EF0F}"/>
+                <a16:creationId xmlns:a16="http://schemas.microsoft.com/office/drawing/2014/main" xmlns="" id="{D35E0B3E-C2FF-6D45-BB41-81DA0281EF0F}"/>
               </a:ext>
             </a:extLst>
           </p:cNvPr>
@@ -12025,7 +11434,7 @@
           <p:cNvPr id="4" name="Rectangle 3">
             <a:extLst>
               <a:ext uri="{FF2B5EF4-FFF2-40B4-BE49-F238E27FC236}">
-                <a16:creationId xmlns:a16="http://schemas.microsoft.com/office/drawing/2014/main" id="{FF335BBD-5FA6-DF49-944D-DA3145C7AAFC}"/>
+                <a16:creationId xmlns:a16="http://schemas.microsoft.com/office/drawing/2014/main" xmlns="" id="{FF335BBD-5FA6-DF49-944D-DA3145C7AAFC}"/>
               </a:ext>
             </a:extLst>
           </p:cNvPr>
@@ -12135,7 +11544,7 @@
           <p:cNvPr id="5" name="Rectangle 4">
             <a:extLst>
               <a:ext uri="{FF2B5EF4-FFF2-40B4-BE49-F238E27FC236}">
-                <a16:creationId xmlns:a16="http://schemas.microsoft.com/office/drawing/2014/main" id="{6F9EA7AD-75B6-6F41-9183-5AA86D930D46}"/>
+                <a16:creationId xmlns:a16="http://schemas.microsoft.com/office/drawing/2014/main" xmlns="" id="{6F9EA7AD-75B6-6F41-9183-5AA86D930D46}"/>
               </a:ext>
             </a:extLst>
           </p:cNvPr>
@@ -12242,7 +11651,7 @@
           <p:cNvPr id="8" name="Rectangle 7">
             <a:extLst>
               <a:ext uri="{FF2B5EF4-FFF2-40B4-BE49-F238E27FC236}">
-                <a16:creationId xmlns:a16="http://schemas.microsoft.com/office/drawing/2014/main" id="{98D2C77D-A365-764C-98CD-DB6C0C974F4A}"/>
+                <a16:creationId xmlns:a16="http://schemas.microsoft.com/office/drawing/2014/main" xmlns="" id="{98D2C77D-A365-764C-98CD-DB6C0C974F4A}"/>
               </a:ext>
             </a:extLst>
           </p:cNvPr>
@@ -12503,674 +11912,7 @@
 </p:sld>
 </file>
 
-<file path=ppt/slides/slide2.xml><?xml version="1.0" encoding="utf-8"?>
-<p:sld xmlns:a="http://schemas.openxmlformats.org/drawingml/2006/main" xmlns:r="http://schemas.openxmlformats.org/officeDocument/2006/relationships" xmlns:p="http://schemas.openxmlformats.org/presentationml/2006/main">
-  <p:cSld>
-    <p:spTree>
-      <p:nvGrpSpPr>
-        <p:cNvPr id="1" name=""/>
-        <p:cNvGrpSpPr/>
-        <p:nvPr/>
-      </p:nvGrpSpPr>
-      <p:grpSpPr>
-        <a:xfrm>
-          <a:off x="0" y="0"/>
-          <a:ext cx="0" cy="0"/>
-          <a:chOff x="0" y="0"/>
-          <a:chExt cx="0" cy="0"/>
-        </a:xfrm>
-      </p:grpSpPr>
-      <p:sp>
-        <p:nvSpPr>
-          <p:cNvPr id="3" name="Rectangle 2">
-            <a:extLst>
-              <a:ext uri="{FF2B5EF4-FFF2-40B4-BE49-F238E27FC236}">
-                <a16:creationId xmlns:a16="http://schemas.microsoft.com/office/drawing/2014/main" id="{B5422FE2-3D4E-CA40-80E2-0EC61B2F993B}"/>
-              </a:ext>
-            </a:extLst>
-          </p:cNvPr>
-          <p:cNvSpPr/>
-          <p:nvPr/>
-        </p:nvSpPr>
-        <p:spPr>
-          <a:xfrm>
-            <a:off x="251520" y="332656"/>
-            <a:ext cx="7488832" cy="383888"/>
-          </a:xfrm>
-          <a:prstGeom prst="rect">
-            <a:avLst/>
-          </a:prstGeom>
-        </p:spPr>
-        <p:txBody>
-          <a:bodyPr wrap="square">
-            <a:spAutoFit/>
-          </a:bodyPr>
-          <a:lstStyle/>
-          <a:p>
-            <a:pPr algn="just">
-              <a:lnSpc>
-                <a:spcPct val="107000"/>
-              </a:lnSpc>
-              <a:spcAft>
-                <a:spcPts val="800"/>
-              </a:spcAft>
-            </a:pPr>
-            <a:r>
-              <a:rPr lang="ru-RU" b="1" dirty="0">
-                <a:ea typeface="Calibri" panose="020F0502020204030204" pitchFamily="34" charset="0"/>
-                <a:cs typeface="Times New Roman" panose="02020603050405020304" pitchFamily="18" charset="0"/>
-              </a:rPr>
-              <a:t>1. Какой будет результат выполнения функции</a:t>
-            </a:r>
-            <a:endParaRPr lang="en-US" b="1" dirty="0">
-              <a:ea typeface="Calibri" panose="020F0502020204030204" pitchFamily="34" charset="0"/>
-              <a:cs typeface="Times New Roman" panose="02020603050405020304" pitchFamily="18" charset="0"/>
-            </a:endParaRPr>
-          </a:p>
-        </p:txBody>
-      </p:sp>
-      <p:sp>
-        <p:nvSpPr>
-          <p:cNvPr id="4" name="Rectangle 3">
-            <a:extLst>
-              <a:ext uri="{FF2B5EF4-FFF2-40B4-BE49-F238E27FC236}">
-                <a16:creationId xmlns:a16="http://schemas.microsoft.com/office/drawing/2014/main" id="{6F30BDA8-8337-7041-9804-9B66047628DC}"/>
-              </a:ext>
-            </a:extLst>
-          </p:cNvPr>
-          <p:cNvSpPr/>
-          <p:nvPr/>
-        </p:nvSpPr>
-        <p:spPr>
-          <a:xfrm>
-            <a:off x="251520" y="908720"/>
-            <a:ext cx="8136904" cy="1780616"/>
-          </a:xfrm>
-          <a:prstGeom prst="rect">
-            <a:avLst/>
-          </a:prstGeom>
-        </p:spPr>
-        <p:txBody>
-          <a:bodyPr wrap="square">
-            <a:spAutoFit/>
-          </a:bodyPr>
-          <a:lstStyle/>
-          <a:p>
-            <a:pPr>
-              <a:lnSpc>
-                <a:spcPts val="1500"/>
-              </a:lnSpc>
-              <a:spcAft>
-                <a:spcPts val="800"/>
-              </a:spcAft>
-            </a:pPr>
-            <a:r>
-              <a:rPr lang="en-US" b="1" dirty="0">
-                <a:solidFill>
-                  <a:srgbClr val="C678DD"/>
-                </a:solidFill>
-                <a:ea typeface="Times New Roman" panose="02020603050405020304" pitchFamily="18" charset="0"/>
-                <a:cs typeface="Times New Roman" panose="02020603050405020304" pitchFamily="18" charset="0"/>
-              </a:rPr>
-              <a:t>function</a:t>
-            </a:r>
-            <a:r>
-              <a:rPr lang="en-US" b="1" dirty="0">
-                <a:solidFill>
-                  <a:srgbClr val="BBBBBB"/>
-                </a:solidFill>
-                <a:ea typeface="Times New Roman" panose="02020603050405020304" pitchFamily="18" charset="0"/>
-                <a:cs typeface="Times New Roman" panose="02020603050405020304" pitchFamily="18" charset="0"/>
-              </a:rPr>
-              <a:t> </a:t>
-            </a:r>
-            <a:r>
-              <a:rPr lang="en-US" b="1" dirty="0" err="1">
-                <a:solidFill>
-                  <a:srgbClr val="61AFEF"/>
-                </a:solidFill>
-                <a:ea typeface="Times New Roman" panose="02020603050405020304" pitchFamily="18" charset="0"/>
-                <a:cs typeface="Times New Roman" panose="02020603050405020304" pitchFamily="18" charset="0"/>
-              </a:rPr>
-              <a:t>showName</a:t>
-            </a:r>
-            <a:r>
-              <a:rPr lang="ru-RU" b="1" dirty="0">
-                <a:solidFill>
-                  <a:srgbClr val="ABB2BF"/>
-                </a:solidFill>
-                <a:ea typeface="Times New Roman" panose="02020603050405020304" pitchFamily="18" charset="0"/>
-                <a:cs typeface="Times New Roman" panose="02020603050405020304" pitchFamily="18" charset="0"/>
-              </a:rPr>
-              <a:t>(</a:t>
-            </a:r>
-            <a:r>
-              <a:rPr lang="en-US" b="1" dirty="0">
-                <a:solidFill>
-                  <a:srgbClr val="ABB2BF"/>
-                </a:solidFill>
-                <a:ea typeface="Times New Roman" panose="02020603050405020304" pitchFamily="18" charset="0"/>
-                <a:cs typeface="Times New Roman" panose="02020603050405020304" pitchFamily="18" charset="0"/>
-              </a:rPr>
-              <a:t>name</a:t>
-            </a:r>
-            <a:r>
-              <a:rPr lang="ru-RU" b="1" dirty="0">
-                <a:solidFill>
-                  <a:srgbClr val="ABB2BF"/>
-                </a:solidFill>
-                <a:ea typeface="Times New Roman" panose="02020603050405020304" pitchFamily="18" charset="0"/>
-                <a:cs typeface="Times New Roman" panose="02020603050405020304" pitchFamily="18" charset="0"/>
-              </a:rPr>
-              <a:t>)</a:t>
-            </a:r>
-            <a:r>
-              <a:rPr lang="en-US" b="1" dirty="0">
-                <a:solidFill>
-                  <a:srgbClr val="ABB2BF"/>
-                </a:solidFill>
-                <a:ea typeface="Times New Roman" panose="02020603050405020304" pitchFamily="18" charset="0"/>
-                <a:cs typeface="Times New Roman" panose="02020603050405020304" pitchFamily="18" charset="0"/>
-              </a:rPr>
-              <a:t> </a:t>
-            </a:r>
-            <a:r>
-              <a:rPr lang="ru-RU" b="1" dirty="0">
-                <a:solidFill>
-                  <a:srgbClr val="ABB2BF"/>
-                </a:solidFill>
-                <a:ea typeface="Times New Roman" panose="02020603050405020304" pitchFamily="18" charset="0"/>
-                <a:cs typeface="Times New Roman" panose="02020603050405020304" pitchFamily="18" charset="0"/>
-              </a:rPr>
-              <a:t>{</a:t>
-            </a:r>
-            <a:endParaRPr lang="en-US" sz="1600" b="1" dirty="0">
-              <a:ea typeface="Calibri" panose="020F0502020204030204" pitchFamily="34" charset="0"/>
-              <a:cs typeface="Times New Roman" panose="02020603050405020304" pitchFamily="18" charset="0"/>
-            </a:endParaRPr>
-          </a:p>
-          <a:p>
-            <a:pPr>
-              <a:lnSpc>
-                <a:spcPts val="1500"/>
-              </a:lnSpc>
-              <a:spcAft>
-                <a:spcPts val="800"/>
-              </a:spcAft>
-            </a:pPr>
-            <a:r>
-              <a:rPr lang="ru-RU" b="1" dirty="0">
-                <a:solidFill>
-                  <a:srgbClr val="BBBBBB"/>
-                </a:solidFill>
-                <a:ea typeface="Times New Roman" panose="02020603050405020304" pitchFamily="18" charset="0"/>
-                <a:cs typeface="Times New Roman" panose="02020603050405020304" pitchFamily="18" charset="0"/>
-              </a:rPr>
-              <a:t>        </a:t>
-            </a:r>
-            <a:r>
-              <a:rPr lang="en-US" b="1" dirty="0">
-                <a:solidFill>
-                  <a:srgbClr val="C678DD"/>
-                </a:solidFill>
-                <a:ea typeface="Times New Roman" panose="02020603050405020304" pitchFamily="18" charset="0"/>
-                <a:cs typeface="Times New Roman" panose="02020603050405020304" pitchFamily="18" charset="0"/>
-              </a:rPr>
-              <a:t>return</a:t>
-            </a:r>
-            <a:r>
-              <a:rPr lang="en-US" b="1" dirty="0">
-                <a:solidFill>
-                  <a:srgbClr val="BBBBBB"/>
-                </a:solidFill>
-                <a:ea typeface="Times New Roman" panose="02020603050405020304" pitchFamily="18" charset="0"/>
-                <a:cs typeface="Times New Roman" panose="02020603050405020304" pitchFamily="18" charset="0"/>
-              </a:rPr>
-              <a:t> </a:t>
-            </a:r>
-            <a:r>
-              <a:rPr lang="en-US" b="1" dirty="0">
-                <a:solidFill>
-                  <a:srgbClr val="C678DD"/>
-                </a:solidFill>
-                <a:ea typeface="Times New Roman" panose="02020603050405020304" pitchFamily="18" charset="0"/>
-                <a:cs typeface="Times New Roman" panose="02020603050405020304" pitchFamily="18" charset="0"/>
-              </a:rPr>
-              <a:t>function</a:t>
-            </a:r>
-            <a:r>
-              <a:rPr lang="en-US" b="1" dirty="0">
-                <a:solidFill>
-                  <a:srgbClr val="BBBBBB"/>
-                </a:solidFill>
-                <a:ea typeface="Times New Roman" panose="02020603050405020304" pitchFamily="18" charset="0"/>
-                <a:cs typeface="Times New Roman" panose="02020603050405020304" pitchFamily="18" charset="0"/>
-              </a:rPr>
-              <a:t> </a:t>
-            </a:r>
-            <a:r>
-              <a:rPr lang="en-US" b="1" dirty="0">
-                <a:solidFill>
-                  <a:srgbClr val="61AFEF"/>
-                </a:solidFill>
-                <a:ea typeface="Times New Roman" panose="02020603050405020304" pitchFamily="18" charset="0"/>
-                <a:cs typeface="Times New Roman" panose="02020603050405020304" pitchFamily="18" charset="0"/>
-              </a:rPr>
-              <a:t>inner</a:t>
-            </a:r>
-            <a:r>
-              <a:rPr lang="en-US" b="1" dirty="0">
-                <a:solidFill>
-                  <a:srgbClr val="ABB2BF"/>
-                </a:solidFill>
-                <a:ea typeface="Times New Roman" panose="02020603050405020304" pitchFamily="18" charset="0"/>
-                <a:cs typeface="Times New Roman" panose="02020603050405020304" pitchFamily="18" charset="0"/>
-              </a:rPr>
-              <a:t>() {</a:t>
-            </a:r>
-            <a:endParaRPr lang="en-US" sz="1600" b="1" dirty="0">
-              <a:ea typeface="Calibri" panose="020F0502020204030204" pitchFamily="34" charset="0"/>
-              <a:cs typeface="Times New Roman" panose="02020603050405020304" pitchFamily="18" charset="0"/>
-            </a:endParaRPr>
-          </a:p>
-          <a:p>
-            <a:pPr>
-              <a:lnSpc>
-                <a:spcPts val="1500"/>
-              </a:lnSpc>
-              <a:spcAft>
-                <a:spcPts val="800"/>
-              </a:spcAft>
-            </a:pPr>
-            <a:r>
-              <a:rPr lang="en-US" b="1" dirty="0">
-                <a:solidFill>
-                  <a:srgbClr val="BBBBBB"/>
-                </a:solidFill>
-                <a:ea typeface="Times New Roman" panose="02020603050405020304" pitchFamily="18" charset="0"/>
-                <a:cs typeface="Times New Roman" panose="02020603050405020304" pitchFamily="18" charset="0"/>
-              </a:rPr>
-              <a:t>             </a:t>
-            </a:r>
-            <a:r>
-              <a:rPr lang="en-US" b="1" dirty="0" err="1">
-                <a:solidFill>
-                  <a:srgbClr val="E5C07B"/>
-                </a:solidFill>
-                <a:ea typeface="Times New Roman" panose="02020603050405020304" pitchFamily="18" charset="0"/>
-                <a:cs typeface="Times New Roman" panose="02020603050405020304" pitchFamily="18" charset="0"/>
-              </a:rPr>
-              <a:t>console</a:t>
-            </a:r>
-            <a:r>
-              <a:rPr lang="en-US" b="1" dirty="0" err="1">
-                <a:solidFill>
-                  <a:srgbClr val="ABB2BF"/>
-                </a:solidFill>
-                <a:ea typeface="Times New Roman" panose="02020603050405020304" pitchFamily="18" charset="0"/>
-                <a:cs typeface="Times New Roman" panose="02020603050405020304" pitchFamily="18" charset="0"/>
-              </a:rPr>
-              <a:t>.</a:t>
-            </a:r>
-            <a:r>
-              <a:rPr lang="en-US" b="1" dirty="0" err="1">
-                <a:solidFill>
-                  <a:srgbClr val="56B6C2"/>
-                </a:solidFill>
-                <a:ea typeface="Times New Roman" panose="02020603050405020304" pitchFamily="18" charset="0"/>
-                <a:cs typeface="Times New Roman" panose="02020603050405020304" pitchFamily="18" charset="0"/>
-              </a:rPr>
-              <a:t>log</a:t>
-            </a:r>
-            <a:r>
-              <a:rPr lang="en-US" b="1" dirty="0">
-                <a:solidFill>
-                  <a:srgbClr val="ABB2BF"/>
-                </a:solidFill>
-                <a:ea typeface="Times New Roman" panose="02020603050405020304" pitchFamily="18" charset="0"/>
-                <a:cs typeface="Times New Roman" panose="02020603050405020304" pitchFamily="18" charset="0"/>
-              </a:rPr>
-              <a:t>(</a:t>
-            </a:r>
-            <a:r>
-              <a:rPr lang="en-US" b="1" dirty="0">
-                <a:solidFill>
-                  <a:srgbClr val="98C379"/>
-                </a:solidFill>
-                <a:ea typeface="Times New Roman" panose="02020603050405020304" pitchFamily="18" charset="0"/>
-                <a:cs typeface="Times New Roman" panose="02020603050405020304" pitchFamily="18" charset="0"/>
-              </a:rPr>
-              <a:t>"Hello "</a:t>
-            </a:r>
-            <a:r>
-              <a:rPr lang="en-US" b="1" dirty="0">
-                <a:solidFill>
-                  <a:srgbClr val="BBBBBB"/>
-                </a:solidFill>
-                <a:ea typeface="Times New Roman" panose="02020603050405020304" pitchFamily="18" charset="0"/>
-                <a:cs typeface="Times New Roman" panose="02020603050405020304" pitchFamily="18" charset="0"/>
-              </a:rPr>
-              <a:t> </a:t>
-            </a:r>
-            <a:r>
-              <a:rPr lang="en-US" b="1" dirty="0">
-                <a:solidFill>
-                  <a:srgbClr val="56B6C2"/>
-                </a:solidFill>
-                <a:ea typeface="Times New Roman" panose="02020603050405020304" pitchFamily="18" charset="0"/>
-                <a:cs typeface="Times New Roman" panose="02020603050405020304" pitchFamily="18" charset="0"/>
-              </a:rPr>
-              <a:t>+</a:t>
-            </a:r>
-            <a:r>
-              <a:rPr lang="en-US" b="1" dirty="0">
-                <a:solidFill>
-                  <a:srgbClr val="BBBBBB"/>
-                </a:solidFill>
-                <a:ea typeface="Times New Roman" panose="02020603050405020304" pitchFamily="18" charset="0"/>
-                <a:cs typeface="Times New Roman" panose="02020603050405020304" pitchFamily="18" charset="0"/>
-              </a:rPr>
-              <a:t> </a:t>
-            </a:r>
-            <a:r>
-              <a:rPr lang="en-US" b="1" dirty="0">
-                <a:solidFill>
-                  <a:srgbClr val="ABB2BF"/>
-                </a:solidFill>
-                <a:ea typeface="Times New Roman" panose="02020603050405020304" pitchFamily="18" charset="0"/>
-                <a:cs typeface="Times New Roman" panose="02020603050405020304" pitchFamily="18" charset="0"/>
-              </a:rPr>
-              <a:t>name);</a:t>
-            </a:r>
-            <a:endParaRPr lang="en-US" sz="1600" b="1" dirty="0">
-              <a:ea typeface="Calibri" panose="020F0502020204030204" pitchFamily="34" charset="0"/>
-              <a:cs typeface="Times New Roman" panose="02020603050405020304" pitchFamily="18" charset="0"/>
-            </a:endParaRPr>
-          </a:p>
-          <a:p>
-            <a:pPr>
-              <a:lnSpc>
-                <a:spcPts val="1500"/>
-              </a:lnSpc>
-              <a:spcAft>
-                <a:spcPts val="800"/>
-              </a:spcAft>
-            </a:pPr>
-            <a:r>
-              <a:rPr lang="en-US" b="1" dirty="0">
-                <a:solidFill>
-                  <a:srgbClr val="BBBBBB"/>
-                </a:solidFill>
-                <a:ea typeface="Times New Roman" panose="02020603050405020304" pitchFamily="18" charset="0"/>
-                <a:cs typeface="Times New Roman" panose="02020603050405020304" pitchFamily="18" charset="0"/>
-              </a:rPr>
-              <a:t>        </a:t>
-            </a:r>
-            <a:r>
-              <a:rPr lang="en-US" b="1" dirty="0">
-                <a:solidFill>
-                  <a:srgbClr val="ABB2BF"/>
-                </a:solidFill>
-                <a:ea typeface="Times New Roman" panose="02020603050405020304" pitchFamily="18" charset="0"/>
-                <a:cs typeface="Times New Roman" panose="02020603050405020304" pitchFamily="18" charset="0"/>
-              </a:rPr>
-              <a:t>}</a:t>
-            </a:r>
-            <a:endParaRPr lang="en-US" sz="1600" b="1" dirty="0">
-              <a:ea typeface="Calibri" panose="020F0502020204030204" pitchFamily="34" charset="0"/>
-              <a:cs typeface="Times New Roman" panose="02020603050405020304" pitchFamily="18" charset="0"/>
-            </a:endParaRPr>
-          </a:p>
-          <a:p>
-            <a:pPr>
-              <a:lnSpc>
-                <a:spcPts val="1500"/>
-              </a:lnSpc>
-              <a:spcAft>
-                <a:spcPts val="800"/>
-              </a:spcAft>
-            </a:pPr>
-            <a:r>
-              <a:rPr lang="en-US" b="1" dirty="0">
-                <a:solidFill>
-                  <a:srgbClr val="BBBBBB"/>
-                </a:solidFill>
-                <a:ea typeface="Times New Roman" panose="02020603050405020304" pitchFamily="18" charset="0"/>
-                <a:cs typeface="Times New Roman" panose="02020603050405020304" pitchFamily="18" charset="0"/>
-              </a:rPr>
-              <a:t>    </a:t>
-            </a:r>
-            <a:r>
-              <a:rPr lang="en-US" b="1" dirty="0">
-                <a:solidFill>
-                  <a:srgbClr val="ABB2BF"/>
-                </a:solidFill>
-                <a:ea typeface="Times New Roman" panose="02020603050405020304" pitchFamily="18" charset="0"/>
-                <a:cs typeface="Times New Roman" panose="02020603050405020304" pitchFamily="18" charset="0"/>
-              </a:rPr>
-              <a:t>}</a:t>
-            </a:r>
-            <a:r>
-              <a:rPr lang="en-US" b="1" dirty="0">
-                <a:solidFill>
-                  <a:srgbClr val="BBBBBB"/>
-                </a:solidFill>
-                <a:ea typeface="Times New Roman" panose="02020603050405020304" pitchFamily="18" charset="0"/>
-                <a:cs typeface="Times New Roman" panose="02020603050405020304" pitchFamily="18" charset="0"/>
-              </a:rPr>
-              <a:t> </a:t>
-            </a:r>
-            <a:endParaRPr lang="en-US" sz="1600" b="1" dirty="0">
-              <a:ea typeface="Calibri" panose="020F0502020204030204" pitchFamily="34" charset="0"/>
-              <a:cs typeface="Times New Roman" panose="02020603050405020304" pitchFamily="18" charset="0"/>
-            </a:endParaRPr>
-          </a:p>
-          <a:p>
-            <a:pPr>
-              <a:lnSpc>
-                <a:spcPts val="1500"/>
-              </a:lnSpc>
-              <a:spcAft>
-                <a:spcPts val="800"/>
-              </a:spcAft>
-            </a:pPr>
-            <a:r>
-              <a:rPr lang="en-US" b="1" dirty="0" err="1">
-                <a:solidFill>
-                  <a:srgbClr val="61AFEF"/>
-                </a:solidFill>
-                <a:ea typeface="Times New Roman" panose="02020603050405020304" pitchFamily="18" charset="0"/>
-                <a:cs typeface="Times New Roman" panose="02020603050405020304" pitchFamily="18" charset="0"/>
-              </a:rPr>
-              <a:t>showName</a:t>
-            </a:r>
-            <a:r>
-              <a:rPr lang="en-US" b="1" dirty="0">
-                <a:solidFill>
-                  <a:srgbClr val="ABB2BF"/>
-                </a:solidFill>
-                <a:ea typeface="Times New Roman" panose="02020603050405020304" pitchFamily="18" charset="0"/>
-                <a:cs typeface="Times New Roman" panose="02020603050405020304" pitchFamily="18" charset="0"/>
-              </a:rPr>
-              <a:t>(</a:t>
-            </a:r>
-            <a:r>
-              <a:rPr lang="en-US" b="1" dirty="0">
-                <a:solidFill>
-                  <a:srgbClr val="98C379"/>
-                </a:solidFill>
-                <a:ea typeface="Times New Roman" panose="02020603050405020304" pitchFamily="18" charset="0"/>
-                <a:cs typeface="Times New Roman" panose="02020603050405020304" pitchFamily="18" charset="0"/>
-              </a:rPr>
-              <a:t>"Pete"</a:t>
-            </a:r>
-            <a:r>
-              <a:rPr lang="en-US" b="1" dirty="0">
-                <a:solidFill>
-                  <a:srgbClr val="ABB2BF"/>
-                </a:solidFill>
-                <a:ea typeface="Times New Roman" panose="02020603050405020304" pitchFamily="18" charset="0"/>
-                <a:cs typeface="Times New Roman" panose="02020603050405020304" pitchFamily="18" charset="0"/>
-              </a:rPr>
-              <a:t>);</a:t>
-            </a:r>
-            <a:endParaRPr lang="en-US" sz="1600" b="1" dirty="0">
-              <a:effectLst/>
-              <a:ea typeface="Calibri" panose="020F0502020204030204" pitchFamily="34" charset="0"/>
-              <a:cs typeface="Times New Roman" panose="02020603050405020304" pitchFamily="18" charset="0"/>
-            </a:endParaRPr>
-          </a:p>
-        </p:txBody>
-      </p:sp>
-      <p:sp>
-        <p:nvSpPr>
-          <p:cNvPr id="6" name="Rectangle 5">
-            <a:extLst>
-              <a:ext uri="{FF2B5EF4-FFF2-40B4-BE49-F238E27FC236}">
-                <a16:creationId xmlns:a16="http://schemas.microsoft.com/office/drawing/2014/main" id="{65400F34-8B43-904C-A659-C80B8E5ACDA2}"/>
-              </a:ext>
-            </a:extLst>
-          </p:cNvPr>
-          <p:cNvSpPr/>
-          <p:nvPr/>
-        </p:nvSpPr>
-        <p:spPr>
-          <a:xfrm>
-            <a:off x="251520" y="3484047"/>
-            <a:ext cx="5677708" cy="1167243"/>
-          </a:xfrm>
-          <a:prstGeom prst="rect">
-            <a:avLst/>
-          </a:prstGeom>
-        </p:spPr>
-        <p:txBody>
-          <a:bodyPr wrap="square">
-            <a:spAutoFit/>
-          </a:bodyPr>
-          <a:lstStyle/>
-          <a:p>
-            <a:pPr>
-              <a:lnSpc>
-                <a:spcPct val="107000"/>
-              </a:lnSpc>
-              <a:spcAft>
-                <a:spcPts val="800"/>
-              </a:spcAft>
-            </a:pPr>
-            <a:r>
-              <a:rPr lang="en-US" b="1" dirty="0">
-                <a:ea typeface="Calibri" panose="020F0502020204030204" pitchFamily="34" charset="0"/>
-                <a:cs typeface="Times New Roman" panose="02020603050405020304" pitchFamily="18" charset="0"/>
-              </a:rPr>
-              <a:t>a.  Hello Pete</a:t>
-            </a:r>
-          </a:p>
-          <a:p>
-            <a:pPr>
-              <a:lnSpc>
-                <a:spcPct val="107000"/>
-              </a:lnSpc>
-              <a:spcAft>
-                <a:spcPts val="800"/>
-              </a:spcAft>
-            </a:pPr>
-            <a:r>
-              <a:rPr lang="en-US" b="1" dirty="0">
-                <a:ea typeface="Calibri" panose="020F0502020204030204" pitchFamily="34" charset="0"/>
-                <a:cs typeface="Times New Roman" panose="02020603050405020304" pitchFamily="18" charset="0"/>
-              </a:rPr>
-              <a:t>b.  </a:t>
-            </a:r>
-            <a:r>
-              <a:rPr lang="en-US" b="1" dirty="0" err="1">
-                <a:ea typeface="Calibri" panose="020F0502020204030204" pitchFamily="34" charset="0"/>
-                <a:cs typeface="Times New Roman" panose="02020603050405020304" pitchFamily="18" charset="0"/>
-              </a:rPr>
-              <a:t>текст</a:t>
-            </a:r>
-            <a:r>
-              <a:rPr lang="en-US" b="1" dirty="0">
-                <a:ea typeface="Calibri" panose="020F0502020204030204" pitchFamily="34" charset="0"/>
-                <a:cs typeface="Times New Roman" panose="02020603050405020304" pitchFamily="18" charset="0"/>
-              </a:rPr>
-              <a:t> </a:t>
-            </a:r>
-            <a:r>
-              <a:rPr lang="en-US" b="1" dirty="0" err="1">
-                <a:ea typeface="Calibri" panose="020F0502020204030204" pitchFamily="34" charset="0"/>
-                <a:cs typeface="Times New Roman" panose="02020603050405020304" pitchFamily="18" charset="0"/>
-              </a:rPr>
-              <a:t>функции</a:t>
-            </a:r>
-            <a:r>
-              <a:rPr lang="en-US" b="1" dirty="0">
-                <a:ea typeface="Calibri" panose="020F0502020204030204" pitchFamily="34" charset="0"/>
-                <a:cs typeface="Times New Roman" panose="02020603050405020304" pitchFamily="18" charset="0"/>
-              </a:rPr>
-              <a:t> inner</a:t>
-            </a:r>
-          </a:p>
-          <a:p>
-            <a:r>
-              <a:rPr lang="en-US" b="1" dirty="0">
-                <a:ea typeface="Calibri" panose="020F0502020204030204" pitchFamily="34" charset="0"/>
-              </a:rPr>
-              <a:t>c.  </a:t>
-            </a:r>
-            <a:r>
-              <a:rPr lang="en-US" b="1" dirty="0" err="1">
-                <a:ea typeface="Calibri" panose="020F0502020204030204" pitchFamily="34" charset="0"/>
-              </a:rPr>
-              <a:t>ничего</a:t>
-            </a:r>
-            <a:r>
-              <a:rPr lang="en-US" b="1" dirty="0">
-                <a:ea typeface="Calibri" panose="020F0502020204030204" pitchFamily="34" charset="0"/>
-              </a:rPr>
-              <a:t> </a:t>
-            </a:r>
-            <a:r>
-              <a:rPr lang="en-US" b="1" dirty="0" err="1">
-                <a:ea typeface="Calibri" panose="020F0502020204030204" pitchFamily="34" charset="0"/>
-              </a:rPr>
-              <a:t>не</a:t>
-            </a:r>
-            <a:r>
-              <a:rPr lang="en-US" b="1" dirty="0">
-                <a:ea typeface="Calibri" panose="020F0502020204030204" pitchFamily="34" charset="0"/>
-              </a:rPr>
-              <a:t> </a:t>
-            </a:r>
-            <a:r>
-              <a:rPr lang="en-US" b="1" dirty="0" err="1">
-                <a:ea typeface="Calibri" panose="020F0502020204030204" pitchFamily="34" charset="0"/>
-              </a:rPr>
-              <a:t>выведется</a:t>
-            </a:r>
-            <a:r>
-              <a:rPr lang="en-US" b="1" dirty="0">
-                <a:ea typeface="Calibri" panose="020F0502020204030204" pitchFamily="34" charset="0"/>
-              </a:rPr>
-              <a:t> </a:t>
-            </a:r>
-            <a:endParaRPr lang="en-US" b="1" dirty="0"/>
-          </a:p>
-        </p:txBody>
-      </p:sp>
-    </p:spTree>
-    <p:extLst>
-      <p:ext uri="{BB962C8B-B14F-4D97-AF65-F5344CB8AC3E}">
-        <p14:creationId xmlns:p14="http://schemas.microsoft.com/office/powerpoint/2010/main" val="3592459470"/>
-      </p:ext>
-    </p:extLst>
-  </p:cSld>
-  <p:clrMapOvr>
-    <a:masterClrMapping/>
-  </p:clrMapOvr>
-</p:sld>
-</file>
-
-<file path=ppt/slides/slide20.xml><?xml version="1.0" encoding="utf-8"?>
+<file path=ppt/slides/slide19.xml><?xml version="1.0" encoding="utf-8"?>
 <p:sld xmlns:a="http://schemas.openxmlformats.org/drawingml/2006/main" xmlns:r="http://schemas.openxmlformats.org/officeDocument/2006/relationships" xmlns:p="http://schemas.openxmlformats.org/presentationml/2006/main" showMasterSp="0">
   <p:cSld>
     <p:spTree>
@@ -13294,21 +12036,21 @@
                 <a:gridCol w="1546227">
                   <a:extLst>
                     <a:ext uri="{9D8B030D-6E8A-4147-A177-3AD203B41FA5}">
-                      <a16:colId xmlns:a16="http://schemas.microsoft.com/office/drawing/2014/main" val="20000"/>
+                      <a16:colId xmlns:a16="http://schemas.microsoft.com/office/drawing/2014/main" xmlns="" val="20000"/>
                     </a:ext>
                   </a:extLst>
                 </a:gridCol>
                 <a:gridCol w="1800200">
                   <a:extLst>
                     <a:ext uri="{9D8B030D-6E8A-4147-A177-3AD203B41FA5}">
-                      <a16:colId xmlns:a16="http://schemas.microsoft.com/office/drawing/2014/main" val="20001"/>
+                      <a16:colId xmlns:a16="http://schemas.microsoft.com/office/drawing/2014/main" xmlns="" val="20001"/>
                     </a:ext>
                   </a:extLst>
                 </a:gridCol>
                 <a:gridCol w="2088232">
                   <a:extLst>
                     <a:ext uri="{9D8B030D-6E8A-4147-A177-3AD203B41FA5}">
-                      <a16:colId xmlns:a16="http://schemas.microsoft.com/office/drawing/2014/main" val="20002"/>
+                      <a16:colId xmlns:a16="http://schemas.microsoft.com/office/drawing/2014/main" xmlns="" val="20002"/>
                     </a:ext>
                   </a:extLst>
                 </a:gridCol>
@@ -13492,7 +12234,7 @@
                 </a:tc>
                 <a:extLst>
                   <a:ext uri="{0D108BD9-81ED-4DB2-BD59-A6C34878D82A}">
-                    <a16:rowId xmlns:a16="http://schemas.microsoft.com/office/drawing/2014/main" val="10000"/>
+                    <a16:rowId xmlns:a16="http://schemas.microsoft.com/office/drawing/2014/main" xmlns="" val="10000"/>
                   </a:ext>
                 </a:extLst>
               </a:tr>
@@ -13676,7 +12418,7 @@
                 </a:tc>
                 <a:extLst>
                   <a:ext uri="{0D108BD9-81ED-4DB2-BD59-A6C34878D82A}">
-                    <a16:rowId xmlns:a16="http://schemas.microsoft.com/office/drawing/2014/main" val="10001"/>
+                    <a16:rowId xmlns:a16="http://schemas.microsoft.com/office/drawing/2014/main" xmlns="" val="10001"/>
                   </a:ext>
                 </a:extLst>
               </a:tr>
@@ -13876,7 +12618,7 @@
                 </a:tc>
                 <a:extLst>
                   <a:ext uri="{0D108BD9-81ED-4DB2-BD59-A6C34878D82A}">
-                    <a16:rowId xmlns:a16="http://schemas.microsoft.com/office/drawing/2014/main" val="10002"/>
+                    <a16:rowId xmlns:a16="http://schemas.microsoft.com/office/drawing/2014/main" xmlns="" val="10002"/>
                   </a:ext>
                 </a:extLst>
               </a:tr>
@@ -14064,7 +12806,7 @@
                 </a:tc>
                 <a:extLst>
                   <a:ext uri="{0D108BD9-81ED-4DB2-BD59-A6C34878D82A}">
-                    <a16:rowId xmlns:a16="http://schemas.microsoft.com/office/drawing/2014/main" val="10003"/>
+                    <a16:rowId xmlns:a16="http://schemas.microsoft.com/office/drawing/2014/main" xmlns="" val="10003"/>
                   </a:ext>
                 </a:extLst>
               </a:tr>
@@ -14273,7 +13015,7 @@
                 </a:tc>
                 <a:extLst>
                   <a:ext uri="{0D108BD9-81ED-4DB2-BD59-A6C34878D82A}">
-                    <a16:rowId xmlns:a16="http://schemas.microsoft.com/office/drawing/2014/main" val="10004"/>
+                    <a16:rowId xmlns:a16="http://schemas.microsoft.com/office/drawing/2014/main" xmlns="" val="10004"/>
                   </a:ext>
                 </a:extLst>
               </a:tr>
@@ -14481,7 +13223,7 @@
                 </a:tc>
                 <a:extLst>
                   <a:ext uri="{0D108BD9-81ED-4DB2-BD59-A6C34878D82A}">
-                    <a16:rowId xmlns:a16="http://schemas.microsoft.com/office/drawing/2014/main" val="10005"/>
+                    <a16:rowId xmlns:a16="http://schemas.microsoft.com/office/drawing/2014/main" xmlns="" val="10005"/>
                   </a:ext>
                 </a:extLst>
               </a:tr>
@@ -14711,7 +13453,7 @@
                 </a:tc>
                 <a:extLst>
                   <a:ext uri="{0D108BD9-81ED-4DB2-BD59-A6C34878D82A}">
-                    <a16:rowId xmlns:a16="http://schemas.microsoft.com/office/drawing/2014/main" val="10006"/>
+                    <a16:rowId xmlns:a16="http://schemas.microsoft.com/office/drawing/2014/main" xmlns="" val="10006"/>
                   </a:ext>
                 </a:extLst>
               </a:tr>
@@ -14810,7 +13552,7 @@
           <p:cNvPr id="4" name="Rectangle 3">
             <a:extLst>
               <a:ext uri="{FF2B5EF4-FFF2-40B4-BE49-F238E27FC236}">
-                <a16:creationId xmlns:a16="http://schemas.microsoft.com/office/drawing/2014/main" id="{1EAB2A3B-92A7-244E-AC0D-07ADEE5B4DDA}"/>
+                <a16:creationId xmlns:a16="http://schemas.microsoft.com/office/drawing/2014/main" xmlns="" id="{1EAB2A3B-92A7-244E-AC0D-07ADEE5B4DDA}"/>
               </a:ext>
             </a:extLst>
           </p:cNvPr>
@@ -14865,7 +13607,674 @@
 </p:sld>
 </file>
 
-<file path=ppt/slides/slide21.xml><?xml version="1.0" encoding="utf-8"?>
+<file path=ppt/slides/slide2.xml><?xml version="1.0" encoding="utf-8"?>
+<p:sld xmlns:a="http://schemas.openxmlformats.org/drawingml/2006/main" xmlns:r="http://schemas.openxmlformats.org/officeDocument/2006/relationships" xmlns:p="http://schemas.openxmlformats.org/presentationml/2006/main">
+  <p:cSld>
+    <p:spTree>
+      <p:nvGrpSpPr>
+        <p:cNvPr id="1" name=""/>
+        <p:cNvGrpSpPr/>
+        <p:nvPr/>
+      </p:nvGrpSpPr>
+      <p:grpSpPr>
+        <a:xfrm>
+          <a:off x="0" y="0"/>
+          <a:ext cx="0" cy="0"/>
+          <a:chOff x="0" y="0"/>
+          <a:chExt cx="0" cy="0"/>
+        </a:xfrm>
+      </p:grpSpPr>
+      <p:sp>
+        <p:nvSpPr>
+          <p:cNvPr id="3" name="Rectangle 2">
+            <a:extLst>
+              <a:ext uri="{FF2B5EF4-FFF2-40B4-BE49-F238E27FC236}">
+                <a16:creationId xmlns:a16="http://schemas.microsoft.com/office/drawing/2014/main" xmlns="" id="{B5422FE2-3D4E-CA40-80E2-0EC61B2F993B}"/>
+              </a:ext>
+            </a:extLst>
+          </p:cNvPr>
+          <p:cNvSpPr/>
+          <p:nvPr/>
+        </p:nvSpPr>
+        <p:spPr>
+          <a:xfrm>
+            <a:off x="251520" y="332656"/>
+            <a:ext cx="7488832" cy="383888"/>
+          </a:xfrm>
+          <a:prstGeom prst="rect">
+            <a:avLst/>
+          </a:prstGeom>
+        </p:spPr>
+        <p:txBody>
+          <a:bodyPr wrap="square">
+            <a:spAutoFit/>
+          </a:bodyPr>
+          <a:lstStyle/>
+          <a:p>
+            <a:pPr algn="just">
+              <a:lnSpc>
+                <a:spcPct val="107000"/>
+              </a:lnSpc>
+              <a:spcAft>
+                <a:spcPts val="800"/>
+              </a:spcAft>
+            </a:pPr>
+            <a:r>
+              <a:rPr lang="ru-RU" b="1" dirty="0">
+                <a:ea typeface="Calibri" panose="020F0502020204030204" pitchFamily="34" charset="0"/>
+                <a:cs typeface="Times New Roman" panose="02020603050405020304" pitchFamily="18" charset="0"/>
+              </a:rPr>
+              <a:t>1. Какой будет результат выполнения функции</a:t>
+            </a:r>
+            <a:endParaRPr lang="en-US" b="1" dirty="0">
+              <a:ea typeface="Calibri" panose="020F0502020204030204" pitchFamily="34" charset="0"/>
+              <a:cs typeface="Times New Roman" panose="02020603050405020304" pitchFamily="18" charset="0"/>
+            </a:endParaRPr>
+          </a:p>
+        </p:txBody>
+      </p:sp>
+      <p:sp>
+        <p:nvSpPr>
+          <p:cNvPr id="4" name="Rectangle 3">
+            <a:extLst>
+              <a:ext uri="{FF2B5EF4-FFF2-40B4-BE49-F238E27FC236}">
+                <a16:creationId xmlns:a16="http://schemas.microsoft.com/office/drawing/2014/main" xmlns="" id="{6F30BDA8-8337-7041-9804-9B66047628DC}"/>
+              </a:ext>
+            </a:extLst>
+          </p:cNvPr>
+          <p:cNvSpPr/>
+          <p:nvPr/>
+        </p:nvSpPr>
+        <p:spPr>
+          <a:xfrm>
+            <a:off x="251520" y="908720"/>
+            <a:ext cx="8136904" cy="1780616"/>
+          </a:xfrm>
+          <a:prstGeom prst="rect">
+            <a:avLst/>
+          </a:prstGeom>
+        </p:spPr>
+        <p:txBody>
+          <a:bodyPr wrap="square">
+            <a:spAutoFit/>
+          </a:bodyPr>
+          <a:lstStyle/>
+          <a:p>
+            <a:pPr>
+              <a:lnSpc>
+                <a:spcPts val="1500"/>
+              </a:lnSpc>
+              <a:spcAft>
+                <a:spcPts val="800"/>
+              </a:spcAft>
+            </a:pPr>
+            <a:r>
+              <a:rPr lang="en-US" b="1" dirty="0">
+                <a:solidFill>
+                  <a:srgbClr val="C678DD"/>
+                </a:solidFill>
+                <a:ea typeface="Times New Roman" panose="02020603050405020304" pitchFamily="18" charset="0"/>
+                <a:cs typeface="Times New Roman" panose="02020603050405020304" pitchFamily="18" charset="0"/>
+              </a:rPr>
+              <a:t>function</a:t>
+            </a:r>
+            <a:r>
+              <a:rPr lang="en-US" b="1" dirty="0">
+                <a:solidFill>
+                  <a:srgbClr val="BBBBBB"/>
+                </a:solidFill>
+                <a:ea typeface="Times New Roman" panose="02020603050405020304" pitchFamily="18" charset="0"/>
+                <a:cs typeface="Times New Roman" panose="02020603050405020304" pitchFamily="18" charset="0"/>
+              </a:rPr>
+              <a:t> </a:t>
+            </a:r>
+            <a:r>
+              <a:rPr lang="en-US" b="1" dirty="0" err="1">
+                <a:solidFill>
+                  <a:srgbClr val="61AFEF"/>
+                </a:solidFill>
+                <a:ea typeface="Times New Roman" panose="02020603050405020304" pitchFamily="18" charset="0"/>
+                <a:cs typeface="Times New Roman" panose="02020603050405020304" pitchFamily="18" charset="0"/>
+              </a:rPr>
+              <a:t>showName</a:t>
+            </a:r>
+            <a:r>
+              <a:rPr lang="ru-RU" b="1" dirty="0">
+                <a:solidFill>
+                  <a:srgbClr val="ABB2BF"/>
+                </a:solidFill>
+                <a:ea typeface="Times New Roman" panose="02020603050405020304" pitchFamily="18" charset="0"/>
+                <a:cs typeface="Times New Roman" panose="02020603050405020304" pitchFamily="18" charset="0"/>
+              </a:rPr>
+              <a:t>(</a:t>
+            </a:r>
+            <a:r>
+              <a:rPr lang="en-US" b="1" dirty="0">
+                <a:solidFill>
+                  <a:srgbClr val="ABB2BF"/>
+                </a:solidFill>
+                <a:ea typeface="Times New Roman" panose="02020603050405020304" pitchFamily="18" charset="0"/>
+                <a:cs typeface="Times New Roman" panose="02020603050405020304" pitchFamily="18" charset="0"/>
+              </a:rPr>
+              <a:t>name</a:t>
+            </a:r>
+            <a:r>
+              <a:rPr lang="ru-RU" b="1" dirty="0">
+                <a:solidFill>
+                  <a:srgbClr val="ABB2BF"/>
+                </a:solidFill>
+                <a:ea typeface="Times New Roman" panose="02020603050405020304" pitchFamily="18" charset="0"/>
+                <a:cs typeface="Times New Roman" panose="02020603050405020304" pitchFamily="18" charset="0"/>
+              </a:rPr>
+              <a:t>)</a:t>
+            </a:r>
+            <a:r>
+              <a:rPr lang="en-US" b="1" dirty="0">
+                <a:solidFill>
+                  <a:srgbClr val="ABB2BF"/>
+                </a:solidFill>
+                <a:ea typeface="Times New Roman" panose="02020603050405020304" pitchFamily="18" charset="0"/>
+                <a:cs typeface="Times New Roman" panose="02020603050405020304" pitchFamily="18" charset="0"/>
+              </a:rPr>
+              <a:t> </a:t>
+            </a:r>
+            <a:r>
+              <a:rPr lang="ru-RU" b="1" dirty="0">
+                <a:solidFill>
+                  <a:srgbClr val="ABB2BF"/>
+                </a:solidFill>
+                <a:ea typeface="Times New Roman" panose="02020603050405020304" pitchFamily="18" charset="0"/>
+                <a:cs typeface="Times New Roman" panose="02020603050405020304" pitchFamily="18" charset="0"/>
+              </a:rPr>
+              <a:t>{</a:t>
+            </a:r>
+            <a:endParaRPr lang="en-US" sz="1600" b="1" dirty="0">
+              <a:ea typeface="Calibri" panose="020F0502020204030204" pitchFamily="34" charset="0"/>
+              <a:cs typeface="Times New Roman" panose="02020603050405020304" pitchFamily="18" charset="0"/>
+            </a:endParaRPr>
+          </a:p>
+          <a:p>
+            <a:pPr>
+              <a:lnSpc>
+                <a:spcPts val="1500"/>
+              </a:lnSpc>
+              <a:spcAft>
+                <a:spcPts val="800"/>
+              </a:spcAft>
+            </a:pPr>
+            <a:r>
+              <a:rPr lang="ru-RU" b="1" dirty="0">
+                <a:solidFill>
+                  <a:srgbClr val="BBBBBB"/>
+                </a:solidFill>
+                <a:ea typeface="Times New Roman" panose="02020603050405020304" pitchFamily="18" charset="0"/>
+                <a:cs typeface="Times New Roman" panose="02020603050405020304" pitchFamily="18" charset="0"/>
+              </a:rPr>
+              <a:t>        </a:t>
+            </a:r>
+            <a:r>
+              <a:rPr lang="en-US" b="1" dirty="0">
+                <a:solidFill>
+                  <a:srgbClr val="C678DD"/>
+                </a:solidFill>
+                <a:ea typeface="Times New Roman" panose="02020603050405020304" pitchFamily="18" charset="0"/>
+                <a:cs typeface="Times New Roman" panose="02020603050405020304" pitchFamily="18" charset="0"/>
+              </a:rPr>
+              <a:t>return</a:t>
+            </a:r>
+            <a:r>
+              <a:rPr lang="en-US" b="1" dirty="0">
+                <a:solidFill>
+                  <a:srgbClr val="BBBBBB"/>
+                </a:solidFill>
+                <a:ea typeface="Times New Roman" panose="02020603050405020304" pitchFamily="18" charset="0"/>
+                <a:cs typeface="Times New Roman" panose="02020603050405020304" pitchFamily="18" charset="0"/>
+              </a:rPr>
+              <a:t> </a:t>
+            </a:r>
+            <a:r>
+              <a:rPr lang="en-US" b="1" dirty="0">
+                <a:solidFill>
+                  <a:srgbClr val="C678DD"/>
+                </a:solidFill>
+                <a:ea typeface="Times New Roman" panose="02020603050405020304" pitchFamily="18" charset="0"/>
+                <a:cs typeface="Times New Roman" panose="02020603050405020304" pitchFamily="18" charset="0"/>
+              </a:rPr>
+              <a:t>function</a:t>
+            </a:r>
+            <a:r>
+              <a:rPr lang="en-US" b="1" dirty="0">
+                <a:solidFill>
+                  <a:srgbClr val="BBBBBB"/>
+                </a:solidFill>
+                <a:ea typeface="Times New Roman" panose="02020603050405020304" pitchFamily="18" charset="0"/>
+                <a:cs typeface="Times New Roman" panose="02020603050405020304" pitchFamily="18" charset="0"/>
+              </a:rPr>
+              <a:t> </a:t>
+            </a:r>
+            <a:r>
+              <a:rPr lang="en-US" b="1" dirty="0">
+                <a:solidFill>
+                  <a:srgbClr val="61AFEF"/>
+                </a:solidFill>
+                <a:ea typeface="Times New Roman" panose="02020603050405020304" pitchFamily="18" charset="0"/>
+                <a:cs typeface="Times New Roman" panose="02020603050405020304" pitchFamily="18" charset="0"/>
+              </a:rPr>
+              <a:t>inner</a:t>
+            </a:r>
+            <a:r>
+              <a:rPr lang="en-US" b="1" dirty="0">
+                <a:solidFill>
+                  <a:srgbClr val="ABB2BF"/>
+                </a:solidFill>
+                <a:ea typeface="Times New Roman" panose="02020603050405020304" pitchFamily="18" charset="0"/>
+                <a:cs typeface="Times New Roman" panose="02020603050405020304" pitchFamily="18" charset="0"/>
+              </a:rPr>
+              <a:t>() {</a:t>
+            </a:r>
+            <a:endParaRPr lang="en-US" sz="1600" b="1" dirty="0">
+              <a:ea typeface="Calibri" panose="020F0502020204030204" pitchFamily="34" charset="0"/>
+              <a:cs typeface="Times New Roman" panose="02020603050405020304" pitchFamily="18" charset="0"/>
+            </a:endParaRPr>
+          </a:p>
+          <a:p>
+            <a:pPr>
+              <a:lnSpc>
+                <a:spcPts val="1500"/>
+              </a:lnSpc>
+              <a:spcAft>
+                <a:spcPts val="800"/>
+              </a:spcAft>
+            </a:pPr>
+            <a:r>
+              <a:rPr lang="en-US" b="1" dirty="0">
+                <a:solidFill>
+                  <a:srgbClr val="BBBBBB"/>
+                </a:solidFill>
+                <a:ea typeface="Times New Roman" panose="02020603050405020304" pitchFamily="18" charset="0"/>
+                <a:cs typeface="Times New Roman" panose="02020603050405020304" pitchFamily="18" charset="0"/>
+              </a:rPr>
+              <a:t>             </a:t>
+            </a:r>
+            <a:r>
+              <a:rPr lang="en-US" b="1" dirty="0" err="1">
+                <a:solidFill>
+                  <a:srgbClr val="E5C07B"/>
+                </a:solidFill>
+                <a:ea typeface="Times New Roman" panose="02020603050405020304" pitchFamily="18" charset="0"/>
+                <a:cs typeface="Times New Roman" panose="02020603050405020304" pitchFamily="18" charset="0"/>
+              </a:rPr>
+              <a:t>console</a:t>
+            </a:r>
+            <a:r>
+              <a:rPr lang="en-US" b="1" dirty="0" err="1">
+                <a:solidFill>
+                  <a:srgbClr val="ABB2BF"/>
+                </a:solidFill>
+                <a:ea typeface="Times New Roman" panose="02020603050405020304" pitchFamily="18" charset="0"/>
+                <a:cs typeface="Times New Roman" panose="02020603050405020304" pitchFamily="18" charset="0"/>
+              </a:rPr>
+              <a:t>.</a:t>
+            </a:r>
+            <a:r>
+              <a:rPr lang="en-US" b="1" dirty="0" err="1">
+                <a:solidFill>
+                  <a:srgbClr val="56B6C2"/>
+                </a:solidFill>
+                <a:ea typeface="Times New Roman" panose="02020603050405020304" pitchFamily="18" charset="0"/>
+                <a:cs typeface="Times New Roman" panose="02020603050405020304" pitchFamily="18" charset="0"/>
+              </a:rPr>
+              <a:t>log</a:t>
+            </a:r>
+            <a:r>
+              <a:rPr lang="en-US" b="1" dirty="0">
+                <a:solidFill>
+                  <a:srgbClr val="ABB2BF"/>
+                </a:solidFill>
+                <a:ea typeface="Times New Roman" panose="02020603050405020304" pitchFamily="18" charset="0"/>
+                <a:cs typeface="Times New Roman" panose="02020603050405020304" pitchFamily="18" charset="0"/>
+              </a:rPr>
+              <a:t>(</a:t>
+            </a:r>
+            <a:r>
+              <a:rPr lang="en-US" b="1" dirty="0">
+                <a:solidFill>
+                  <a:srgbClr val="98C379"/>
+                </a:solidFill>
+                <a:ea typeface="Times New Roman" panose="02020603050405020304" pitchFamily="18" charset="0"/>
+                <a:cs typeface="Times New Roman" panose="02020603050405020304" pitchFamily="18" charset="0"/>
+              </a:rPr>
+              <a:t>"Hello "</a:t>
+            </a:r>
+            <a:r>
+              <a:rPr lang="en-US" b="1" dirty="0">
+                <a:solidFill>
+                  <a:srgbClr val="BBBBBB"/>
+                </a:solidFill>
+                <a:ea typeface="Times New Roman" panose="02020603050405020304" pitchFamily="18" charset="0"/>
+                <a:cs typeface="Times New Roman" panose="02020603050405020304" pitchFamily="18" charset="0"/>
+              </a:rPr>
+              <a:t> </a:t>
+            </a:r>
+            <a:r>
+              <a:rPr lang="en-US" b="1" dirty="0">
+                <a:solidFill>
+                  <a:srgbClr val="56B6C2"/>
+                </a:solidFill>
+                <a:ea typeface="Times New Roman" panose="02020603050405020304" pitchFamily="18" charset="0"/>
+                <a:cs typeface="Times New Roman" panose="02020603050405020304" pitchFamily="18" charset="0"/>
+              </a:rPr>
+              <a:t>+</a:t>
+            </a:r>
+            <a:r>
+              <a:rPr lang="en-US" b="1" dirty="0">
+                <a:solidFill>
+                  <a:srgbClr val="BBBBBB"/>
+                </a:solidFill>
+                <a:ea typeface="Times New Roman" panose="02020603050405020304" pitchFamily="18" charset="0"/>
+                <a:cs typeface="Times New Roman" panose="02020603050405020304" pitchFamily="18" charset="0"/>
+              </a:rPr>
+              <a:t> </a:t>
+            </a:r>
+            <a:r>
+              <a:rPr lang="en-US" b="1" dirty="0">
+                <a:solidFill>
+                  <a:srgbClr val="ABB2BF"/>
+                </a:solidFill>
+                <a:ea typeface="Times New Roman" panose="02020603050405020304" pitchFamily="18" charset="0"/>
+                <a:cs typeface="Times New Roman" panose="02020603050405020304" pitchFamily="18" charset="0"/>
+              </a:rPr>
+              <a:t>name);</a:t>
+            </a:r>
+            <a:endParaRPr lang="en-US" sz="1600" b="1" dirty="0">
+              <a:ea typeface="Calibri" panose="020F0502020204030204" pitchFamily="34" charset="0"/>
+              <a:cs typeface="Times New Roman" panose="02020603050405020304" pitchFamily="18" charset="0"/>
+            </a:endParaRPr>
+          </a:p>
+          <a:p>
+            <a:pPr>
+              <a:lnSpc>
+                <a:spcPts val="1500"/>
+              </a:lnSpc>
+              <a:spcAft>
+                <a:spcPts val="800"/>
+              </a:spcAft>
+            </a:pPr>
+            <a:r>
+              <a:rPr lang="en-US" b="1" dirty="0">
+                <a:solidFill>
+                  <a:srgbClr val="BBBBBB"/>
+                </a:solidFill>
+                <a:ea typeface="Times New Roman" panose="02020603050405020304" pitchFamily="18" charset="0"/>
+                <a:cs typeface="Times New Roman" panose="02020603050405020304" pitchFamily="18" charset="0"/>
+              </a:rPr>
+              <a:t>        </a:t>
+            </a:r>
+            <a:r>
+              <a:rPr lang="en-US" b="1" dirty="0">
+                <a:solidFill>
+                  <a:srgbClr val="ABB2BF"/>
+                </a:solidFill>
+                <a:ea typeface="Times New Roman" panose="02020603050405020304" pitchFamily="18" charset="0"/>
+                <a:cs typeface="Times New Roman" panose="02020603050405020304" pitchFamily="18" charset="0"/>
+              </a:rPr>
+              <a:t>}</a:t>
+            </a:r>
+            <a:endParaRPr lang="en-US" sz="1600" b="1" dirty="0">
+              <a:ea typeface="Calibri" panose="020F0502020204030204" pitchFamily="34" charset="0"/>
+              <a:cs typeface="Times New Roman" panose="02020603050405020304" pitchFamily="18" charset="0"/>
+            </a:endParaRPr>
+          </a:p>
+          <a:p>
+            <a:pPr>
+              <a:lnSpc>
+                <a:spcPts val="1500"/>
+              </a:lnSpc>
+              <a:spcAft>
+                <a:spcPts val="800"/>
+              </a:spcAft>
+            </a:pPr>
+            <a:r>
+              <a:rPr lang="en-US" b="1" dirty="0">
+                <a:solidFill>
+                  <a:srgbClr val="BBBBBB"/>
+                </a:solidFill>
+                <a:ea typeface="Times New Roman" panose="02020603050405020304" pitchFamily="18" charset="0"/>
+                <a:cs typeface="Times New Roman" panose="02020603050405020304" pitchFamily="18" charset="0"/>
+              </a:rPr>
+              <a:t>    </a:t>
+            </a:r>
+            <a:r>
+              <a:rPr lang="en-US" b="1" dirty="0">
+                <a:solidFill>
+                  <a:srgbClr val="ABB2BF"/>
+                </a:solidFill>
+                <a:ea typeface="Times New Roman" panose="02020603050405020304" pitchFamily="18" charset="0"/>
+                <a:cs typeface="Times New Roman" panose="02020603050405020304" pitchFamily="18" charset="0"/>
+              </a:rPr>
+              <a:t>}</a:t>
+            </a:r>
+            <a:r>
+              <a:rPr lang="en-US" b="1" dirty="0">
+                <a:solidFill>
+                  <a:srgbClr val="BBBBBB"/>
+                </a:solidFill>
+                <a:ea typeface="Times New Roman" panose="02020603050405020304" pitchFamily="18" charset="0"/>
+                <a:cs typeface="Times New Roman" panose="02020603050405020304" pitchFamily="18" charset="0"/>
+              </a:rPr>
+              <a:t> </a:t>
+            </a:r>
+            <a:endParaRPr lang="en-US" sz="1600" b="1" dirty="0">
+              <a:ea typeface="Calibri" panose="020F0502020204030204" pitchFamily="34" charset="0"/>
+              <a:cs typeface="Times New Roman" panose="02020603050405020304" pitchFamily="18" charset="0"/>
+            </a:endParaRPr>
+          </a:p>
+          <a:p>
+            <a:pPr>
+              <a:lnSpc>
+                <a:spcPts val="1500"/>
+              </a:lnSpc>
+              <a:spcAft>
+                <a:spcPts val="800"/>
+              </a:spcAft>
+            </a:pPr>
+            <a:r>
+              <a:rPr lang="en-US" b="1" dirty="0" err="1">
+                <a:solidFill>
+                  <a:srgbClr val="61AFEF"/>
+                </a:solidFill>
+                <a:ea typeface="Times New Roman" panose="02020603050405020304" pitchFamily="18" charset="0"/>
+                <a:cs typeface="Times New Roman" panose="02020603050405020304" pitchFamily="18" charset="0"/>
+              </a:rPr>
+              <a:t>showName</a:t>
+            </a:r>
+            <a:r>
+              <a:rPr lang="en-US" b="1" dirty="0">
+                <a:solidFill>
+                  <a:srgbClr val="ABB2BF"/>
+                </a:solidFill>
+                <a:ea typeface="Times New Roman" panose="02020603050405020304" pitchFamily="18" charset="0"/>
+                <a:cs typeface="Times New Roman" panose="02020603050405020304" pitchFamily="18" charset="0"/>
+              </a:rPr>
+              <a:t>(</a:t>
+            </a:r>
+            <a:r>
+              <a:rPr lang="en-US" b="1" dirty="0">
+                <a:solidFill>
+                  <a:srgbClr val="98C379"/>
+                </a:solidFill>
+                <a:ea typeface="Times New Roman" panose="02020603050405020304" pitchFamily="18" charset="0"/>
+                <a:cs typeface="Times New Roman" panose="02020603050405020304" pitchFamily="18" charset="0"/>
+              </a:rPr>
+              <a:t>"Pete"</a:t>
+            </a:r>
+            <a:r>
+              <a:rPr lang="en-US" b="1" dirty="0">
+                <a:solidFill>
+                  <a:srgbClr val="ABB2BF"/>
+                </a:solidFill>
+                <a:ea typeface="Times New Roman" panose="02020603050405020304" pitchFamily="18" charset="0"/>
+                <a:cs typeface="Times New Roman" panose="02020603050405020304" pitchFamily="18" charset="0"/>
+              </a:rPr>
+              <a:t>);</a:t>
+            </a:r>
+            <a:endParaRPr lang="en-US" sz="1600" b="1" dirty="0">
+              <a:effectLst/>
+              <a:ea typeface="Calibri" panose="020F0502020204030204" pitchFamily="34" charset="0"/>
+              <a:cs typeface="Times New Roman" panose="02020603050405020304" pitchFamily="18" charset="0"/>
+            </a:endParaRPr>
+          </a:p>
+        </p:txBody>
+      </p:sp>
+      <p:sp>
+        <p:nvSpPr>
+          <p:cNvPr id="6" name="Rectangle 5">
+            <a:extLst>
+              <a:ext uri="{FF2B5EF4-FFF2-40B4-BE49-F238E27FC236}">
+                <a16:creationId xmlns:a16="http://schemas.microsoft.com/office/drawing/2014/main" xmlns="" id="{65400F34-8B43-904C-A659-C80B8E5ACDA2}"/>
+              </a:ext>
+            </a:extLst>
+          </p:cNvPr>
+          <p:cNvSpPr/>
+          <p:nvPr/>
+        </p:nvSpPr>
+        <p:spPr>
+          <a:xfrm>
+            <a:off x="251520" y="3484047"/>
+            <a:ext cx="5677708" cy="1167243"/>
+          </a:xfrm>
+          <a:prstGeom prst="rect">
+            <a:avLst/>
+          </a:prstGeom>
+        </p:spPr>
+        <p:txBody>
+          <a:bodyPr wrap="square">
+            <a:spAutoFit/>
+          </a:bodyPr>
+          <a:lstStyle/>
+          <a:p>
+            <a:pPr>
+              <a:lnSpc>
+                <a:spcPct val="107000"/>
+              </a:lnSpc>
+              <a:spcAft>
+                <a:spcPts val="800"/>
+              </a:spcAft>
+            </a:pPr>
+            <a:r>
+              <a:rPr lang="en-US" b="1" dirty="0">
+                <a:ea typeface="Calibri" panose="020F0502020204030204" pitchFamily="34" charset="0"/>
+                <a:cs typeface="Times New Roman" panose="02020603050405020304" pitchFamily="18" charset="0"/>
+              </a:rPr>
+              <a:t>a.  Hello Pete</a:t>
+            </a:r>
+          </a:p>
+          <a:p>
+            <a:pPr>
+              <a:lnSpc>
+                <a:spcPct val="107000"/>
+              </a:lnSpc>
+              <a:spcAft>
+                <a:spcPts val="800"/>
+              </a:spcAft>
+            </a:pPr>
+            <a:r>
+              <a:rPr lang="en-US" b="1" dirty="0">
+                <a:ea typeface="Calibri" panose="020F0502020204030204" pitchFamily="34" charset="0"/>
+                <a:cs typeface="Times New Roman" panose="02020603050405020304" pitchFamily="18" charset="0"/>
+              </a:rPr>
+              <a:t>b.  </a:t>
+            </a:r>
+            <a:r>
+              <a:rPr lang="en-US" b="1" dirty="0" err="1">
+                <a:ea typeface="Calibri" panose="020F0502020204030204" pitchFamily="34" charset="0"/>
+                <a:cs typeface="Times New Roman" panose="02020603050405020304" pitchFamily="18" charset="0"/>
+              </a:rPr>
+              <a:t>текст</a:t>
+            </a:r>
+            <a:r>
+              <a:rPr lang="en-US" b="1" dirty="0">
+                <a:ea typeface="Calibri" panose="020F0502020204030204" pitchFamily="34" charset="0"/>
+                <a:cs typeface="Times New Roman" panose="02020603050405020304" pitchFamily="18" charset="0"/>
+              </a:rPr>
+              <a:t> </a:t>
+            </a:r>
+            <a:r>
+              <a:rPr lang="en-US" b="1" dirty="0" err="1">
+                <a:ea typeface="Calibri" panose="020F0502020204030204" pitchFamily="34" charset="0"/>
+                <a:cs typeface="Times New Roman" panose="02020603050405020304" pitchFamily="18" charset="0"/>
+              </a:rPr>
+              <a:t>функции</a:t>
+            </a:r>
+            <a:r>
+              <a:rPr lang="en-US" b="1" dirty="0">
+                <a:ea typeface="Calibri" panose="020F0502020204030204" pitchFamily="34" charset="0"/>
+                <a:cs typeface="Times New Roman" panose="02020603050405020304" pitchFamily="18" charset="0"/>
+              </a:rPr>
+              <a:t> inner</a:t>
+            </a:r>
+          </a:p>
+          <a:p>
+            <a:r>
+              <a:rPr lang="en-US" b="1" dirty="0">
+                <a:ea typeface="Calibri" panose="020F0502020204030204" pitchFamily="34" charset="0"/>
+              </a:rPr>
+              <a:t>c.  </a:t>
+            </a:r>
+            <a:r>
+              <a:rPr lang="en-US" b="1" dirty="0" err="1">
+                <a:ea typeface="Calibri" panose="020F0502020204030204" pitchFamily="34" charset="0"/>
+              </a:rPr>
+              <a:t>ничего</a:t>
+            </a:r>
+            <a:r>
+              <a:rPr lang="en-US" b="1" dirty="0">
+                <a:ea typeface="Calibri" panose="020F0502020204030204" pitchFamily="34" charset="0"/>
+              </a:rPr>
+              <a:t> </a:t>
+            </a:r>
+            <a:r>
+              <a:rPr lang="en-US" b="1" dirty="0" err="1">
+                <a:ea typeface="Calibri" panose="020F0502020204030204" pitchFamily="34" charset="0"/>
+              </a:rPr>
+              <a:t>не</a:t>
+            </a:r>
+            <a:r>
+              <a:rPr lang="en-US" b="1" dirty="0">
+                <a:ea typeface="Calibri" panose="020F0502020204030204" pitchFamily="34" charset="0"/>
+              </a:rPr>
+              <a:t> </a:t>
+            </a:r>
+            <a:r>
+              <a:rPr lang="en-US" b="1" dirty="0" err="1">
+                <a:ea typeface="Calibri" panose="020F0502020204030204" pitchFamily="34" charset="0"/>
+              </a:rPr>
+              <a:t>выведется</a:t>
+            </a:r>
+            <a:r>
+              <a:rPr lang="en-US" b="1" dirty="0">
+                <a:ea typeface="Calibri" panose="020F0502020204030204" pitchFamily="34" charset="0"/>
+              </a:rPr>
+              <a:t> </a:t>
+            </a:r>
+            <a:endParaRPr lang="en-US" b="1" dirty="0"/>
+          </a:p>
+        </p:txBody>
+      </p:sp>
+    </p:spTree>
+    <p:extLst>
+      <p:ext uri="{BB962C8B-B14F-4D97-AF65-F5344CB8AC3E}">
+        <p14:creationId xmlns:p14="http://schemas.microsoft.com/office/powerpoint/2010/main" val="3592459470"/>
+      </p:ext>
+    </p:extLst>
+  </p:cSld>
+  <p:clrMapOvr>
+    <a:masterClrMapping/>
+  </p:clrMapOvr>
+</p:sld>
+</file>
+
+<file path=ppt/slides/slide20.xml><?xml version="1.0" encoding="utf-8"?>
 <p:sld xmlns:a="http://schemas.openxmlformats.org/drawingml/2006/main" xmlns:r="http://schemas.openxmlformats.org/officeDocument/2006/relationships" xmlns:p="http://schemas.openxmlformats.org/presentationml/2006/main" showMasterSp="0">
   <p:cSld>
     <p:spTree>
@@ -15210,7 +14619,7 @@
 </p:sld>
 </file>
 
-<file path=ppt/slides/slide22.xml><?xml version="1.0" encoding="utf-8"?>
+<file path=ppt/slides/slide21.xml><?xml version="1.0" encoding="utf-8"?>
 <p:sld xmlns:a="http://schemas.openxmlformats.org/drawingml/2006/main" xmlns:r="http://schemas.openxmlformats.org/officeDocument/2006/relationships" xmlns:p="http://schemas.openxmlformats.org/presentationml/2006/main" showMasterSp="0">
   <p:cSld>
     <p:spTree>
@@ -15698,7 +15107,7 @@
 </p:sld>
 </file>
 
-<file path=ppt/slides/slide23.xml><?xml version="1.0" encoding="utf-8"?>
+<file path=ppt/slides/slide22.xml><?xml version="1.0" encoding="utf-8"?>
 <p:sld xmlns:a="http://schemas.openxmlformats.org/drawingml/2006/main" xmlns:r="http://schemas.openxmlformats.org/officeDocument/2006/relationships" xmlns:p="http://schemas.openxmlformats.org/presentationml/2006/main" showMasterSp="0">
   <p:cSld>
     <p:spTree>
@@ -15932,7 +15341,7 @@
 </p:sld>
 </file>
 
-<file path=ppt/slides/slide24.xml><?xml version="1.0" encoding="utf-8"?>
+<file path=ppt/slides/slide23.xml><?xml version="1.0" encoding="utf-8"?>
 <p:sld xmlns:a="http://schemas.openxmlformats.org/drawingml/2006/main" xmlns:r="http://schemas.openxmlformats.org/officeDocument/2006/relationships" xmlns:p="http://schemas.openxmlformats.org/presentationml/2006/main" showMasterSp="0">
   <p:cSld>
     <p:spTree>
@@ -16327,7 +15736,7 @@
 </p:sld>
 </file>
 
-<file path=ppt/slides/slide25.xml><?xml version="1.0" encoding="utf-8"?>
+<file path=ppt/slides/slide24.xml><?xml version="1.0" encoding="utf-8"?>
 <p:sld xmlns:a="http://schemas.openxmlformats.org/drawingml/2006/main" xmlns:r="http://schemas.openxmlformats.org/officeDocument/2006/relationships" xmlns:p="http://schemas.openxmlformats.org/presentationml/2006/main" showMasterSp="0">
   <p:cSld>
     <p:spTree>
@@ -16945,7 +16354,7 @@
           <p:cNvPr id="2" name="TextBox 1">
             <a:extLst>
               <a:ext uri="{FF2B5EF4-FFF2-40B4-BE49-F238E27FC236}">
-                <a16:creationId xmlns:a16="http://schemas.microsoft.com/office/drawing/2014/main" id="{7FBF0823-D721-A24D-9B77-574DEB443EFC}"/>
+                <a16:creationId xmlns:a16="http://schemas.microsoft.com/office/drawing/2014/main" xmlns="" id="{7FBF0823-D721-A24D-9B77-574DEB443EFC}"/>
               </a:ext>
             </a:extLst>
           </p:cNvPr>
@@ -16981,7 +16390,7 @@
           <p:cNvPr id="4" name="Rectangle 3">
             <a:extLst>
               <a:ext uri="{FF2B5EF4-FFF2-40B4-BE49-F238E27FC236}">
-                <a16:creationId xmlns:a16="http://schemas.microsoft.com/office/drawing/2014/main" id="{61EFFB67-97F6-AF40-8AAD-B9412BB783D6}"/>
+                <a16:creationId xmlns:a16="http://schemas.microsoft.com/office/drawing/2014/main" xmlns="" id="{61EFFB67-97F6-AF40-8AAD-B9412BB783D6}"/>
               </a:ext>
             </a:extLst>
           </p:cNvPr>
@@ -17250,7 +16659,7 @@
 </p:sld>
 </file>
 
-<file path=ppt/slides/slide26.xml><?xml version="1.0" encoding="utf-8"?>
+<file path=ppt/slides/slide25.xml><?xml version="1.0" encoding="utf-8"?>
 <p:sld xmlns:a="http://schemas.openxmlformats.org/drawingml/2006/main" xmlns:r="http://schemas.openxmlformats.org/officeDocument/2006/relationships" xmlns:p="http://schemas.openxmlformats.org/presentationml/2006/main" showMasterSp="0">
   <p:cSld>
     <p:spTree>
@@ -17566,7 +16975,7 @@
 </p:sld>
 </file>
 
-<file path=ppt/slides/slide27.xml><?xml version="1.0" encoding="utf-8"?>
+<file path=ppt/slides/slide26.xml><?xml version="1.0" encoding="utf-8"?>
 <p:sld xmlns:a="http://schemas.openxmlformats.org/drawingml/2006/main" xmlns:r="http://schemas.openxmlformats.org/officeDocument/2006/relationships" xmlns:p="http://schemas.openxmlformats.org/presentationml/2006/main">
   <p:cSld>
     <p:spTree>
@@ -17588,7 +16997,7 @@
           <p:cNvPr id="2" name="TextBox 1">
             <a:extLst>
               <a:ext uri="{FF2B5EF4-FFF2-40B4-BE49-F238E27FC236}">
-                <a16:creationId xmlns:a16="http://schemas.microsoft.com/office/drawing/2014/main" id="{7B7DF216-5F61-624D-81A0-00BF0F62C8F3}"/>
+                <a16:creationId xmlns:a16="http://schemas.microsoft.com/office/drawing/2014/main" xmlns="" id="{7B7DF216-5F61-624D-81A0-00BF0F62C8F3}"/>
               </a:ext>
             </a:extLst>
           </p:cNvPr>
@@ -17648,6 +17057,543 @@
     <p:extLst>
       <p:ext uri="{BB962C8B-B14F-4D97-AF65-F5344CB8AC3E}">
         <p14:creationId xmlns:p14="http://schemas.microsoft.com/office/powerpoint/2010/main" val="2378300575"/>
+      </p:ext>
+    </p:extLst>
+  </p:cSld>
+  <p:clrMapOvr>
+    <a:masterClrMapping/>
+  </p:clrMapOvr>
+</p:sld>
+</file>
+
+<file path=ppt/slides/slide27.xml><?xml version="1.0" encoding="utf-8"?>
+<p:sld xmlns:a="http://schemas.openxmlformats.org/drawingml/2006/main" xmlns:r="http://schemas.openxmlformats.org/officeDocument/2006/relationships" xmlns:p="http://schemas.openxmlformats.org/presentationml/2006/main">
+  <p:cSld>
+    <p:spTree>
+      <p:nvGrpSpPr>
+        <p:cNvPr id="1" name=""/>
+        <p:cNvGrpSpPr/>
+        <p:nvPr/>
+      </p:nvGrpSpPr>
+      <p:grpSpPr>
+        <a:xfrm>
+          <a:off x="0" y="0"/>
+          <a:ext cx="0" cy="0"/>
+          <a:chOff x="0" y="0"/>
+          <a:chExt cx="0" cy="0"/>
+        </a:xfrm>
+      </p:grpSpPr>
+      <p:sp>
+        <p:nvSpPr>
+          <p:cNvPr id="5" name="TextBox 4">
+            <a:extLst>
+              <a:ext uri="{FF2B5EF4-FFF2-40B4-BE49-F238E27FC236}">
+                <a16:creationId xmlns:a16="http://schemas.microsoft.com/office/drawing/2014/main" xmlns="" id="{3E38714C-C476-364A-AAB3-46620A0BD6A3}"/>
+              </a:ext>
+            </a:extLst>
+          </p:cNvPr>
+          <p:cNvSpPr txBox="1"/>
+          <p:nvPr/>
+        </p:nvSpPr>
+        <p:spPr>
+          <a:xfrm>
+            <a:off x="-252536" y="399109"/>
+            <a:ext cx="9629559" cy="5632311"/>
+          </a:xfrm>
+          <a:prstGeom prst="rect">
+            <a:avLst/>
+          </a:prstGeom>
+          <a:noFill/>
+        </p:spPr>
+        <p:txBody>
+          <a:bodyPr wrap="none" rtlCol="0">
+            <a:spAutoFit/>
+          </a:bodyPr>
+          <a:lstStyle/>
+          <a:p>
+            <a:r>
+              <a:rPr lang="ru-RU" b="1" dirty="0"/>
+              <a:t>Написать регулярное выражение, которое найдет:</a:t>
+            </a:r>
+          </a:p>
+          <a:p>
+            <a:endParaRPr lang="ru-RU" b="1" dirty="0"/>
+          </a:p>
+          <a:p>
+            <a:r>
+              <a:rPr lang="ru-RU" b="1" dirty="0"/>
+              <a:t> </a:t>
+            </a:r>
+          </a:p>
+          <a:p>
+            <a:pPr marL="342900" indent="-342900">
+              <a:buAutoNum type="arabicPeriod"/>
+            </a:pPr>
+            <a:r>
+              <a:rPr lang="ru-RU" b="1" dirty="0"/>
+              <a:t>первое совпадения со словом «</a:t>
+            </a:r>
+            <a:r>
+              <a:rPr lang="en-US" b="1" dirty="0"/>
+              <a:t>cat</a:t>
+            </a:r>
+            <a:r>
+              <a:rPr lang="ru-RU" b="1" dirty="0"/>
+              <a:t>»</a:t>
+            </a:r>
+            <a:r>
+              <a:rPr lang="en-US" b="1" dirty="0"/>
+              <a:t> </a:t>
+            </a:r>
+            <a:r>
+              <a:rPr lang="ru-RU" b="1" dirty="0"/>
+              <a:t>в </a:t>
+            </a:r>
+            <a:r>
+              <a:rPr lang="ru-RU" b="1" dirty="0" smtClean="0"/>
+              <a:t>строке </a:t>
+            </a:r>
+            <a:r>
+              <a:rPr lang="en-US" b="1" dirty="0" smtClean="0"/>
+              <a:t>/cat/</a:t>
+            </a:r>
+            <a:endParaRPr lang="ru-RU" b="1" dirty="0"/>
+          </a:p>
+          <a:p>
+            <a:pPr marL="342900" indent="-342900">
+              <a:buFontTx/>
+              <a:buAutoNum type="arabicPeriod"/>
+            </a:pPr>
+            <a:r>
+              <a:rPr lang="ru-RU" b="1" dirty="0"/>
+              <a:t>все совпадения со словом «</a:t>
+            </a:r>
+            <a:r>
+              <a:rPr lang="en-US" b="1" dirty="0"/>
+              <a:t>cat</a:t>
+            </a:r>
+            <a:r>
+              <a:rPr lang="ru-RU" b="1" dirty="0"/>
+              <a:t>»</a:t>
+            </a:r>
+            <a:r>
+              <a:rPr lang="en-US" b="1" dirty="0"/>
+              <a:t> </a:t>
+            </a:r>
+            <a:r>
+              <a:rPr lang="ru-RU" b="1" dirty="0"/>
+              <a:t>в </a:t>
+            </a:r>
+            <a:r>
+              <a:rPr lang="ru-RU" b="1" dirty="0" smtClean="0"/>
+              <a:t>строке</a:t>
+            </a:r>
+            <a:r>
+              <a:rPr lang="en-US" b="1" dirty="0" smtClean="0"/>
+              <a:t>   </a:t>
+            </a:r>
+            <a:r>
+              <a:rPr lang="en-US" b="1" dirty="0" smtClean="0"/>
+              <a:t>/cat/g</a:t>
+            </a:r>
+            <a:endParaRPr lang="ru-RU" b="1" dirty="0"/>
+          </a:p>
+          <a:p>
+            <a:pPr marL="342900" indent="-342900">
+              <a:buFontTx/>
+              <a:buAutoNum type="arabicPeriod"/>
+            </a:pPr>
+            <a:endParaRPr lang="en-US" b="1" dirty="0"/>
+          </a:p>
+          <a:p>
+            <a:pPr marL="342900" indent="-342900">
+              <a:buFontTx/>
+              <a:buAutoNum type="arabicPeriod"/>
+            </a:pPr>
+            <a:r>
+              <a:rPr lang="ru-RU" b="1" dirty="0"/>
+              <a:t>все совпадения со словом «</a:t>
+            </a:r>
+            <a:r>
+              <a:rPr lang="en-US" b="1" dirty="0"/>
+              <a:t>cat</a:t>
+            </a:r>
+            <a:r>
+              <a:rPr lang="ru-RU" b="1" dirty="0"/>
+              <a:t>» независимо от </a:t>
+            </a:r>
+            <a:r>
+              <a:rPr lang="ru-RU" b="1" dirty="0" smtClean="0"/>
+              <a:t>регистра</a:t>
+            </a:r>
+            <a:r>
+              <a:rPr lang="en-US" b="1" dirty="0" smtClean="0"/>
+              <a:t> /(</a:t>
+            </a:r>
+            <a:r>
+              <a:rPr lang="en-US" b="1" dirty="0" err="1" smtClean="0"/>
+              <a:t>cat|CAT</a:t>
+            </a:r>
+            <a:r>
+              <a:rPr lang="en-US" b="1" dirty="0" smtClean="0"/>
+              <a:t>)/d</a:t>
+            </a:r>
+            <a:endParaRPr lang="en-US" b="1" dirty="0"/>
+          </a:p>
+          <a:p>
+            <a:pPr marL="342900" indent="-342900">
+              <a:buFontTx/>
+              <a:buAutoNum type="arabicPeriod"/>
+            </a:pPr>
+            <a:r>
+              <a:rPr lang="ru-RU" b="1" dirty="0"/>
+              <a:t>все совпадения с</a:t>
+            </a:r>
+            <a:r>
+              <a:rPr lang="en-US" b="1" dirty="0"/>
+              <a:t> </a:t>
+            </a:r>
+            <a:r>
+              <a:rPr lang="ru-RU" b="1" dirty="0"/>
+              <a:t>шаблоном «*</a:t>
+            </a:r>
+            <a:r>
+              <a:rPr lang="en-US" b="1" dirty="0"/>
+              <a:t>at</a:t>
+            </a:r>
+            <a:r>
+              <a:rPr lang="ru-RU" b="1" dirty="0"/>
+              <a:t>», где * - любая </a:t>
+            </a:r>
+            <a:r>
+              <a:rPr lang="ru-RU" b="1" dirty="0" smtClean="0"/>
+              <a:t>буква</a:t>
+            </a:r>
+            <a:r>
+              <a:rPr lang="en-US" b="1" dirty="0" smtClean="0"/>
+              <a:t>  /.at/g</a:t>
+            </a:r>
+            <a:endParaRPr lang="en-US" b="1" dirty="0"/>
+          </a:p>
+          <a:p>
+            <a:pPr marL="342900" indent="-342900">
+              <a:buAutoNum type="arabicPeriod"/>
+            </a:pPr>
+            <a:r>
+              <a:rPr lang="ru-RU" b="1" dirty="0" smtClean="0"/>
+              <a:t>Точку</a:t>
+            </a:r>
+            <a:r>
+              <a:rPr lang="en-US" b="1" dirty="0" smtClean="0"/>
+              <a:t> /\./</a:t>
+            </a:r>
+            <a:endParaRPr lang="ru-RU" b="1" dirty="0"/>
+          </a:p>
+          <a:p>
+            <a:pPr marL="342900" indent="-342900">
+              <a:buAutoNum type="arabicPeriod"/>
+            </a:pPr>
+            <a:r>
+              <a:rPr lang="ru-RU" b="1" dirty="0"/>
+              <a:t>пары из трех букв «а» </a:t>
+            </a:r>
+            <a:r>
+              <a:rPr lang="ru-RU" b="1" dirty="0" smtClean="0"/>
+              <a:t>подряд</a:t>
+            </a:r>
+            <a:r>
+              <a:rPr lang="en-US" b="1" dirty="0" smtClean="0"/>
+              <a:t> /</a:t>
+            </a:r>
+            <a:r>
+              <a:rPr lang="en-US" b="1" dirty="0" err="1" smtClean="0"/>
+              <a:t>aaa</a:t>
+            </a:r>
+            <a:r>
+              <a:rPr lang="en-US" b="1" dirty="0" smtClean="0"/>
+              <a:t>/</a:t>
+            </a:r>
+            <a:endParaRPr lang="ru-RU" b="1" dirty="0"/>
+          </a:p>
+          <a:p>
+            <a:pPr marL="342900" indent="-342900">
+              <a:buAutoNum type="arabicPeriod"/>
+            </a:pPr>
+            <a:r>
+              <a:rPr lang="ru-RU" b="1" dirty="0"/>
+              <a:t>все </a:t>
+            </a:r>
+            <a:r>
+              <a:rPr lang="ru-RU" b="1" dirty="0" smtClean="0"/>
+              <a:t>цифры</a:t>
+            </a:r>
+            <a:r>
+              <a:rPr lang="en-US" b="1" dirty="0" smtClean="0"/>
+              <a:t> /d/g   /[0-9]/g   </a:t>
+            </a:r>
+          </a:p>
+          <a:p>
+            <a:pPr marL="342900" indent="-342900">
+              <a:buFontTx/>
+              <a:buAutoNum type="arabicPeriod"/>
+            </a:pPr>
+            <a:r>
+              <a:rPr lang="ru-RU" b="1" dirty="0" smtClean="0"/>
+              <a:t>все </a:t>
+            </a:r>
+            <a:r>
+              <a:rPr lang="ru-RU" b="1" dirty="0"/>
+              <a:t>буквы и цифры кроме </a:t>
+            </a:r>
+            <a:r>
+              <a:rPr lang="ru-RU" b="1" dirty="0" smtClean="0"/>
+              <a:t>знаков</a:t>
+            </a:r>
+            <a:r>
+              <a:rPr lang="en-US" b="1" dirty="0" smtClean="0"/>
+              <a:t> </a:t>
+            </a:r>
+            <a:r>
+              <a:rPr lang="ru-RU" b="1" dirty="0" smtClean="0"/>
+              <a:t>все пробелы</a:t>
+            </a:r>
+            <a:r>
+              <a:rPr lang="en-US" b="1" dirty="0"/>
+              <a:t> /(</a:t>
+            </a:r>
+            <a:r>
+              <a:rPr lang="en-US" b="1" dirty="0" err="1"/>
+              <a:t>d|w</a:t>
+            </a:r>
+            <a:r>
+              <a:rPr lang="en-US" b="1" dirty="0"/>
+              <a:t>)/</a:t>
+            </a:r>
+            <a:r>
+              <a:rPr lang="en-US" b="1" dirty="0" smtClean="0"/>
+              <a:t>g</a:t>
+            </a:r>
+            <a:endParaRPr lang="ru-RU" b="1" dirty="0"/>
+          </a:p>
+          <a:p>
+            <a:pPr marL="342900" indent="-342900">
+              <a:buAutoNum type="arabicPeriod"/>
+            </a:pPr>
+            <a:r>
+              <a:rPr lang="ru-RU" b="1" dirty="0"/>
+              <a:t>все кроме </a:t>
+            </a:r>
+            <a:r>
+              <a:rPr lang="ru-RU" b="1" dirty="0" smtClean="0"/>
+              <a:t>цифр</a:t>
+            </a:r>
+            <a:r>
+              <a:rPr lang="en-US" b="1" dirty="0" smtClean="0"/>
+              <a:t> /</a:t>
+            </a:r>
+            <a:r>
+              <a:rPr lang="en-US" b="1" dirty="0" smtClean="0"/>
+              <a:t>D/g</a:t>
+            </a:r>
+            <a:endParaRPr lang="ru-RU" b="1" dirty="0"/>
+          </a:p>
+          <a:p>
+            <a:pPr marL="342900" indent="-342900">
+              <a:buAutoNum type="arabicPeriod"/>
+            </a:pPr>
+            <a:r>
+              <a:rPr lang="ru-RU" b="1" dirty="0"/>
+              <a:t>все слова </a:t>
+            </a:r>
+            <a:r>
+              <a:rPr lang="en-US" b="1" dirty="0" err="1"/>
+              <a:t>foobar</a:t>
+            </a:r>
+            <a:r>
+              <a:rPr lang="en-US" b="1" dirty="0"/>
+              <a:t> </a:t>
+            </a:r>
+            <a:r>
+              <a:rPr lang="ru-RU" b="1" dirty="0"/>
+              <a:t>и </a:t>
+            </a:r>
+            <a:r>
+              <a:rPr lang="en-US" b="1" dirty="0" err="1"/>
+              <a:t>fooboo</a:t>
+            </a:r>
+            <a:r>
+              <a:rPr lang="en-US" b="1" dirty="0"/>
+              <a:t> (</a:t>
+            </a:r>
+            <a:r>
+              <a:rPr lang="ru-RU" b="1" dirty="0"/>
+              <a:t>группы</a:t>
+            </a:r>
+            <a:r>
+              <a:rPr lang="ru-RU" b="1" dirty="0" smtClean="0"/>
+              <a:t>)</a:t>
+            </a:r>
+            <a:r>
+              <a:rPr lang="en-US" b="1" dirty="0" smtClean="0"/>
+              <a:t> /(foo(</a:t>
+            </a:r>
+            <a:r>
+              <a:rPr lang="en-US" b="1" dirty="0" err="1" smtClean="0"/>
+              <a:t>bar|boo</a:t>
+            </a:r>
+            <a:r>
+              <a:rPr lang="en-US" b="1" dirty="0" smtClean="0"/>
+              <a:t>)/g</a:t>
+            </a:r>
+            <a:endParaRPr lang="en-US" b="1" dirty="0"/>
+          </a:p>
+          <a:p>
+            <a:pPr marL="342900" indent="-342900">
+              <a:buAutoNum type="arabicPeriod"/>
+            </a:pPr>
+            <a:r>
+              <a:rPr lang="ru-RU" b="1" dirty="0"/>
+              <a:t>отдельно стоящее слово </a:t>
+            </a:r>
+            <a:r>
+              <a:rPr lang="en-US" b="1" dirty="0" smtClean="0"/>
+              <a:t>is  /\</a:t>
+            </a:r>
+            <a:r>
+              <a:rPr lang="en-US" b="1" dirty="0" err="1" smtClean="0"/>
+              <a:t>bis</a:t>
+            </a:r>
+            <a:r>
+              <a:rPr lang="en-US" b="1" dirty="0" smtClean="0"/>
+              <a:t>\</a:t>
+            </a:r>
+            <a:r>
+              <a:rPr lang="en-US" b="1" dirty="0" smtClean="0"/>
+              <a:t>b</a:t>
+            </a:r>
+            <a:endParaRPr lang="ru-RU" b="1" dirty="0"/>
+          </a:p>
+          <a:p>
+            <a:pPr marL="342900" indent="-342900">
+              <a:buAutoNum type="arabicPeriod"/>
+            </a:pPr>
+            <a:r>
+              <a:rPr lang="ru-RU" b="1" dirty="0"/>
+              <a:t>* все даты, которые начинаются с 01 и заканчиваются на 09,</a:t>
+            </a:r>
+          </a:p>
+          <a:p>
+            <a:r>
+              <a:rPr lang="ru-RU" b="1" dirty="0"/>
+              <a:t>находятся на любых строках и имею между собой любой разделитель</a:t>
+            </a:r>
+          </a:p>
+          <a:p>
+            <a:endParaRPr lang="uk-UA" dirty="0"/>
+          </a:p>
+          <a:p>
+            <a:r>
+              <a:rPr lang="en-US" dirty="0"/>
+              <a:t>/\s</a:t>
+            </a:r>
+            <a:r>
+              <a:rPr lang="en-US" dirty="0" smtClean="0"/>
+              <a:t>*</a:t>
+            </a:r>
+            <a:r>
+              <a:rPr lang="en-US" dirty="0" smtClean="0">
+                <a:solidFill>
+                  <a:schemeClr val="accent2"/>
+                </a:solidFill>
+              </a:rPr>
+              <a:t>(0[1-9])</a:t>
+            </a:r>
+            <a:r>
+              <a:rPr lang="en-US" dirty="0" smtClean="0"/>
+              <a:t>\</a:t>
+            </a:r>
+            <a:r>
+              <a:rPr lang="en-US" dirty="0"/>
+              <a:t>s*</a:t>
+            </a:r>
+            <a:r>
+              <a:rPr lang="en-US" dirty="0">
+                <a:solidFill>
+                  <a:schemeClr val="accent2"/>
+                </a:solidFill>
+              </a:rPr>
+              <a:t>(\d+)</a:t>
+            </a:r>
+            <a:r>
+              <a:rPr lang="en-US" dirty="0"/>
+              <a:t>\s*</a:t>
+            </a:r>
+            <a:r>
+              <a:rPr lang="en-US" dirty="0">
+                <a:solidFill>
+                  <a:schemeClr val="accent2"/>
+                </a:solidFill>
+              </a:rPr>
+              <a:t>(\d+)</a:t>
+            </a:r>
+            <a:r>
+              <a:rPr lang="en-US" dirty="0"/>
+              <a:t>\s*$/ </a:t>
+            </a:r>
+            <a:endParaRPr lang="en-US" dirty="0" smtClean="0"/>
+          </a:p>
+          <a:p>
+            <a:r>
+              <a:rPr lang="ru-RU" dirty="0"/>
+              <a:t>[0-9]{4}-(0[1-9]|1[012])-(0[1-9]|1[0-9]|2[0-9]|3[01])</a:t>
+            </a:r>
+            <a:endParaRPr lang="en-US" dirty="0"/>
+          </a:p>
+        </p:txBody>
+      </p:sp>
+      <p:sp>
+        <p:nvSpPr>
+          <p:cNvPr id="6" name="TextBox 5">
+            <a:extLst>
+              <a:ext uri="{FF2B5EF4-FFF2-40B4-BE49-F238E27FC236}">
+                <a16:creationId xmlns:a16="http://schemas.microsoft.com/office/drawing/2014/main" xmlns="" id="{14144D14-1DDA-274A-83C8-E8ED3083F17F}"/>
+              </a:ext>
+            </a:extLst>
+          </p:cNvPr>
+          <p:cNvSpPr txBox="1"/>
+          <p:nvPr/>
+        </p:nvSpPr>
+        <p:spPr>
+          <a:xfrm>
+            <a:off x="7668344" y="0"/>
+            <a:ext cx="1563248" cy="369332"/>
+          </a:xfrm>
+          <a:prstGeom prst="rect">
+            <a:avLst/>
+          </a:prstGeom>
+          <a:noFill/>
+        </p:spPr>
+        <p:txBody>
+          <a:bodyPr wrap="none" rtlCol="0">
+            <a:spAutoFit/>
+          </a:bodyPr>
+          <a:lstStyle/>
+          <a:p>
+            <a:r>
+              <a:rPr lang="en-US" b="1" dirty="0">
+                <a:highlight>
+                  <a:srgbClr val="C0C0C0"/>
+                </a:highlight>
+              </a:rPr>
+              <a:t>lab_1.html</a:t>
+            </a:r>
+          </a:p>
+        </p:txBody>
+      </p:sp>
+    </p:spTree>
+    <p:extLst>
+      <p:ext uri="{BB962C8B-B14F-4D97-AF65-F5344CB8AC3E}">
+        <p14:creationId xmlns:p14="http://schemas.microsoft.com/office/powerpoint/2010/main" val="2057738450"/>
       </p:ext>
     </p:extLst>
   </p:cSld>
@@ -17676,10 +17622,10 @@
       </p:grpSpPr>
       <p:sp>
         <p:nvSpPr>
-          <p:cNvPr id="5" name="TextBox 4">
+          <p:cNvPr id="3" name="TextBox 2">
             <a:extLst>
               <a:ext uri="{FF2B5EF4-FFF2-40B4-BE49-F238E27FC236}">
-                <a16:creationId xmlns:a16="http://schemas.microsoft.com/office/drawing/2014/main" id="{3E38714C-C476-364A-AAB3-46620A0BD6A3}"/>
+                <a16:creationId xmlns:a16="http://schemas.microsoft.com/office/drawing/2014/main" xmlns="" id="{5D8B9B28-F21B-544B-AF00-B338CA17FC97}"/>
               </a:ext>
             </a:extLst>
           </p:cNvPr>
@@ -17688,8 +17634,8 @@
         </p:nvSpPr>
         <p:spPr>
           <a:xfrm>
-            <a:off x="251520" y="705474"/>
-            <a:ext cx="8869736" cy="5078313"/>
+            <a:off x="250068" y="620688"/>
+            <a:ext cx="8893932" cy="1477328"/>
           </a:xfrm>
           <a:prstGeom prst="rect">
             <a:avLst/>
@@ -17697,254 +17643,110 @@
           <a:noFill/>
         </p:spPr>
         <p:txBody>
-          <a:bodyPr wrap="none" rtlCol="0">
+          <a:bodyPr wrap="square" rtlCol="0">
             <a:spAutoFit/>
           </a:bodyPr>
           <a:lstStyle/>
           <a:p>
             <a:r>
+              <a:rPr lang="en-US" b="1" dirty="0"/>
+              <a:t>1</a:t>
+            </a:r>
+            <a:r>
               <a:rPr lang="ru-RU" b="1" dirty="0"/>
-              <a:t>Написать регулярное выражение, которое найдет:</a:t>
-            </a:r>
-          </a:p>
-          <a:p>
-            <a:endParaRPr lang="ru-RU" b="1" dirty="0"/>
-          </a:p>
-          <a:p>
+              <a:t>4</a:t>
+            </a:r>
+            <a:r>
+              <a:rPr lang="en-US" b="1" dirty="0"/>
+              <a:t>. </a:t>
+            </a:r>
             <a:r>
               <a:rPr lang="ru-RU" b="1" dirty="0"/>
-              <a:t> </a:t>
-            </a:r>
-          </a:p>
-          <a:p>
-            <a:pPr marL="342900" indent="-342900">
-              <a:buAutoNum type="arabicPeriod"/>
-            </a:pPr>
+              <a:t>Регулярное выражение должно в строке </a:t>
+            </a:r>
+            <a:r>
+              <a:rPr lang="en-US" b="1" dirty="0"/>
+              <a:t>string </a:t>
+            </a:r>
             <a:r>
               <a:rPr lang="ru-RU" b="1" dirty="0"/>
-              <a:t>первое совпадения со словом «</a:t>
+              <a:t>найти 2 корректных</a:t>
             </a:r>
             <a:r>
               <a:rPr lang="en-US" b="1" dirty="0"/>
-              <a:t>cat</a:t>
+              <a:t> URL </a:t>
             </a:r>
             <a:r>
               <a:rPr lang="ru-RU" b="1" dirty="0"/>
-              <a:t>»</a:t>
+              <a:t>адреса</a:t>
+            </a:r>
+            <a:br>
+              <a:rPr lang="ru-RU" b="1" dirty="0"/>
+            </a:br>
+            <a:r>
+              <a:rPr lang="en-US" b="1" dirty="0" smtClean="0"/>
+              <a:t>/</a:t>
+            </a:r>
+            <a:r>
+              <a:rPr lang="en-US" b="1" dirty="0" smtClean="0"/>
+              <a:t>https</a:t>
             </a:r>
             <a:r>
               <a:rPr lang="en-US" b="1" dirty="0"/>
-              <a:t> </a:t>
+              <a:t>?\:\/\/(www\.)?</a:t>
+            </a:r>
+            <a:r>
+              <a:rPr lang="en-US" b="1" dirty="0" err="1"/>
+              <a:t>be+troo?t</a:t>
+            </a:r>
+            <a:r>
+              <a:rPr lang="en-US" b="1" dirty="0"/>
+              <a:t>\.</a:t>
+            </a:r>
+            <a:r>
+              <a:rPr lang="en-US" b="1" dirty="0" smtClean="0"/>
+              <a:t>se/g</a:t>
             </a:r>
             <a:r>
               <a:rPr lang="ru-RU" b="1" dirty="0"/>
-              <a:t>в строке</a:t>
-            </a:r>
-          </a:p>
-          <a:p>
-            <a:pPr marL="342900" indent="-342900">
-              <a:buFontTx/>
-              <a:buAutoNum type="arabicPeriod"/>
-            </a:pPr>
-            <a:r>
+              <a:t/>
+            </a:r>
+            <a:br>
               <a:rPr lang="ru-RU" b="1" dirty="0"/>
-              <a:t>все совпадения со словом «</a:t>
-            </a:r>
+            </a:br>
             <a:r>
               <a:rPr lang="en-US" b="1" dirty="0"/>
-              <a:t>cat</a:t>
-            </a:r>
-            <a:r>
-              <a:rPr lang="ru-RU" b="1" dirty="0"/>
-              <a:t>»</a:t>
+              <a:t>http://</a:t>
+            </a:r>
+            <a:r>
+              <a:rPr lang="en-US" b="1" dirty="0" err="1"/>
+              <a:t>beeetrot.se</a:t>
             </a:r>
             <a:r>
               <a:rPr lang="en-US" b="1" dirty="0"/>
-              <a:t> </a:t>
-            </a:r>
-            <a:r>
-              <a:rPr lang="ru-RU" b="1" dirty="0"/>
-              <a:t>в строке</a:t>
-            </a:r>
-            <a:endParaRPr lang="en-US" b="1" dirty="0"/>
-          </a:p>
-          <a:p>
-            <a:pPr marL="342900" indent="-342900">
-              <a:buFontTx/>
-              <a:buAutoNum type="arabicPeriod"/>
-            </a:pPr>
-            <a:r>
-              <a:rPr lang="ru-RU" b="1" dirty="0"/>
-              <a:t>все совпадения со словом «</a:t>
-            </a:r>
-            <a:r>
+              <a:t/>
+            </a:r>
+            <a:br>
               <a:rPr lang="en-US" b="1" dirty="0"/>
-              <a:t>cat</a:t>
-            </a:r>
-            <a:r>
-              <a:rPr lang="ru-RU" b="1" dirty="0"/>
-              <a:t>» независимо от регистра</a:t>
-            </a:r>
-            <a:endParaRPr lang="en-US" b="1" dirty="0"/>
-          </a:p>
-          <a:p>
-            <a:pPr marL="342900" indent="-342900">
-              <a:buFontTx/>
-              <a:buAutoNum type="arabicPeriod"/>
-            </a:pPr>
-            <a:r>
-              <a:rPr lang="ru-RU" b="1" dirty="0"/>
-              <a:t>все совпадения с</a:t>
-            </a:r>
+            </a:br>
             <a:r>
               <a:rPr lang="en-US" b="1" dirty="0"/>
-              <a:t> </a:t>
-            </a:r>
-            <a:r>
-              <a:rPr lang="ru-RU" b="1" dirty="0"/>
-              <a:t>шаблоном «*</a:t>
-            </a:r>
-            <a:r>
-              <a:rPr lang="en-US" b="1" dirty="0"/>
-              <a:t>at</a:t>
-            </a:r>
-            <a:r>
-              <a:rPr lang="ru-RU" b="1" dirty="0"/>
-              <a:t>», где * - любая буква</a:t>
-            </a:r>
-            <a:endParaRPr lang="en-US" b="1" dirty="0"/>
-          </a:p>
-          <a:p>
-            <a:pPr marL="342900" indent="-342900">
-              <a:buAutoNum type="arabicPeriod"/>
-            </a:pPr>
-            <a:r>
-              <a:rPr lang="ru-RU" b="1" dirty="0"/>
-              <a:t>точку</a:t>
-            </a:r>
-          </a:p>
-          <a:p>
-            <a:pPr marL="342900" indent="-342900">
-              <a:buAutoNum type="arabicPeriod"/>
-            </a:pPr>
-            <a:r>
-              <a:rPr lang="ru-RU" b="1" dirty="0"/>
-              <a:t>пары из трех букв «а» подряд</a:t>
-            </a:r>
-          </a:p>
-          <a:p>
-            <a:pPr marL="342900" indent="-342900">
-              <a:buAutoNum type="arabicPeriod"/>
-            </a:pPr>
-            <a:r>
-              <a:rPr lang="ru-RU" b="1" dirty="0"/>
-              <a:t>все цифры</a:t>
-            </a:r>
-          </a:p>
-          <a:p>
-            <a:pPr marL="342900" indent="-342900">
-              <a:buAutoNum type="arabicPeriod"/>
-            </a:pPr>
-            <a:r>
-              <a:rPr lang="ru-RU" b="1" dirty="0"/>
-              <a:t>все буквы и цифры кроме знаков</a:t>
-            </a:r>
-          </a:p>
-          <a:p>
-            <a:pPr marL="342900" indent="-342900">
-              <a:buAutoNum type="arabicPeriod"/>
-            </a:pPr>
-            <a:r>
-              <a:rPr lang="ru-RU" b="1" dirty="0"/>
-              <a:t>все пробелы</a:t>
-            </a:r>
-          </a:p>
-          <a:p>
-            <a:pPr marL="342900" indent="-342900">
-              <a:buAutoNum type="arabicPeriod"/>
-            </a:pPr>
-            <a:r>
-              <a:rPr lang="ru-RU" b="1" dirty="0"/>
-              <a:t>все кроме цифр</a:t>
-            </a:r>
-          </a:p>
-          <a:p>
-            <a:pPr marL="342900" indent="-342900">
-              <a:buAutoNum type="arabicPeriod"/>
-            </a:pPr>
-            <a:r>
-              <a:rPr lang="ru-RU" b="1" dirty="0"/>
-              <a:t>все слова </a:t>
+              <a:t>https://</a:t>
             </a:r>
             <a:r>
               <a:rPr lang="en-US" b="1" dirty="0" err="1"/>
-              <a:t>foobar</a:t>
-            </a:r>
-            <a:r>
-              <a:rPr lang="en-US" b="1" dirty="0"/>
-              <a:t> </a:t>
-            </a:r>
-            <a:r>
-              <a:rPr lang="ru-RU" b="1" dirty="0"/>
-              <a:t>и </a:t>
-            </a:r>
-            <a:r>
-              <a:rPr lang="en-US" b="1" dirty="0" err="1"/>
-              <a:t>fooboo</a:t>
-            </a:r>
-            <a:r>
-              <a:rPr lang="en-US" b="1" dirty="0"/>
-              <a:t> (</a:t>
-            </a:r>
-            <a:r>
-              <a:rPr lang="ru-RU" b="1" dirty="0"/>
-              <a:t>группы)</a:t>
-            </a:r>
-            <a:endParaRPr lang="en-US" b="1" dirty="0"/>
-          </a:p>
-          <a:p>
-            <a:pPr marL="342900" indent="-342900">
-              <a:buAutoNum type="arabicPeriod"/>
-            </a:pPr>
-            <a:r>
-              <a:rPr lang="ru-RU" b="1" dirty="0"/>
-              <a:t>отдельно стоящее слово </a:t>
-            </a:r>
-            <a:r>
-              <a:rPr lang="en-US" b="1" dirty="0"/>
-              <a:t>is</a:t>
-            </a:r>
-            <a:endParaRPr lang="ru-RU" b="1" dirty="0"/>
-          </a:p>
-          <a:p>
-            <a:pPr marL="342900" indent="-342900">
-              <a:buAutoNum type="arabicPeriod"/>
-            </a:pPr>
-            <a:r>
-              <a:rPr lang="ru-RU" b="1" dirty="0"/>
-              <a:t>* все даты, которые начинаются с 01 и заканчиваются на 09,</a:t>
-            </a:r>
-          </a:p>
-          <a:p>
-            <a:r>
-              <a:rPr lang="ru-RU" b="1" dirty="0"/>
-              <a:t>находятся на любых строках и имею между собой любой разделитель</a:t>
-            </a:r>
-          </a:p>
-          <a:p>
-            <a:pPr marL="342900" indent="-342900">
-              <a:buAutoNum type="arabicPeriod"/>
-            </a:pPr>
+              <a:t>www.beetroot.se</a:t>
+            </a:r>
             <a:endParaRPr lang="en-US" b="1" dirty="0"/>
           </a:p>
         </p:txBody>
       </p:sp>
       <p:sp>
         <p:nvSpPr>
-          <p:cNvPr id="6" name="TextBox 5">
+          <p:cNvPr id="4" name="TextBox 3">
             <a:extLst>
               <a:ext uri="{FF2B5EF4-FFF2-40B4-BE49-F238E27FC236}">
-                <a16:creationId xmlns:a16="http://schemas.microsoft.com/office/drawing/2014/main" id="{14144D14-1DDA-274A-83C8-E8ED3083F17F}"/>
+                <a16:creationId xmlns:a16="http://schemas.microsoft.com/office/drawing/2014/main" xmlns="" id="{1D1FB894-23FD-4846-861E-39D1565C975E}"/>
               </a:ext>
             </a:extLst>
           </p:cNvPr>
@@ -17973,164 +17775,6 @@
                   <a:srgbClr val="C0C0C0"/>
                 </a:highlight>
               </a:rPr>
-              <a:t>lab_1.html</a:t>
-            </a:r>
-          </a:p>
-        </p:txBody>
-      </p:sp>
-    </p:spTree>
-    <p:extLst>
-      <p:ext uri="{BB962C8B-B14F-4D97-AF65-F5344CB8AC3E}">
-        <p14:creationId xmlns:p14="http://schemas.microsoft.com/office/powerpoint/2010/main" val="2057738450"/>
-      </p:ext>
-    </p:extLst>
-  </p:cSld>
-  <p:clrMapOvr>
-    <a:masterClrMapping/>
-  </p:clrMapOvr>
-</p:sld>
-</file>
-
-<file path=ppt/slides/slide29.xml><?xml version="1.0" encoding="utf-8"?>
-<p:sld xmlns:a="http://schemas.openxmlformats.org/drawingml/2006/main" xmlns:r="http://schemas.openxmlformats.org/officeDocument/2006/relationships" xmlns:p="http://schemas.openxmlformats.org/presentationml/2006/main">
-  <p:cSld>
-    <p:spTree>
-      <p:nvGrpSpPr>
-        <p:cNvPr id="1" name=""/>
-        <p:cNvGrpSpPr/>
-        <p:nvPr/>
-      </p:nvGrpSpPr>
-      <p:grpSpPr>
-        <a:xfrm>
-          <a:off x="0" y="0"/>
-          <a:ext cx="0" cy="0"/>
-          <a:chOff x="0" y="0"/>
-          <a:chExt cx="0" cy="0"/>
-        </a:xfrm>
-      </p:grpSpPr>
-      <p:sp>
-        <p:nvSpPr>
-          <p:cNvPr id="3" name="TextBox 2">
-            <a:extLst>
-              <a:ext uri="{FF2B5EF4-FFF2-40B4-BE49-F238E27FC236}">
-                <a16:creationId xmlns:a16="http://schemas.microsoft.com/office/drawing/2014/main" id="{5D8B9B28-F21B-544B-AF00-B338CA17FC97}"/>
-              </a:ext>
-            </a:extLst>
-          </p:cNvPr>
-          <p:cNvSpPr txBox="1"/>
-          <p:nvPr/>
-        </p:nvSpPr>
-        <p:spPr>
-          <a:xfrm>
-            <a:off x="250068" y="620688"/>
-            <a:ext cx="8893932" cy="1477328"/>
-          </a:xfrm>
-          <a:prstGeom prst="rect">
-            <a:avLst/>
-          </a:prstGeom>
-          <a:noFill/>
-        </p:spPr>
-        <p:txBody>
-          <a:bodyPr wrap="square" rtlCol="0">
-            <a:spAutoFit/>
-          </a:bodyPr>
-          <a:lstStyle/>
-          <a:p>
-            <a:r>
-              <a:rPr lang="en-US" b="1" dirty="0"/>
-              <a:t>1</a:t>
-            </a:r>
-            <a:r>
-              <a:rPr lang="ru-RU" b="1" dirty="0"/>
-              <a:t>4</a:t>
-            </a:r>
-            <a:r>
-              <a:rPr lang="en-US" b="1" dirty="0"/>
-              <a:t>. </a:t>
-            </a:r>
-            <a:r>
-              <a:rPr lang="ru-RU" b="1" dirty="0"/>
-              <a:t>Регулярное выражение должно в строке </a:t>
-            </a:r>
-            <a:r>
-              <a:rPr lang="en-US" b="1" dirty="0"/>
-              <a:t>string </a:t>
-            </a:r>
-            <a:r>
-              <a:rPr lang="ru-RU" b="1" dirty="0"/>
-              <a:t>найти 2 корректных</a:t>
-            </a:r>
-            <a:r>
-              <a:rPr lang="en-US" b="1" dirty="0"/>
-              <a:t> URL </a:t>
-            </a:r>
-            <a:r>
-              <a:rPr lang="ru-RU" b="1" dirty="0"/>
-              <a:t>адреса</a:t>
-            </a:r>
-            <a:br>
-              <a:rPr lang="ru-RU" b="1" dirty="0"/>
-            </a:br>
-            <a:br>
-              <a:rPr lang="ru-RU" b="1" dirty="0"/>
-            </a:br>
-            <a:r>
-              <a:rPr lang="en-US" b="1" dirty="0"/>
-              <a:t>http://</a:t>
-            </a:r>
-            <a:r>
-              <a:rPr lang="en-US" b="1" dirty="0" err="1"/>
-              <a:t>beeetrot.se</a:t>
-            </a:r>
-            <a:br>
-              <a:rPr lang="en-US" b="1" dirty="0"/>
-            </a:br>
-            <a:r>
-              <a:rPr lang="en-US" b="1" dirty="0"/>
-              <a:t>https://</a:t>
-            </a:r>
-            <a:r>
-              <a:rPr lang="en-US" b="1" dirty="0" err="1"/>
-              <a:t>www.beetroot.se</a:t>
-            </a:r>
-            <a:endParaRPr lang="en-US" b="1" dirty="0"/>
-          </a:p>
-        </p:txBody>
-      </p:sp>
-      <p:sp>
-        <p:nvSpPr>
-          <p:cNvPr id="4" name="TextBox 3">
-            <a:extLst>
-              <a:ext uri="{FF2B5EF4-FFF2-40B4-BE49-F238E27FC236}">
-                <a16:creationId xmlns:a16="http://schemas.microsoft.com/office/drawing/2014/main" id="{1D1FB894-23FD-4846-861E-39D1565C975E}"/>
-              </a:ext>
-            </a:extLst>
-          </p:cNvPr>
-          <p:cNvSpPr txBox="1"/>
-          <p:nvPr/>
-        </p:nvSpPr>
-        <p:spPr>
-          <a:xfrm>
-            <a:off x="7668344" y="0"/>
-            <a:ext cx="1563248" cy="369332"/>
-          </a:xfrm>
-          <a:prstGeom prst="rect">
-            <a:avLst/>
-          </a:prstGeom>
-          <a:noFill/>
-        </p:spPr>
-        <p:txBody>
-          <a:bodyPr wrap="none" rtlCol="0">
-            <a:spAutoFit/>
-          </a:bodyPr>
-          <a:lstStyle/>
-          <a:p>
-            <a:r>
-              <a:rPr lang="en-US" b="1" dirty="0">
-                <a:highlight>
-                  <a:srgbClr val="C0C0C0"/>
-                </a:highlight>
-              </a:rPr>
               <a:t>lab_2.html</a:t>
             </a:r>
           </a:p>
@@ -18141,7 +17785,7 @@
           <p:cNvPr id="5" name="TextBox 4">
             <a:extLst>
               <a:ext uri="{FF2B5EF4-FFF2-40B4-BE49-F238E27FC236}">
-                <a16:creationId xmlns:a16="http://schemas.microsoft.com/office/drawing/2014/main" id="{D146390B-52CB-0744-9275-E572CB4FCB7B}"/>
+                <a16:creationId xmlns:a16="http://schemas.microsoft.com/office/drawing/2014/main" xmlns="" id="{D146390B-52CB-0744-9275-E572CB4FCB7B}"/>
               </a:ext>
             </a:extLst>
           </p:cNvPr>
@@ -18210,9 +17854,21 @@
               <a:rPr lang="en-US" b="1" dirty="0"/>
               <a:t>:</a:t>
             </a:r>
+            <a:r>
+              <a:rPr lang="ru-RU" b="1" dirty="0"/>
+              <a:t/>
+            </a:r>
             <a:br>
               <a:rPr lang="ru-RU" b="1" dirty="0"/>
             </a:br>
+            <a:r>
+              <a:rPr lang="en-US" b="1" dirty="0" smtClean="0"/>
+              <a:t>/\d\d\d/g</a:t>
+            </a:r>
+            <a:r>
+              <a:rPr lang="ru-RU" b="1" dirty="0"/>
+              <a:t/>
+            </a:r>
             <a:br>
               <a:rPr lang="ru-RU" b="1" dirty="0"/>
             </a:br>
@@ -18242,7 +17898,7 @@
           <p:cNvPr id="6" name="TextBox 5">
             <a:extLst>
               <a:ext uri="{FF2B5EF4-FFF2-40B4-BE49-F238E27FC236}">
-                <a16:creationId xmlns:a16="http://schemas.microsoft.com/office/drawing/2014/main" id="{792C497E-EEA4-7F4D-A13A-86CEA3B4D959}"/>
+                <a16:creationId xmlns:a16="http://schemas.microsoft.com/office/drawing/2014/main" xmlns="" id="{792C497E-EEA4-7F4D-A13A-86CEA3B4D959}"/>
               </a:ext>
             </a:extLst>
           </p:cNvPr>
@@ -18281,7 +17937,7 @@
           <p:cNvPr id="7" name="TextBox 6">
             <a:extLst>
               <a:ext uri="{FF2B5EF4-FFF2-40B4-BE49-F238E27FC236}">
-                <a16:creationId xmlns:a16="http://schemas.microsoft.com/office/drawing/2014/main" id="{351944CE-0E1F-5A4F-AECD-39BA5B2C9028}"/>
+                <a16:creationId xmlns:a16="http://schemas.microsoft.com/office/drawing/2014/main" xmlns="" id="{351944CE-0E1F-5A4F-AECD-39BA5B2C9028}"/>
               </a:ext>
             </a:extLst>
           </p:cNvPr>
@@ -18341,7 +17997,7 @@
           <p:cNvPr id="8" name="TextBox 7">
             <a:extLst>
               <a:ext uri="{FF2B5EF4-FFF2-40B4-BE49-F238E27FC236}">
-                <a16:creationId xmlns:a16="http://schemas.microsoft.com/office/drawing/2014/main" id="{89792899-578F-1649-90C5-83B65683BF2A}"/>
+                <a16:creationId xmlns:a16="http://schemas.microsoft.com/office/drawing/2014/main" xmlns="" id="{89792899-578F-1649-90C5-83B65683BF2A}"/>
               </a:ext>
             </a:extLst>
           </p:cNvPr>
@@ -18380,7 +18036,7 @@
           <p:cNvPr id="9" name="TextBox 8">
             <a:extLst>
               <a:ext uri="{FF2B5EF4-FFF2-40B4-BE49-F238E27FC236}">
-                <a16:creationId xmlns:a16="http://schemas.microsoft.com/office/drawing/2014/main" id="{D385DAA6-5986-614A-A779-1C510D351D5E}"/>
+                <a16:creationId xmlns:a16="http://schemas.microsoft.com/office/drawing/2014/main" xmlns="" id="{D385DAA6-5986-614A-A779-1C510D351D5E}"/>
               </a:ext>
             </a:extLst>
           </p:cNvPr>
@@ -18390,7 +18046,7 @@
         <p:spPr>
           <a:xfrm>
             <a:off x="250068" y="5823443"/>
-            <a:ext cx="8893932" cy="646331"/>
+            <a:ext cx="8893932" cy="1477328"/>
           </a:xfrm>
           <a:prstGeom prst="rect">
             <a:avLst/>
@@ -18428,8 +18084,31 @@
             </a:br>
             <a:r>
               <a:rPr lang="ru-RU" b="1" dirty="0"/>
-              <a:t>Результат вывести в консоль</a:t>
-            </a:r>
+              <a:t>Результат вывести в </a:t>
+            </a:r>
+            <a:r>
+              <a:rPr lang="ru-RU" b="1" dirty="0" smtClean="0"/>
+              <a:t>консоль</a:t>
+            </a:r>
+            <a:endParaRPr lang="en-US" b="1" dirty="0" smtClean="0"/>
+          </a:p>
+          <a:p>
+            <a:r>
+              <a:rPr lang="en-US" b="1" dirty="0"/>
+              <a:t>/&lt;(\w)&gt;(.+)&lt;\/\1</a:t>
+            </a:r>
+            <a:r>
+              <a:rPr lang="en-US" b="1" dirty="0" smtClean="0"/>
+              <a:t>&gt;/</a:t>
+            </a:r>
+          </a:p>
+          <a:p>
+            <a:r>
+              <a:rPr lang="en-US" b="1" dirty="0"/>
+              <a:t>&lt;\/?([a-z]+)&gt;</a:t>
+            </a:r>
+          </a:p>
+          <a:p>
             <a:endParaRPr lang="en-US" b="1" dirty="0"/>
           </a:p>
         </p:txBody>
@@ -18439,7 +18118,7 @@
           <p:cNvPr id="10" name="TextBox 9">
             <a:extLst>
               <a:ext uri="{FF2B5EF4-FFF2-40B4-BE49-F238E27FC236}">
-                <a16:creationId xmlns:a16="http://schemas.microsoft.com/office/drawing/2014/main" id="{231B5C11-F8ED-C34B-94D0-F0E95C36E729}"/>
+                <a16:creationId xmlns:a16="http://schemas.microsoft.com/office/drawing/2014/main" xmlns="" id="{231B5C11-F8ED-C34B-94D0-F0E95C36E729}"/>
               </a:ext>
             </a:extLst>
           </p:cNvPr>
@@ -18524,7 +18203,7 @@
           <p:cNvPr id="3" name="Rectangle 2">
             <a:extLst>
               <a:ext uri="{FF2B5EF4-FFF2-40B4-BE49-F238E27FC236}">
-                <a16:creationId xmlns:a16="http://schemas.microsoft.com/office/drawing/2014/main" id="{B5422FE2-3D4E-CA40-80E2-0EC61B2F993B}"/>
+                <a16:creationId xmlns:a16="http://schemas.microsoft.com/office/drawing/2014/main" xmlns="" id="{B5422FE2-3D4E-CA40-80E2-0EC61B2F993B}"/>
               </a:ext>
             </a:extLst>
           </p:cNvPr>
@@ -18575,7 +18254,7 @@
           <p:cNvPr id="6" name="Rectangle 5">
             <a:extLst>
               <a:ext uri="{FF2B5EF4-FFF2-40B4-BE49-F238E27FC236}">
-                <a16:creationId xmlns:a16="http://schemas.microsoft.com/office/drawing/2014/main" id="{65400F34-8B43-904C-A659-C80B8E5ACDA2}"/>
+                <a16:creationId xmlns:a16="http://schemas.microsoft.com/office/drawing/2014/main" xmlns="" id="{65400F34-8B43-904C-A659-C80B8E5ACDA2}"/>
               </a:ext>
             </a:extLst>
           </p:cNvPr>
@@ -18621,7 +18300,7 @@
           <p:cNvPr id="2" name="Rectangle 1">
             <a:extLst>
               <a:ext uri="{FF2B5EF4-FFF2-40B4-BE49-F238E27FC236}">
-                <a16:creationId xmlns:a16="http://schemas.microsoft.com/office/drawing/2014/main" id="{6A5D79FD-6995-DE40-A025-25D27174F7FA}"/>
+                <a16:creationId xmlns:a16="http://schemas.microsoft.com/office/drawing/2014/main" xmlns="" id="{6A5D79FD-6995-DE40-A025-25D27174F7FA}"/>
               </a:ext>
             </a:extLst>
           </p:cNvPr>
@@ -19432,7 +19111,7 @@
           <p:cNvPr id="3" name="Rectangle 2">
             <a:extLst>
               <a:ext uri="{FF2B5EF4-FFF2-40B4-BE49-F238E27FC236}">
-                <a16:creationId xmlns:a16="http://schemas.microsoft.com/office/drawing/2014/main" id="{B5422FE2-3D4E-CA40-80E2-0EC61B2F993B}"/>
+                <a16:creationId xmlns:a16="http://schemas.microsoft.com/office/drawing/2014/main" xmlns="" id="{B5422FE2-3D4E-CA40-80E2-0EC61B2F993B}"/>
               </a:ext>
             </a:extLst>
           </p:cNvPr>
@@ -19483,7 +19162,7 @@
           <p:cNvPr id="6" name="Rectangle 5">
             <a:extLst>
               <a:ext uri="{FF2B5EF4-FFF2-40B4-BE49-F238E27FC236}">
-                <a16:creationId xmlns:a16="http://schemas.microsoft.com/office/drawing/2014/main" id="{65400F34-8B43-904C-A659-C80B8E5ACDA2}"/>
+                <a16:creationId xmlns:a16="http://schemas.microsoft.com/office/drawing/2014/main" xmlns="" id="{65400F34-8B43-904C-A659-C80B8E5ACDA2}"/>
               </a:ext>
             </a:extLst>
           </p:cNvPr>
@@ -19529,7 +19208,7 @@
           <p:cNvPr id="2" name="Rectangle 1">
             <a:extLst>
               <a:ext uri="{FF2B5EF4-FFF2-40B4-BE49-F238E27FC236}">
-                <a16:creationId xmlns:a16="http://schemas.microsoft.com/office/drawing/2014/main" id="{F74C7411-FB1D-864A-AECC-52D83A73CE7A}"/>
+                <a16:creationId xmlns:a16="http://schemas.microsoft.com/office/drawing/2014/main" xmlns="" id="{F74C7411-FB1D-864A-AECC-52D83A73CE7A}"/>
               </a:ext>
             </a:extLst>
           </p:cNvPr>
@@ -20159,7 +19838,7 @@
           <p:cNvPr id="3" name="Rectangle 2">
             <a:extLst>
               <a:ext uri="{FF2B5EF4-FFF2-40B4-BE49-F238E27FC236}">
-                <a16:creationId xmlns:a16="http://schemas.microsoft.com/office/drawing/2014/main" id="{B5422FE2-3D4E-CA40-80E2-0EC61B2F993B}"/>
+                <a16:creationId xmlns:a16="http://schemas.microsoft.com/office/drawing/2014/main" xmlns="" id="{B5422FE2-3D4E-CA40-80E2-0EC61B2F993B}"/>
               </a:ext>
             </a:extLst>
           </p:cNvPr>
@@ -20210,7 +19889,7 @@
           <p:cNvPr id="6" name="Rectangle 5">
             <a:extLst>
               <a:ext uri="{FF2B5EF4-FFF2-40B4-BE49-F238E27FC236}">
-                <a16:creationId xmlns:a16="http://schemas.microsoft.com/office/drawing/2014/main" id="{65400F34-8B43-904C-A659-C80B8E5ACDA2}"/>
+                <a16:creationId xmlns:a16="http://schemas.microsoft.com/office/drawing/2014/main" xmlns="" id="{65400F34-8B43-904C-A659-C80B8E5ACDA2}"/>
               </a:ext>
             </a:extLst>
           </p:cNvPr>
@@ -20262,7 +19941,7 @@
           <p:cNvPr id="4" name="Rectangle 3">
             <a:extLst>
               <a:ext uri="{FF2B5EF4-FFF2-40B4-BE49-F238E27FC236}">
-                <a16:creationId xmlns:a16="http://schemas.microsoft.com/office/drawing/2014/main" id="{389C4032-EC98-0844-A41B-B70601EA6E72}"/>
+                <a16:creationId xmlns:a16="http://schemas.microsoft.com/office/drawing/2014/main" xmlns="" id="{389C4032-EC98-0844-A41B-B70601EA6E72}"/>
               </a:ext>
             </a:extLst>
           </p:cNvPr>
@@ -20699,7 +20378,7 @@
           <p:cNvPr id="5" name="Rectangle 4">
             <a:extLst>
               <a:ext uri="{FF2B5EF4-FFF2-40B4-BE49-F238E27FC236}">
-                <a16:creationId xmlns:a16="http://schemas.microsoft.com/office/drawing/2014/main" id="{5006EEB4-5626-454B-8E6B-35DB4026E180}"/>
+                <a16:creationId xmlns:a16="http://schemas.microsoft.com/office/drawing/2014/main" xmlns="" id="{5006EEB4-5626-454B-8E6B-35DB4026E180}"/>
               </a:ext>
             </a:extLst>
           </p:cNvPr>
@@ -21265,7 +20944,7 @@
           <p:cNvPr id="5" name="Заголовок 1">
             <a:extLst>
               <a:ext uri="{FF2B5EF4-FFF2-40B4-BE49-F238E27FC236}">
-                <a16:creationId xmlns:a16="http://schemas.microsoft.com/office/drawing/2014/main" id="{3FAEF85F-C287-514B-8568-CE2571C8FCF4}"/>
+                <a16:creationId xmlns:a16="http://schemas.microsoft.com/office/drawing/2014/main" xmlns="" id="{3FAEF85F-C287-514B-8568-CE2571C8FCF4}"/>
               </a:ext>
             </a:extLst>
           </p:cNvPr>
@@ -21469,7 +21148,7 @@
           <p:cNvPr id="6" name="TextBox 5">
             <a:extLst>
               <a:ext uri="{FF2B5EF4-FFF2-40B4-BE49-F238E27FC236}">
-                <a16:creationId xmlns:a16="http://schemas.microsoft.com/office/drawing/2014/main" id="{63684762-F30D-9146-BC53-1524BC88C3D6}"/>
+                <a16:creationId xmlns:a16="http://schemas.microsoft.com/office/drawing/2014/main" xmlns="" id="{63684762-F30D-9146-BC53-1524BC88C3D6}"/>
               </a:ext>
             </a:extLst>
           </p:cNvPr>
